--- a/finalpresentation.pptx
+++ b/finalpresentation.pptx
@@ -1,22 +1,32 @@
 
 <file path=ppt/presentation.xml><?xml version="1.0" encoding="utf-8"?>
-<p:presentation xmlns:a="http://schemas.openxmlformats.org/drawingml/2006/main" xmlns:r="http://schemas.openxmlformats.org/officeDocument/2006/relationships" xmlns:mc="http://schemas.openxmlformats.org/markup-compatibility/2006" xmlns:mv="urn:schemas-microsoft-com:mac:vml" xmlns:p="http://schemas.openxmlformats.org/presentationml/2006/main" mc:Ignorable="mv" mc:PreserveAttributes="mv:*" saveSubsetFonts="1" autoCompressPictures="0">
+<p:presentation xmlns:a="http://schemas.openxmlformats.org/drawingml/2006/main" xmlns:r="http://schemas.openxmlformats.org/officeDocument/2006/relationships" xmlns:p="http://schemas.openxmlformats.org/presentationml/2006/main" saveSubsetFonts="1" autoCompressPictures="0">
   <p:sldMasterIdLst>
     <p:sldMasterId id="2147483793" r:id="rId1"/>
   </p:sldMasterIdLst>
   <p:notesMasterIdLst>
-    <p:notesMasterId r:id="rId11"/>
+    <p:notesMasterId r:id="rId21"/>
   </p:notesMasterIdLst>
   <p:sldIdLst>
     <p:sldId id="256" r:id="rId2"/>
     <p:sldId id="257" r:id="rId3"/>
-    <p:sldId id="258" r:id="rId4"/>
-    <p:sldId id="259" r:id="rId5"/>
-    <p:sldId id="260" r:id="rId6"/>
-    <p:sldId id="261" r:id="rId7"/>
-    <p:sldId id="262" r:id="rId8"/>
-    <p:sldId id="263" r:id="rId9"/>
-    <p:sldId id="264" r:id="rId10"/>
+    <p:sldId id="265" r:id="rId4"/>
+    <p:sldId id="266" r:id="rId5"/>
+    <p:sldId id="267" r:id="rId6"/>
+    <p:sldId id="268" r:id="rId7"/>
+    <p:sldId id="269" r:id="rId8"/>
+    <p:sldId id="270" r:id="rId9"/>
+    <p:sldId id="258" r:id="rId10"/>
+    <p:sldId id="271" r:id="rId11"/>
+    <p:sldId id="259" r:id="rId12"/>
+    <p:sldId id="272" r:id="rId13"/>
+    <p:sldId id="273" r:id="rId14"/>
+    <p:sldId id="274" r:id="rId15"/>
+    <p:sldId id="262" r:id="rId16"/>
+    <p:sldId id="275" r:id="rId17"/>
+    <p:sldId id="276" r:id="rId18"/>
+    <p:sldId id="278" r:id="rId19"/>
+    <p:sldId id="264" r:id="rId20"/>
   </p:sldIdLst>
   <p:sldSz cx="9144000" cy="6858000" type="screen4x3"/>
   <p:notesSz cx="6858000" cy="9144000"/>
@@ -119,7 +129,7 @@
 </file>
 
 <file path=ppt/notesMasters/notesMaster1.xml><?xml version="1.0" encoding="utf-8"?>
-<p:notesMaster xmlns:a="http://schemas.openxmlformats.org/drawingml/2006/main" xmlns:r="http://schemas.openxmlformats.org/officeDocument/2006/relationships" xmlns:mc="http://schemas.openxmlformats.org/markup-compatibility/2006" xmlns:mv="urn:schemas-microsoft-com:mac:vml" xmlns:p="http://schemas.openxmlformats.org/presentationml/2006/main" mc:Ignorable="mv" mc:PreserveAttributes="mv:*">
+<p:notesMaster xmlns:a="http://schemas.openxmlformats.org/drawingml/2006/main" xmlns:r="http://schemas.openxmlformats.org/officeDocument/2006/relationships" xmlns:p="http://schemas.openxmlformats.org/presentationml/2006/main">
   <p:cSld>
     <p:bg>
       <p:bgRef idx="1001">
@@ -200,7 +210,7 @@
           <a:p>
             <a:fld id="{BCF8A617-DCAD-2A45-A9A3-CC296E356C2D}" type="datetimeFigureOut">
               <a:rPr lang="en-US" smtClean="0"/>
-              <a:t>11/30/12</a:t>
+              <a:t>3/20/13</a:t>
             </a:fld>
             <a:endParaRPr lang="en-US"/>
           </a:p>
@@ -368,6 +378,11 @@
         </p:txBody>
       </p:sp>
     </p:spTree>
+    <p:extLst>
+      <p:ext uri="{BB962C8B-B14F-4D97-AF65-F5344CB8AC3E}">
+        <p14:creationId xmlns:p14="http://schemas.microsoft.com/office/powerpoint/2010/main" val="2560618167"/>
+      </p:ext>
+    </p:extLst>
   </p:cSld>
   <p:clrMap bg1="lt1" tx1="dk1" bg2="lt2" tx2="dk2" accent1="accent1" accent2="accent2" accent3="accent3" accent4="accent4" accent5="accent5" accent6="accent6" hlink="hlink" folHlink="folHlink"/>
   <p:notesStyle>
@@ -466,7 +481,7 @@
 </file>
 
 <file path=ppt/notesSlides/notesSlide1.xml><?xml version="1.0" encoding="utf-8"?>
-<p:notes xmlns:a="http://schemas.openxmlformats.org/drawingml/2006/main" xmlns:r="http://schemas.openxmlformats.org/officeDocument/2006/relationships" xmlns:mc="http://schemas.openxmlformats.org/markup-compatibility/2006" xmlns:mv="urn:schemas-microsoft-com:mac:vml" xmlns:p="http://schemas.openxmlformats.org/presentationml/2006/main" mc:Ignorable="mv" mc:PreserveAttributes="mv:*">
+<p:notes xmlns:a="http://schemas.openxmlformats.org/drawingml/2006/main" xmlns:r="http://schemas.openxmlformats.org/officeDocument/2006/relationships" xmlns:p="http://schemas.openxmlformats.org/presentationml/2006/main">
   <p:cSld>
     <p:spTree>
       <p:nvGrpSpPr>
@@ -511,62 +526,6 @@
           </a:bodyPr>
           <a:lstStyle/>
           <a:p>
-            <a:r>
-              <a:rPr lang="en-US" dirty="0" smtClean="0"/>
-              <a:t>Of all today’s powerful Internet tools, file hosting systems such as </a:t>
-            </a:r>
-            <a:r>
-              <a:rPr lang="en-US" dirty="0" err="1" smtClean="0"/>
-              <a:t>Dropbox</a:t>
-            </a:r>
-            <a:r>
-              <a:rPr lang="en-US" dirty="0" smtClean="0"/>
-              <a:t> and</a:t>
-            </a:r>
-            <a:r>
-              <a:rPr lang="en-US" baseline="0" dirty="0" smtClean="0"/>
-              <a:t> Google Drive are some of the most familiar and heavily </a:t>
-            </a:r>
-            <a:r>
-              <a:rPr lang="en-US" baseline="0" dirty="0" err="1" smtClean="0"/>
-              <a:t>used.</a:t>
-            </a:r>
-            <a:r>
-              <a:rPr lang="en-US" dirty="0" err="1" smtClean="0"/>
-              <a:t>for</a:t>
-            </a:r>
-            <a:r>
-              <a:rPr lang="en-US" dirty="0" smtClean="0"/>
-              <a:t> remote file storage and backup, collaborative work, and file sharing.</a:t>
-            </a:r>
-            <a:br>
-              <a:rPr lang="en-US" dirty="0" smtClean="0"/>
-            </a:br>
-            <a:r>
-              <a:rPr lang="en-US" dirty="0" smtClean="0"/>
-              <a:t>These systems rely on centralized storage, which have inherent privacy issues and present a central point of failure.</a:t>
-            </a:r>
-            <a:br>
-              <a:rPr lang="en-US" dirty="0" smtClean="0"/>
-            </a:br>
-            <a:r>
-              <a:rPr lang="en-US" dirty="0" smtClean="0"/>
-              <a:t>One solution to this problem would be to distribute data storage across all users by storing replicas on individual user machines.</a:t>
-            </a:r>
-            <a:br>
-              <a:rPr lang="en-US" dirty="0" smtClean="0"/>
-            </a:br>
-            <a:r>
-              <a:rPr lang="en-US" dirty="0" smtClean="0"/>
-              <a:t>Such a distributed file hosting system must handle many things: replication strategy, node departures and failures, reads/writes, etc.</a:t>
-            </a:r>
-            <a:br>
-              <a:rPr lang="en-US" dirty="0" smtClean="0"/>
-            </a:br>
-            <a:r>
-              <a:rPr lang="en-US" dirty="0" smtClean="0"/>
-              <a:t>So, given users with dynamic online times (and possible failures), can we provide a distributed file hosting system that allows online reads/writes and high data availability?</a:t>
-            </a:r>
             <a:endParaRPr lang="en-US" dirty="0"/>
           </a:p>
         </p:txBody>
@@ -602,8 +561,8 @@
 </p:notes>
 </file>
 
-<file path=ppt/notesSlides/notesSlide2.xml><?xml version="1.0" encoding="utf-8"?>
-<p:notes xmlns:a="http://schemas.openxmlformats.org/drawingml/2006/main" xmlns:r="http://schemas.openxmlformats.org/officeDocument/2006/relationships" xmlns:mc="http://schemas.openxmlformats.org/markup-compatibility/2006" xmlns:mv="urn:schemas-microsoft-com:mac:vml" xmlns:p="http://schemas.openxmlformats.org/presentationml/2006/main" mc:Ignorable="mv" mc:PreserveAttributes="mv:*">
+<file path=ppt/notesSlides/notesSlide10.xml><?xml version="1.0" encoding="utf-8"?>
+<p:notes xmlns:a="http://schemas.openxmlformats.org/drawingml/2006/main" xmlns:r="http://schemas.openxmlformats.org/officeDocument/2006/relationships" xmlns:p="http://schemas.openxmlformats.org/presentationml/2006/main">
   <p:cSld>
     <p:spTree>
       <p:nvGrpSpPr>
@@ -709,7 +668,7 @@
           <a:p>
             <a:fld id="{D0879E71-BD36-AB44-83C8-3E1EA90C20B1}" type="slidenum">
               <a:rPr lang="en-US" smtClean="0"/>
-              <a:t>4</a:t>
+              <a:t>14</a:t>
             </a:fld>
             <a:endParaRPr lang="en-US"/>
           </a:p>
@@ -723,8 +682,8 @@
 </p:notes>
 </file>
 
-<file path=ppt/notesSlides/notesSlide3.xml><?xml version="1.0" encoding="utf-8"?>
-<p:notes xmlns:a="http://schemas.openxmlformats.org/drawingml/2006/main" xmlns:r="http://schemas.openxmlformats.org/officeDocument/2006/relationships" xmlns:mc="http://schemas.openxmlformats.org/markup-compatibility/2006" xmlns:mv="urn:schemas-microsoft-com:mac:vml" xmlns:p="http://schemas.openxmlformats.org/presentationml/2006/main" mc:Ignorable="mv" mc:PreserveAttributes="mv:*">
+<file path=ppt/notesSlides/notesSlide11.xml><?xml version="1.0" encoding="utf-8"?>
+<p:notes xmlns:a="http://schemas.openxmlformats.org/drawingml/2006/main" xmlns:r="http://schemas.openxmlformats.org/officeDocument/2006/relationships" xmlns:p="http://schemas.openxmlformats.org/presentationml/2006/main">
   <p:cSld>
     <p:spTree>
       <p:nvGrpSpPr>
@@ -769,71 +728,250 @@
           </a:bodyPr>
           <a:lstStyle/>
           <a:p>
-            <a:pPr marL="228600" indent="-228600">
-              <a:buAutoNum type="arabicPeriod"/>
-            </a:pPr>
-            <a:r>
-              <a:rPr lang="en-US" dirty="0" smtClean="0"/>
-              <a:t>Clients connect</a:t>
-            </a:r>
-          </a:p>
-          <a:p>
-            <a:pPr marL="228600" indent="-228600">
-              <a:buAutoNum type="arabicPeriod"/>
-            </a:pPr>
-            <a:r>
-              <a:rPr lang="en-US" dirty="0" smtClean="0"/>
-              <a:t>C1 makes change,</a:t>
-            </a:r>
-            <a:r>
-              <a:rPr lang="en-US" baseline="0" dirty="0" smtClean="0"/>
-              <a:t> sends request to broker</a:t>
-            </a:r>
-          </a:p>
-          <a:p>
-            <a:pPr marL="685800" lvl="1" indent="-228600">
-              <a:buAutoNum type="arabicPeriod"/>
-            </a:pPr>
-            <a:r>
-              <a:rPr lang="en-US" baseline="0" dirty="0" smtClean="0"/>
-              <a:t>Broker accepts change, sends back ACK</a:t>
-            </a:r>
-          </a:p>
-          <a:p>
-            <a:pPr marL="228600" lvl="0" indent="-228600">
-              <a:buAutoNum type="arabicPeriod"/>
-            </a:pPr>
-            <a:r>
-              <a:rPr lang="en-US" baseline="0" dirty="0" smtClean="0"/>
-              <a:t>C1 receives ACK and sends out actual change</a:t>
-            </a:r>
-          </a:p>
-          <a:p>
-            <a:pPr marL="228600" lvl="0" indent="-228600">
-              <a:buAutoNum type="arabicPeriod"/>
-            </a:pPr>
-            <a:r>
-              <a:rPr lang="en-US" baseline="0" dirty="0" smtClean="0"/>
-              <a:t>Later C1 dies, and C2 makes a change and pushes it while C1 is dead</a:t>
-            </a:r>
-          </a:p>
-          <a:p>
-            <a:pPr marL="228600" lvl="0" indent="-228600">
-              <a:buAutoNum type="arabicPeriod"/>
-            </a:pPr>
-            <a:r>
-              <a:rPr lang="en-US" baseline="0" dirty="0" smtClean="0"/>
-              <a:t>Later C1 returns, and connects to the broker.</a:t>
-            </a:r>
-          </a:p>
-          <a:p>
-            <a:pPr marL="228600" lvl="0" indent="-228600">
-              <a:buAutoNum type="arabicPeriod"/>
-            </a:pPr>
-            <a:r>
-              <a:rPr lang="en-US" baseline="0" dirty="0" smtClean="0"/>
-              <a:t>C1 tries to push some stuff to the broker, but </a:t>
-            </a:r>
+            <a:endParaRPr lang="en-US" dirty="0"/>
+          </a:p>
+        </p:txBody>
+      </p:sp>
+      <p:sp>
+        <p:nvSpPr>
+          <p:cNvPr id="4" name="Slide Number Placeholder 3"/>
+          <p:cNvSpPr>
+            <a:spLocks noGrp="1"/>
+          </p:cNvSpPr>
+          <p:nvPr>
+            <p:ph type="sldNum" sz="quarter" idx="10"/>
+          </p:nvPr>
+        </p:nvSpPr>
+        <p:spPr/>
+        <p:txBody>
+          <a:bodyPr/>
+          <a:lstStyle/>
+          <a:p>
+            <a:fld id="{D0879E71-BD36-AB44-83C8-3E1EA90C20B1}" type="slidenum">
+              <a:rPr lang="en-US" smtClean="0"/>
+              <a:t>18</a:t>
+            </a:fld>
+            <a:endParaRPr lang="en-US"/>
+          </a:p>
+        </p:txBody>
+      </p:sp>
+    </p:spTree>
+  </p:cSld>
+  <p:clrMapOvr>
+    <a:masterClrMapping/>
+  </p:clrMapOvr>
+</p:notes>
+</file>
+
+<file path=ppt/notesSlides/notesSlide2.xml><?xml version="1.0" encoding="utf-8"?>
+<p:notes xmlns:a="http://schemas.openxmlformats.org/drawingml/2006/main" xmlns:r="http://schemas.openxmlformats.org/officeDocument/2006/relationships" xmlns:p="http://schemas.openxmlformats.org/presentationml/2006/main">
+  <p:cSld>
+    <p:spTree>
+      <p:nvGrpSpPr>
+        <p:cNvPr id="1" name=""/>
+        <p:cNvGrpSpPr/>
+        <p:nvPr/>
+      </p:nvGrpSpPr>
+      <p:grpSpPr>
+        <a:xfrm>
+          <a:off x="0" y="0"/>
+          <a:ext cx="0" cy="0"/>
+          <a:chOff x="0" y="0"/>
+          <a:chExt cx="0" cy="0"/>
+        </a:xfrm>
+      </p:grpSpPr>
+      <p:sp>
+        <p:nvSpPr>
+          <p:cNvPr id="2" name="Slide Image Placeholder 1"/>
+          <p:cNvSpPr>
+            <a:spLocks noGrp="1" noRot="1" noChangeAspect="1"/>
+          </p:cNvSpPr>
+          <p:nvPr>
+            <p:ph type="sldImg"/>
+          </p:nvPr>
+        </p:nvSpPr>
+        <p:spPr/>
+      </p:sp>
+      <p:sp>
+        <p:nvSpPr>
+          <p:cNvPr id="3" name="Notes Placeholder 2"/>
+          <p:cNvSpPr>
+            <a:spLocks noGrp="1"/>
+          </p:cNvSpPr>
+          <p:nvPr>
+            <p:ph type="body" idx="1"/>
+          </p:nvPr>
+        </p:nvSpPr>
+        <p:spPr/>
+        <p:txBody>
+          <a:bodyPr>
+            <a:normAutofit/>
+          </a:bodyPr>
+          <a:lstStyle/>
+          <a:p>
+            <a:endParaRPr lang="en-US" dirty="0"/>
+          </a:p>
+        </p:txBody>
+      </p:sp>
+      <p:sp>
+        <p:nvSpPr>
+          <p:cNvPr id="4" name="Slide Number Placeholder 3"/>
+          <p:cNvSpPr>
+            <a:spLocks noGrp="1"/>
+          </p:cNvSpPr>
+          <p:nvPr>
+            <p:ph type="sldNum" sz="quarter" idx="10"/>
+          </p:nvPr>
+        </p:nvSpPr>
+        <p:spPr/>
+        <p:txBody>
+          <a:bodyPr/>
+          <a:lstStyle/>
+          <a:p>
+            <a:fld id="{D0879E71-BD36-AB44-83C8-3E1EA90C20B1}" type="slidenum">
+              <a:rPr lang="en-US" smtClean="0"/>
+              <a:t>3</a:t>
+            </a:fld>
+            <a:endParaRPr lang="en-US"/>
+          </a:p>
+        </p:txBody>
+      </p:sp>
+    </p:spTree>
+  </p:cSld>
+  <p:clrMapOvr>
+    <a:masterClrMapping/>
+  </p:clrMapOvr>
+</p:notes>
+</file>
+
+<file path=ppt/notesSlides/notesSlide3.xml><?xml version="1.0" encoding="utf-8"?>
+<p:notes xmlns:a="http://schemas.openxmlformats.org/drawingml/2006/main" xmlns:r="http://schemas.openxmlformats.org/officeDocument/2006/relationships" xmlns:p="http://schemas.openxmlformats.org/presentationml/2006/main">
+  <p:cSld>
+    <p:spTree>
+      <p:nvGrpSpPr>
+        <p:cNvPr id="1" name=""/>
+        <p:cNvGrpSpPr/>
+        <p:nvPr/>
+      </p:nvGrpSpPr>
+      <p:grpSpPr>
+        <a:xfrm>
+          <a:off x="0" y="0"/>
+          <a:ext cx="0" cy="0"/>
+          <a:chOff x="0" y="0"/>
+          <a:chExt cx="0" cy="0"/>
+        </a:xfrm>
+      </p:grpSpPr>
+      <p:sp>
+        <p:nvSpPr>
+          <p:cNvPr id="2" name="Slide Image Placeholder 1"/>
+          <p:cNvSpPr>
+            <a:spLocks noGrp="1" noRot="1" noChangeAspect="1"/>
+          </p:cNvSpPr>
+          <p:nvPr>
+            <p:ph type="sldImg"/>
+          </p:nvPr>
+        </p:nvSpPr>
+        <p:spPr/>
+      </p:sp>
+      <p:sp>
+        <p:nvSpPr>
+          <p:cNvPr id="3" name="Notes Placeholder 2"/>
+          <p:cNvSpPr>
+            <a:spLocks noGrp="1"/>
+          </p:cNvSpPr>
+          <p:nvPr>
+            <p:ph type="body" idx="1"/>
+          </p:nvPr>
+        </p:nvSpPr>
+        <p:spPr/>
+        <p:txBody>
+          <a:bodyPr>
+            <a:normAutofit/>
+          </a:bodyPr>
+          <a:lstStyle/>
+          <a:p>
+            <a:endParaRPr lang="en-US" dirty="0"/>
+          </a:p>
+        </p:txBody>
+      </p:sp>
+      <p:sp>
+        <p:nvSpPr>
+          <p:cNvPr id="4" name="Slide Number Placeholder 3"/>
+          <p:cNvSpPr>
+            <a:spLocks noGrp="1"/>
+          </p:cNvSpPr>
+          <p:nvPr>
+            <p:ph type="sldNum" sz="quarter" idx="10"/>
+          </p:nvPr>
+        </p:nvSpPr>
+        <p:spPr/>
+        <p:txBody>
+          <a:bodyPr/>
+          <a:lstStyle/>
+          <a:p>
+            <a:fld id="{D0879E71-BD36-AB44-83C8-3E1EA90C20B1}" type="slidenum">
+              <a:rPr lang="en-US" smtClean="0"/>
+              <a:t>4</a:t>
+            </a:fld>
+            <a:endParaRPr lang="en-US"/>
+          </a:p>
+        </p:txBody>
+      </p:sp>
+    </p:spTree>
+  </p:cSld>
+  <p:clrMapOvr>
+    <a:masterClrMapping/>
+  </p:clrMapOvr>
+</p:notes>
+</file>
+
+<file path=ppt/notesSlides/notesSlide4.xml><?xml version="1.0" encoding="utf-8"?>
+<p:notes xmlns:a="http://schemas.openxmlformats.org/drawingml/2006/main" xmlns:r="http://schemas.openxmlformats.org/officeDocument/2006/relationships" xmlns:p="http://schemas.openxmlformats.org/presentationml/2006/main">
+  <p:cSld>
+    <p:spTree>
+      <p:nvGrpSpPr>
+        <p:cNvPr id="1" name=""/>
+        <p:cNvGrpSpPr/>
+        <p:nvPr/>
+      </p:nvGrpSpPr>
+      <p:grpSpPr>
+        <a:xfrm>
+          <a:off x="0" y="0"/>
+          <a:ext cx="0" cy="0"/>
+          <a:chOff x="0" y="0"/>
+          <a:chExt cx="0" cy="0"/>
+        </a:xfrm>
+      </p:grpSpPr>
+      <p:sp>
+        <p:nvSpPr>
+          <p:cNvPr id="2" name="Slide Image Placeholder 1"/>
+          <p:cNvSpPr>
+            <a:spLocks noGrp="1" noRot="1" noChangeAspect="1"/>
+          </p:cNvSpPr>
+          <p:nvPr>
+            <p:ph type="sldImg"/>
+          </p:nvPr>
+        </p:nvSpPr>
+        <p:spPr/>
+      </p:sp>
+      <p:sp>
+        <p:nvSpPr>
+          <p:cNvPr id="3" name="Notes Placeholder 2"/>
+          <p:cNvSpPr>
+            <a:spLocks noGrp="1"/>
+          </p:cNvSpPr>
+          <p:nvPr>
+            <p:ph type="body" idx="1"/>
+          </p:nvPr>
+        </p:nvSpPr>
+        <p:spPr/>
+        <p:txBody>
+          <a:bodyPr>
+            <a:normAutofit/>
+          </a:bodyPr>
+          <a:lstStyle/>
+          <a:p>
+            <a:endParaRPr lang="en-US" dirty="0"/>
           </a:p>
         </p:txBody>
       </p:sp>
@@ -855,6 +993,531 @@
             <a:fld id="{D0879E71-BD36-AB44-83C8-3E1EA90C20B1}" type="slidenum">
               <a:rPr lang="en-US" smtClean="0"/>
               <a:t>5</a:t>
+            </a:fld>
+            <a:endParaRPr lang="en-US"/>
+          </a:p>
+        </p:txBody>
+      </p:sp>
+    </p:spTree>
+  </p:cSld>
+  <p:clrMapOvr>
+    <a:masterClrMapping/>
+  </p:clrMapOvr>
+</p:notes>
+</file>
+
+<file path=ppt/notesSlides/notesSlide5.xml><?xml version="1.0" encoding="utf-8"?>
+<p:notes xmlns:a="http://schemas.openxmlformats.org/drawingml/2006/main" xmlns:r="http://schemas.openxmlformats.org/officeDocument/2006/relationships" xmlns:p="http://schemas.openxmlformats.org/presentationml/2006/main">
+  <p:cSld>
+    <p:spTree>
+      <p:nvGrpSpPr>
+        <p:cNvPr id="1" name=""/>
+        <p:cNvGrpSpPr/>
+        <p:nvPr/>
+      </p:nvGrpSpPr>
+      <p:grpSpPr>
+        <a:xfrm>
+          <a:off x="0" y="0"/>
+          <a:ext cx="0" cy="0"/>
+          <a:chOff x="0" y="0"/>
+          <a:chExt cx="0" cy="0"/>
+        </a:xfrm>
+      </p:grpSpPr>
+      <p:sp>
+        <p:nvSpPr>
+          <p:cNvPr id="2" name="Slide Image Placeholder 1"/>
+          <p:cNvSpPr>
+            <a:spLocks noGrp="1" noRot="1" noChangeAspect="1"/>
+          </p:cNvSpPr>
+          <p:nvPr>
+            <p:ph type="sldImg"/>
+          </p:nvPr>
+        </p:nvSpPr>
+        <p:spPr/>
+      </p:sp>
+      <p:sp>
+        <p:nvSpPr>
+          <p:cNvPr id="3" name="Notes Placeholder 2"/>
+          <p:cNvSpPr>
+            <a:spLocks noGrp="1"/>
+          </p:cNvSpPr>
+          <p:nvPr>
+            <p:ph type="body" idx="1"/>
+          </p:nvPr>
+        </p:nvSpPr>
+        <p:spPr/>
+        <p:txBody>
+          <a:bodyPr>
+            <a:normAutofit/>
+          </a:bodyPr>
+          <a:lstStyle/>
+          <a:p>
+            <a:endParaRPr lang="en-US" dirty="0"/>
+          </a:p>
+        </p:txBody>
+      </p:sp>
+      <p:sp>
+        <p:nvSpPr>
+          <p:cNvPr id="4" name="Slide Number Placeholder 3"/>
+          <p:cNvSpPr>
+            <a:spLocks noGrp="1"/>
+          </p:cNvSpPr>
+          <p:nvPr>
+            <p:ph type="sldNum" sz="quarter" idx="10"/>
+          </p:nvPr>
+        </p:nvSpPr>
+        <p:spPr/>
+        <p:txBody>
+          <a:bodyPr/>
+          <a:lstStyle/>
+          <a:p>
+            <a:fld id="{D0879E71-BD36-AB44-83C8-3E1EA90C20B1}" type="slidenum">
+              <a:rPr lang="en-US" smtClean="0"/>
+              <a:t>6</a:t>
+            </a:fld>
+            <a:endParaRPr lang="en-US"/>
+          </a:p>
+        </p:txBody>
+      </p:sp>
+    </p:spTree>
+  </p:cSld>
+  <p:clrMapOvr>
+    <a:masterClrMapping/>
+  </p:clrMapOvr>
+</p:notes>
+</file>
+
+<file path=ppt/notesSlides/notesSlide6.xml><?xml version="1.0" encoding="utf-8"?>
+<p:notes xmlns:a="http://schemas.openxmlformats.org/drawingml/2006/main" xmlns:r="http://schemas.openxmlformats.org/officeDocument/2006/relationships" xmlns:p="http://schemas.openxmlformats.org/presentationml/2006/main">
+  <p:cSld>
+    <p:spTree>
+      <p:nvGrpSpPr>
+        <p:cNvPr id="1" name=""/>
+        <p:cNvGrpSpPr/>
+        <p:nvPr/>
+      </p:nvGrpSpPr>
+      <p:grpSpPr>
+        <a:xfrm>
+          <a:off x="0" y="0"/>
+          <a:ext cx="0" cy="0"/>
+          <a:chOff x="0" y="0"/>
+          <a:chExt cx="0" cy="0"/>
+        </a:xfrm>
+      </p:grpSpPr>
+      <p:sp>
+        <p:nvSpPr>
+          <p:cNvPr id="2" name="Slide Image Placeholder 1"/>
+          <p:cNvSpPr>
+            <a:spLocks noGrp="1" noRot="1" noChangeAspect="1"/>
+          </p:cNvSpPr>
+          <p:nvPr>
+            <p:ph type="sldImg"/>
+          </p:nvPr>
+        </p:nvSpPr>
+        <p:spPr/>
+      </p:sp>
+      <p:sp>
+        <p:nvSpPr>
+          <p:cNvPr id="3" name="Notes Placeholder 2"/>
+          <p:cNvSpPr>
+            <a:spLocks noGrp="1"/>
+          </p:cNvSpPr>
+          <p:nvPr>
+            <p:ph type="body" idx="1"/>
+          </p:nvPr>
+        </p:nvSpPr>
+        <p:spPr/>
+        <p:txBody>
+          <a:bodyPr>
+            <a:normAutofit/>
+          </a:bodyPr>
+          <a:lstStyle/>
+          <a:p>
+            <a:endParaRPr lang="en-US" dirty="0"/>
+          </a:p>
+        </p:txBody>
+      </p:sp>
+      <p:sp>
+        <p:nvSpPr>
+          <p:cNvPr id="4" name="Slide Number Placeholder 3"/>
+          <p:cNvSpPr>
+            <a:spLocks noGrp="1"/>
+          </p:cNvSpPr>
+          <p:nvPr>
+            <p:ph type="sldNum" sz="quarter" idx="10"/>
+          </p:nvPr>
+        </p:nvSpPr>
+        <p:spPr/>
+        <p:txBody>
+          <a:bodyPr/>
+          <a:lstStyle/>
+          <a:p>
+            <a:fld id="{D0879E71-BD36-AB44-83C8-3E1EA90C20B1}" type="slidenum">
+              <a:rPr lang="en-US" smtClean="0"/>
+              <a:t>7</a:t>
+            </a:fld>
+            <a:endParaRPr lang="en-US"/>
+          </a:p>
+        </p:txBody>
+      </p:sp>
+    </p:spTree>
+  </p:cSld>
+  <p:clrMapOvr>
+    <a:masterClrMapping/>
+  </p:clrMapOvr>
+</p:notes>
+</file>
+
+<file path=ppt/notesSlides/notesSlide7.xml><?xml version="1.0" encoding="utf-8"?>
+<p:notes xmlns:a="http://schemas.openxmlformats.org/drawingml/2006/main" xmlns:r="http://schemas.openxmlformats.org/officeDocument/2006/relationships" xmlns:p="http://schemas.openxmlformats.org/presentationml/2006/main">
+  <p:cSld>
+    <p:spTree>
+      <p:nvGrpSpPr>
+        <p:cNvPr id="1" name=""/>
+        <p:cNvGrpSpPr/>
+        <p:nvPr/>
+      </p:nvGrpSpPr>
+      <p:grpSpPr>
+        <a:xfrm>
+          <a:off x="0" y="0"/>
+          <a:ext cx="0" cy="0"/>
+          <a:chOff x="0" y="0"/>
+          <a:chExt cx="0" cy="0"/>
+        </a:xfrm>
+      </p:grpSpPr>
+      <p:sp>
+        <p:nvSpPr>
+          <p:cNvPr id="2" name="Slide Image Placeholder 1"/>
+          <p:cNvSpPr>
+            <a:spLocks noGrp="1" noRot="1" noChangeAspect="1"/>
+          </p:cNvSpPr>
+          <p:nvPr>
+            <p:ph type="sldImg"/>
+          </p:nvPr>
+        </p:nvSpPr>
+        <p:spPr/>
+      </p:sp>
+      <p:sp>
+        <p:nvSpPr>
+          <p:cNvPr id="3" name="Notes Placeholder 2"/>
+          <p:cNvSpPr>
+            <a:spLocks noGrp="1"/>
+          </p:cNvSpPr>
+          <p:nvPr>
+            <p:ph type="body" idx="1"/>
+          </p:nvPr>
+        </p:nvSpPr>
+        <p:spPr/>
+        <p:txBody>
+          <a:bodyPr>
+            <a:normAutofit/>
+          </a:bodyPr>
+          <a:lstStyle/>
+          <a:p>
+            <a:r>
+              <a:rPr lang="en-US" dirty="0" smtClean="0"/>
+              <a:t>[SHORT]</a:t>
+            </a:r>
+          </a:p>
+          <a:p>
+            <a:r>
+              <a:rPr lang="en-US" dirty="0" smtClean="0"/>
+              <a:t>Clients</a:t>
+            </a:r>
+            <a:r>
+              <a:rPr lang="en-US" baseline="0" dirty="0" smtClean="0"/>
+              <a:t> and brokers</a:t>
+            </a:r>
+          </a:p>
+          <a:p>
+            <a:r>
+              <a:rPr lang="en-US" baseline="0" dirty="0" smtClean="0"/>
+              <a:t>	thin clients: create/modify/move/delete files and folders in their workspace</a:t>
+            </a:r>
+          </a:p>
+          <a:p>
+            <a:r>
+              <a:rPr lang="en-US" baseline="0" dirty="0" smtClean="0"/>
+              <a:t>		</a:t>
+            </a:r>
+            <a:r>
+              <a:rPr lang="en-US" baseline="0" dirty="0" err="1" smtClean="0"/>
+              <a:t>transparent..push</a:t>
+            </a:r>
+            <a:r>
+              <a:rPr lang="en-US" baseline="0" dirty="0" smtClean="0"/>
+              <a:t> changes </a:t>
+            </a:r>
+          </a:p>
+          <a:p>
+            <a:r>
+              <a:rPr lang="en-US" baseline="0" dirty="0" smtClean="0"/>
+              <a:t>	brokers: handle </a:t>
+            </a:r>
+            <a:endParaRPr lang="en-US" dirty="0"/>
+          </a:p>
+        </p:txBody>
+      </p:sp>
+      <p:sp>
+        <p:nvSpPr>
+          <p:cNvPr id="4" name="Slide Number Placeholder 3"/>
+          <p:cNvSpPr>
+            <a:spLocks noGrp="1"/>
+          </p:cNvSpPr>
+          <p:nvPr>
+            <p:ph type="sldNum" sz="quarter" idx="10"/>
+          </p:nvPr>
+        </p:nvSpPr>
+        <p:spPr/>
+        <p:txBody>
+          <a:bodyPr/>
+          <a:lstStyle/>
+          <a:p>
+            <a:fld id="{D0879E71-BD36-AB44-83C8-3E1EA90C20B1}" type="slidenum">
+              <a:rPr lang="en-US" smtClean="0"/>
+              <a:t>11</a:t>
+            </a:fld>
+            <a:endParaRPr lang="en-US"/>
+          </a:p>
+        </p:txBody>
+      </p:sp>
+    </p:spTree>
+  </p:cSld>
+  <p:clrMapOvr>
+    <a:masterClrMapping/>
+  </p:clrMapOvr>
+</p:notes>
+</file>
+
+<file path=ppt/notesSlides/notesSlide8.xml><?xml version="1.0" encoding="utf-8"?>
+<p:notes xmlns:a="http://schemas.openxmlformats.org/drawingml/2006/main" xmlns:r="http://schemas.openxmlformats.org/officeDocument/2006/relationships" xmlns:p="http://schemas.openxmlformats.org/presentationml/2006/main">
+  <p:cSld>
+    <p:spTree>
+      <p:nvGrpSpPr>
+        <p:cNvPr id="1" name=""/>
+        <p:cNvGrpSpPr/>
+        <p:nvPr/>
+      </p:nvGrpSpPr>
+      <p:grpSpPr>
+        <a:xfrm>
+          <a:off x="0" y="0"/>
+          <a:ext cx="0" cy="0"/>
+          <a:chOff x="0" y="0"/>
+          <a:chExt cx="0" cy="0"/>
+        </a:xfrm>
+      </p:grpSpPr>
+      <p:sp>
+        <p:nvSpPr>
+          <p:cNvPr id="2" name="Slide Image Placeholder 1"/>
+          <p:cNvSpPr>
+            <a:spLocks noGrp="1" noRot="1" noChangeAspect="1"/>
+          </p:cNvSpPr>
+          <p:nvPr>
+            <p:ph type="sldImg"/>
+          </p:nvPr>
+        </p:nvSpPr>
+        <p:spPr/>
+      </p:sp>
+      <p:sp>
+        <p:nvSpPr>
+          <p:cNvPr id="3" name="Notes Placeholder 2"/>
+          <p:cNvSpPr>
+            <a:spLocks noGrp="1"/>
+          </p:cNvSpPr>
+          <p:nvPr>
+            <p:ph type="body" idx="1"/>
+          </p:nvPr>
+        </p:nvSpPr>
+        <p:spPr/>
+        <p:txBody>
+          <a:bodyPr>
+            <a:normAutofit/>
+          </a:bodyPr>
+          <a:lstStyle/>
+          <a:p>
+            <a:r>
+              <a:rPr lang="en-US" dirty="0" smtClean="0"/>
+              <a:t>[SHORT]</a:t>
+            </a:r>
+          </a:p>
+          <a:p>
+            <a:r>
+              <a:rPr lang="en-US" dirty="0" smtClean="0"/>
+              <a:t>Clients</a:t>
+            </a:r>
+            <a:r>
+              <a:rPr lang="en-US" baseline="0" dirty="0" smtClean="0"/>
+              <a:t> and brokers</a:t>
+            </a:r>
+          </a:p>
+          <a:p>
+            <a:r>
+              <a:rPr lang="en-US" baseline="0" dirty="0" smtClean="0"/>
+              <a:t>	thin clients: create/modify/move/delete files and folders in their workspace</a:t>
+            </a:r>
+          </a:p>
+          <a:p>
+            <a:r>
+              <a:rPr lang="en-US" baseline="0" dirty="0" smtClean="0"/>
+              <a:t>		</a:t>
+            </a:r>
+            <a:r>
+              <a:rPr lang="en-US" baseline="0" dirty="0" err="1" smtClean="0"/>
+              <a:t>transparent..push</a:t>
+            </a:r>
+            <a:r>
+              <a:rPr lang="en-US" baseline="0" dirty="0" smtClean="0"/>
+              <a:t> changes </a:t>
+            </a:r>
+          </a:p>
+          <a:p>
+            <a:r>
+              <a:rPr lang="en-US" baseline="0" dirty="0" smtClean="0"/>
+              <a:t>	brokers: handle </a:t>
+            </a:r>
+            <a:endParaRPr lang="en-US" dirty="0"/>
+          </a:p>
+        </p:txBody>
+      </p:sp>
+      <p:sp>
+        <p:nvSpPr>
+          <p:cNvPr id="4" name="Slide Number Placeholder 3"/>
+          <p:cNvSpPr>
+            <a:spLocks noGrp="1"/>
+          </p:cNvSpPr>
+          <p:nvPr>
+            <p:ph type="sldNum" sz="quarter" idx="10"/>
+          </p:nvPr>
+        </p:nvSpPr>
+        <p:spPr/>
+        <p:txBody>
+          <a:bodyPr/>
+          <a:lstStyle/>
+          <a:p>
+            <a:fld id="{D0879E71-BD36-AB44-83C8-3E1EA90C20B1}" type="slidenum">
+              <a:rPr lang="en-US" smtClean="0"/>
+              <a:t>12</a:t>
+            </a:fld>
+            <a:endParaRPr lang="en-US"/>
+          </a:p>
+        </p:txBody>
+      </p:sp>
+    </p:spTree>
+  </p:cSld>
+  <p:clrMapOvr>
+    <a:masterClrMapping/>
+  </p:clrMapOvr>
+</p:notes>
+</file>
+
+<file path=ppt/notesSlides/notesSlide9.xml><?xml version="1.0" encoding="utf-8"?>
+<p:notes xmlns:a="http://schemas.openxmlformats.org/drawingml/2006/main" xmlns:r="http://schemas.openxmlformats.org/officeDocument/2006/relationships" xmlns:p="http://schemas.openxmlformats.org/presentationml/2006/main">
+  <p:cSld>
+    <p:spTree>
+      <p:nvGrpSpPr>
+        <p:cNvPr id="1" name=""/>
+        <p:cNvGrpSpPr/>
+        <p:nvPr/>
+      </p:nvGrpSpPr>
+      <p:grpSpPr>
+        <a:xfrm>
+          <a:off x="0" y="0"/>
+          <a:ext cx="0" cy="0"/>
+          <a:chOff x="0" y="0"/>
+          <a:chExt cx="0" cy="0"/>
+        </a:xfrm>
+      </p:grpSpPr>
+      <p:sp>
+        <p:nvSpPr>
+          <p:cNvPr id="2" name="Slide Image Placeholder 1"/>
+          <p:cNvSpPr>
+            <a:spLocks noGrp="1" noRot="1" noChangeAspect="1"/>
+          </p:cNvSpPr>
+          <p:nvPr>
+            <p:ph type="sldImg"/>
+          </p:nvPr>
+        </p:nvSpPr>
+        <p:spPr/>
+      </p:sp>
+      <p:sp>
+        <p:nvSpPr>
+          <p:cNvPr id="3" name="Notes Placeholder 2"/>
+          <p:cNvSpPr>
+            <a:spLocks noGrp="1"/>
+          </p:cNvSpPr>
+          <p:nvPr>
+            <p:ph type="body" idx="1"/>
+          </p:nvPr>
+        </p:nvSpPr>
+        <p:spPr/>
+        <p:txBody>
+          <a:bodyPr>
+            <a:normAutofit/>
+          </a:bodyPr>
+          <a:lstStyle/>
+          <a:p>
+            <a:r>
+              <a:rPr lang="en-US" dirty="0" smtClean="0"/>
+              <a:t>[SHORT]</a:t>
+            </a:r>
+          </a:p>
+          <a:p>
+            <a:r>
+              <a:rPr lang="en-US" dirty="0" smtClean="0"/>
+              <a:t>Clients</a:t>
+            </a:r>
+            <a:r>
+              <a:rPr lang="en-US" baseline="0" dirty="0" smtClean="0"/>
+              <a:t> and brokers</a:t>
+            </a:r>
+          </a:p>
+          <a:p>
+            <a:r>
+              <a:rPr lang="en-US" baseline="0" dirty="0" smtClean="0"/>
+              <a:t>	thin clients: create/modify/move/delete files and folders in their workspace</a:t>
+            </a:r>
+          </a:p>
+          <a:p>
+            <a:r>
+              <a:rPr lang="en-US" baseline="0" dirty="0" smtClean="0"/>
+              <a:t>		</a:t>
+            </a:r>
+            <a:r>
+              <a:rPr lang="en-US" baseline="0" dirty="0" err="1" smtClean="0"/>
+              <a:t>transparent..push</a:t>
+            </a:r>
+            <a:r>
+              <a:rPr lang="en-US" baseline="0" dirty="0" smtClean="0"/>
+              <a:t> changes </a:t>
+            </a:r>
+          </a:p>
+          <a:p>
+            <a:r>
+              <a:rPr lang="en-US" baseline="0" dirty="0" smtClean="0"/>
+              <a:t>	brokers: handle </a:t>
+            </a:r>
+            <a:endParaRPr lang="en-US" dirty="0"/>
+          </a:p>
+        </p:txBody>
+      </p:sp>
+      <p:sp>
+        <p:nvSpPr>
+          <p:cNvPr id="4" name="Slide Number Placeholder 3"/>
+          <p:cNvSpPr>
+            <a:spLocks noGrp="1"/>
+          </p:cNvSpPr>
+          <p:nvPr>
+            <p:ph type="sldNum" sz="quarter" idx="10"/>
+          </p:nvPr>
+        </p:nvSpPr>
+        <p:spPr/>
+        <p:txBody>
+          <a:bodyPr/>
+          <a:lstStyle/>
+          <a:p>
+            <a:fld id="{D0879E71-BD36-AB44-83C8-3E1EA90C20B1}" type="slidenum">
+              <a:rPr lang="en-US" smtClean="0"/>
+              <a:t>13</a:t>
             </a:fld>
             <a:endParaRPr lang="en-US"/>
           </a:p>
@@ -869,7 +1532,7 @@
 </file>
 
 <file path=ppt/slideLayouts/slideLayout1.xml><?xml version="1.0" encoding="utf-8"?>
-<p:sldLayout xmlns:a="http://schemas.openxmlformats.org/drawingml/2006/main" xmlns:r="http://schemas.openxmlformats.org/officeDocument/2006/relationships" xmlns:mc="http://schemas.openxmlformats.org/markup-compatibility/2006" xmlns:mv="urn:schemas-microsoft-com:mac:vml" xmlns:p="http://schemas.openxmlformats.org/presentationml/2006/main" mc:Ignorable="mv" mc:PreserveAttributes="mv:*" showMasterSp="0" type="title" preserve="1">
+<p:sldLayout xmlns:a="http://schemas.openxmlformats.org/drawingml/2006/main" xmlns:r="http://schemas.openxmlformats.org/officeDocument/2006/relationships" xmlns:p="http://schemas.openxmlformats.org/presentationml/2006/main" showMasterSp="0" type="title" preserve="1">
   <p:cSld name="Title Slide">
     <p:spTree>
       <p:nvGrpSpPr>
@@ -1482,7 +2145,7 @@
           <a:p>
             <a:fld id="{4382A776-A213-2B42-8170-FC7E1CF79065}" type="datetimeFigureOut">
               <a:rPr lang="en-US" smtClean="0"/>
-              <a:t>11/30/12</a:t>
+              <a:t>3/20/13</a:t>
             </a:fld>
             <a:endParaRPr lang="en-US"/>
           </a:p>
@@ -1557,7 +2220,7 @@
 </file>
 
 <file path=ppt/slideLayouts/slideLayout10.xml><?xml version="1.0" encoding="utf-8"?>
-<p:sldLayout xmlns:a="http://schemas.openxmlformats.org/drawingml/2006/main" xmlns:r="http://schemas.openxmlformats.org/officeDocument/2006/relationships" xmlns:mc="http://schemas.openxmlformats.org/markup-compatibility/2006" xmlns:mv="urn:schemas-microsoft-com:mac:vml" xmlns:p="http://schemas.openxmlformats.org/presentationml/2006/main" mc:Ignorable="mv" mc:PreserveAttributes="mv:*" type="vertTx" preserve="1">
+<p:sldLayout xmlns:a="http://schemas.openxmlformats.org/drawingml/2006/main" xmlns:r="http://schemas.openxmlformats.org/officeDocument/2006/relationships" xmlns:p="http://schemas.openxmlformats.org/presentationml/2006/main" type="vertTx" preserve="1">
   <p:cSld name="Title and Vertical Text">
     <p:spTree>
       <p:nvGrpSpPr>
@@ -1670,7 +2333,7 @@
           <a:p>
             <a:fld id="{4382A776-A213-2B42-8170-FC7E1CF79065}" type="datetimeFigureOut">
               <a:rPr lang="en-US" smtClean="0"/>
-              <a:t>11/30/12</a:t>
+              <a:t>3/20/13</a:t>
             </a:fld>
             <a:endParaRPr lang="en-US"/>
           </a:p>
@@ -1727,7 +2390,7 @@
 </file>
 
 <file path=ppt/slideLayouts/slideLayout11.xml><?xml version="1.0" encoding="utf-8"?>
-<p:sldLayout xmlns:a="http://schemas.openxmlformats.org/drawingml/2006/main" xmlns:r="http://schemas.openxmlformats.org/officeDocument/2006/relationships" xmlns:mc="http://schemas.openxmlformats.org/markup-compatibility/2006" xmlns:mv="urn:schemas-microsoft-com:mac:vml" xmlns:p="http://schemas.openxmlformats.org/presentationml/2006/main" mc:Ignorable="mv" mc:PreserveAttributes="mv:*" type="vertTitleAndTx" preserve="1">
+<p:sldLayout xmlns:a="http://schemas.openxmlformats.org/drawingml/2006/main" xmlns:r="http://schemas.openxmlformats.org/officeDocument/2006/relationships" xmlns:p="http://schemas.openxmlformats.org/presentationml/2006/main" type="vertTitleAndTx" preserve="1">
   <p:cSld name="Vertical Title and Text">
     <p:spTree>
       <p:nvGrpSpPr>
@@ -1845,7 +2508,7 @@
           <a:p>
             <a:fld id="{4382A776-A213-2B42-8170-FC7E1CF79065}" type="datetimeFigureOut">
               <a:rPr lang="en-US" smtClean="0"/>
-              <a:t>11/30/12</a:t>
+              <a:t>3/20/13</a:t>
             </a:fld>
             <a:endParaRPr lang="en-US"/>
           </a:p>
@@ -1902,7 +2565,7 @@
 </file>
 
 <file path=ppt/slideLayouts/slideLayout2.xml><?xml version="1.0" encoding="utf-8"?>
-<p:sldLayout xmlns:a="http://schemas.openxmlformats.org/drawingml/2006/main" xmlns:r="http://schemas.openxmlformats.org/officeDocument/2006/relationships" xmlns:mc="http://schemas.openxmlformats.org/markup-compatibility/2006" xmlns:mv="urn:schemas-microsoft-com:mac:vml" xmlns:p="http://schemas.openxmlformats.org/presentationml/2006/main" mc:Ignorable="mv" mc:PreserveAttributes="mv:*" type="obj" preserve="1">
+<p:sldLayout xmlns:a="http://schemas.openxmlformats.org/drawingml/2006/main" xmlns:r="http://schemas.openxmlformats.org/officeDocument/2006/relationships" xmlns:p="http://schemas.openxmlformats.org/presentationml/2006/main" type="obj" preserve="1">
   <p:cSld name="Title and Content">
     <p:spTree>
       <p:nvGrpSpPr>
@@ -1987,7 +2650,7 @@
           <a:p>
             <a:fld id="{4382A776-A213-2B42-8170-FC7E1CF79065}" type="datetimeFigureOut">
               <a:rPr lang="en-US" smtClean="0"/>
-              <a:t>11/30/12</a:t>
+              <a:t>3/20/13</a:t>
             </a:fld>
             <a:endParaRPr lang="en-US"/>
           </a:p>
@@ -2067,7 +2730,7 @@
 </file>
 
 <file path=ppt/slideLayouts/slideLayout3.xml><?xml version="1.0" encoding="utf-8"?>
-<p:sldLayout xmlns:a="http://schemas.openxmlformats.org/drawingml/2006/main" xmlns:r="http://schemas.openxmlformats.org/officeDocument/2006/relationships" xmlns:mc="http://schemas.openxmlformats.org/markup-compatibility/2006" xmlns:mv="urn:schemas-microsoft-com:mac:vml" xmlns:p="http://schemas.openxmlformats.org/presentationml/2006/main" mc:Ignorable="mv" mc:PreserveAttributes="mv:*" type="secHead" preserve="1">
+<p:sldLayout xmlns:a="http://schemas.openxmlformats.org/drawingml/2006/main" xmlns:r="http://schemas.openxmlformats.org/officeDocument/2006/relationships" xmlns:p="http://schemas.openxmlformats.org/presentationml/2006/main" type="secHead" preserve="1">
   <p:cSld name="Section Header">
     <p:bg>
       <p:bgRef idx="1002">
@@ -2232,7 +2895,7 @@
           <a:p>
             <a:fld id="{4382A776-A213-2B42-8170-FC7E1CF79065}" type="datetimeFigureOut">
               <a:rPr lang="en-US" smtClean="0"/>
-              <a:t>11/30/12</a:t>
+              <a:t>3/20/13</a:t>
             </a:fld>
             <a:endParaRPr lang="en-US"/>
           </a:p>
@@ -2445,7 +3108,7 @@
 </file>
 
 <file path=ppt/slideLayouts/slideLayout4.xml><?xml version="1.0" encoding="utf-8"?>
-<p:sldLayout xmlns:a="http://schemas.openxmlformats.org/drawingml/2006/main" xmlns:r="http://schemas.openxmlformats.org/officeDocument/2006/relationships" xmlns:mc="http://schemas.openxmlformats.org/markup-compatibility/2006" xmlns:mv="urn:schemas-microsoft-com:mac:vml" xmlns:p="http://schemas.openxmlformats.org/presentationml/2006/main" mc:Ignorable="mv" mc:PreserveAttributes="mv:*" type="twoObj" preserve="1">
+<p:sldLayout xmlns:a="http://schemas.openxmlformats.org/drawingml/2006/main" xmlns:r="http://schemas.openxmlformats.org/officeDocument/2006/relationships" xmlns:p="http://schemas.openxmlformats.org/presentationml/2006/main" type="twoObj" preserve="1">
   <p:cSld name="Two Content">
     <p:bg>
       <p:bgRef idx="1002">
@@ -2629,7 +3292,7 @@
           <a:p>
             <a:fld id="{4382A776-A213-2B42-8170-FC7E1CF79065}" type="datetimeFigureOut">
               <a:rPr lang="en-US" smtClean="0"/>
-              <a:t>11/30/12</a:t>
+              <a:t>3/20/13</a:t>
             </a:fld>
             <a:endParaRPr lang="en-US"/>
           </a:p>
@@ -2709,7 +3372,7 @@
 </file>
 
 <file path=ppt/slideLayouts/slideLayout5.xml><?xml version="1.0" encoding="utf-8"?>
-<p:sldLayout xmlns:a="http://schemas.openxmlformats.org/drawingml/2006/main" xmlns:r="http://schemas.openxmlformats.org/officeDocument/2006/relationships" xmlns:mc="http://schemas.openxmlformats.org/markup-compatibility/2006" xmlns:mv="urn:schemas-microsoft-com:mac:vml" xmlns:p="http://schemas.openxmlformats.org/presentationml/2006/main" mc:Ignorable="mv" mc:PreserveAttributes="mv:*" showMasterSp="0" type="twoTxTwoObj" preserve="1">
+<p:sldLayout xmlns:a="http://schemas.openxmlformats.org/drawingml/2006/main" xmlns:r="http://schemas.openxmlformats.org/officeDocument/2006/relationships" xmlns:p="http://schemas.openxmlformats.org/presentationml/2006/main" showMasterSp="0" type="twoTxTwoObj" preserve="1">
   <p:cSld name="Comparison">
     <p:bg>
       <p:bgRef idx="1003">
@@ -3062,7 +3725,7 @@
           <a:p>
             <a:fld id="{4382A776-A213-2B42-8170-FC7E1CF79065}" type="datetimeFigureOut">
               <a:rPr lang="en-US" smtClean="0"/>
-              <a:t>11/30/12</a:t>
+              <a:t>3/20/13</a:t>
             </a:fld>
             <a:endParaRPr lang="en-US"/>
           </a:p>
@@ -3119,7 +3782,7 @@
 </file>
 
 <file path=ppt/slideLayouts/slideLayout6.xml><?xml version="1.0" encoding="utf-8"?>
-<p:sldLayout xmlns:a="http://schemas.openxmlformats.org/drawingml/2006/main" xmlns:r="http://schemas.openxmlformats.org/officeDocument/2006/relationships" xmlns:mc="http://schemas.openxmlformats.org/markup-compatibility/2006" xmlns:mv="urn:schemas-microsoft-com:mac:vml" xmlns:p="http://schemas.openxmlformats.org/presentationml/2006/main" mc:Ignorable="mv" mc:PreserveAttributes="mv:*" type="titleOnly" preserve="1">
+<p:sldLayout xmlns:a="http://schemas.openxmlformats.org/drawingml/2006/main" xmlns:r="http://schemas.openxmlformats.org/officeDocument/2006/relationships" xmlns:p="http://schemas.openxmlformats.org/presentationml/2006/main" type="titleOnly" preserve="1">
   <p:cSld name="Title Only">
     <p:bg>
       <p:bgRef idx="1002">
@@ -3157,7 +3820,7 @@
           <a:p>
             <a:fld id="{4382A776-A213-2B42-8170-FC7E1CF79065}" type="datetimeFigureOut">
               <a:rPr lang="en-US" smtClean="0"/>
-              <a:t>11/30/12</a:t>
+              <a:t>3/20/13</a:t>
             </a:fld>
             <a:endParaRPr lang="en-US"/>
           </a:p>
@@ -3237,7 +3900,7 @@
 </file>
 
 <file path=ppt/slideLayouts/slideLayout7.xml><?xml version="1.0" encoding="utf-8"?>
-<p:sldLayout xmlns:a="http://schemas.openxmlformats.org/drawingml/2006/main" xmlns:r="http://schemas.openxmlformats.org/officeDocument/2006/relationships" xmlns:mc="http://schemas.openxmlformats.org/markup-compatibility/2006" xmlns:mv="urn:schemas-microsoft-com:mac:vml" xmlns:p="http://schemas.openxmlformats.org/presentationml/2006/main" mc:Ignorable="mv" mc:PreserveAttributes="mv:*" type="blank" preserve="1">
+<p:sldLayout xmlns:a="http://schemas.openxmlformats.org/drawingml/2006/main" xmlns:r="http://schemas.openxmlformats.org/officeDocument/2006/relationships" xmlns:p="http://schemas.openxmlformats.org/presentationml/2006/main" type="blank" preserve="1">
   <p:cSld name="Blank">
     <p:spTree>
       <p:nvGrpSpPr>
@@ -3270,7 +3933,7 @@
           <a:p>
             <a:fld id="{4382A776-A213-2B42-8170-FC7E1CF79065}" type="datetimeFigureOut">
               <a:rPr lang="en-US" smtClean="0"/>
-              <a:t>11/30/12</a:t>
+              <a:t>3/20/13</a:t>
             </a:fld>
             <a:endParaRPr lang="en-US"/>
           </a:p>
@@ -3327,7 +3990,7 @@
 </file>
 
 <file path=ppt/slideLayouts/slideLayout8.xml><?xml version="1.0" encoding="utf-8"?>
-<p:sldLayout xmlns:a="http://schemas.openxmlformats.org/drawingml/2006/main" xmlns:r="http://schemas.openxmlformats.org/officeDocument/2006/relationships" xmlns:mc="http://schemas.openxmlformats.org/markup-compatibility/2006" xmlns:mv="urn:schemas-microsoft-com:mac:vml" xmlns:p="http://schemas.openxmlformats.org/presentationml/2006/main" mc:Ignorable="mv" mc:PreserveAttributes="mv:*" showMasterSp="0" type="objTx" preserve="1">
+<p:sldLayout xmlns:a="http://schemas.openxmlformats.org/drawingml/2006/main" xmlns:r="http://schemas.openxmlformats.org/officeDocument/2006/relationships" xmlns:p="http://schemas.openxmlformats.org/presentationml/2006/main" showMasterSp="0" type="objTx" preserve="1">
   <p:cSld name="Content with Caption">
     <p:bg>
       <p:bgRef idx="1003">
@@ -3535,7 +4198,7 @@
           <a:p>
             <a:fld id="{4382A776-A213-2B42-8170-FC7E1CF79065}" type="datetimeFigureOut">
               <a:rPr lang="en-US" smtClean="0"/>
-              <a:t>11/30/12</a:t>
+              <a:t>3/20/13</a:t>
             </a:fld>
             <a:endParaRPr lang="en-US"/>
           </a:p>
@@ -3592,7 +4255,7 @@
 </file>
 
 <file path=ppt/slideLayouts/slideLayout9.xml><?xml version="1.0" encoding="utf-8"?>
-<p:sldLayout xmlns:a="http://schemas.openxmlformats.org/drawingml/2006/main" xmlns:r="http://schemas.openxmlformats.org/officeDocument/2006/relationships" xmlns:mc="http://schemas.openxmlformats.org/markup-compatibility/2006" xmlns:mv="urn:schemas-microsoft-com:mac:vml" xmlns:p="http://schemas.openxmlformats.org/presentationml/2006/main" mc:Ignorable="mv" mc:PreserveAttributes="mv:*" showMasterSp="0" type="picTx" preserve="1">
+<p:sldLayout xmlns:a="http://schemas.openxmlformats.org/drawingml/2006/main" xmlns:r="http://schemas.openxmlformats.org/officeDocument/2006/relationships" xmlns:p="http://schemas.openxmlformats.org/presentationml/2006/main" showMasterSp="0" type="picTx" preserve="1">
   <p:cSld name="Picture with Caption">
     <p:bg>
       <p:bgRef idx="1002">
@@ -3733,7 +4396,7 @@
           <a:p>
             <a:fld id="{4382A776-A213-2B42-8170-FC7E1CF79065}" type="datetimeFigureOut">
               <a:rPr lang="en-US" smtClean="0"/>
-              <a:t>11/30/12</a:t>
+              <a:t>3/20/13</a:t>
             </a:fld>
             <a:endParaRPr lang="en-US"/>
           </a:p>
@@ -4338,7 +5001,7 @@
 </file>
 
 <file path=ppt/slideMasters/slideMaster1.xml><?xml version="1.0" encoding="utf-8"?>
-<p:sldMaster xmlns:a="http://schemas.openxmlformats.org/drawingml/2006/main" xmlns:r="http://schemas.openxmlformats.org/officeDocument/2006/relationships" xmlns:mc="http://schemas.openxmlformats.org/markup-compatibility/2006" xmlns:mv="urn:schemas-microsoft-com:mac:vml" xmlns:p="http://schemas.openxmlformats.org/presentationml/2006/main" mc:Ignorable="mv" mc:PreserveAttributes="mv:*">
+<p:sldMaster xmlns:a="http://schemas.openxmlformats.org/drawingml/2006/main" xmlns:r="http://schemas.openxmlformats.org/officeDocument/2006/relationships" xmlns:p="http://schemas.openxmlformats.org/presentationml/2006/main">
   <p:cSld>
     <p:bg>
       <p:bgRef idx="1001">
@@ -4818,7 +5481,7 @@
           <a:p>
             <a:fld id="{4382A776-A213-2B42-8170-FC7E1CF79065}" type="datetimeFigureOut">
               <a:rPr lang="en-US" smtClean="0"/>
-              <a:t>11/30/12</a:t>
+              <a:t>3/20/13</a:t>
             </a:fld>
             <a:endParaRPr lang="en-US"/>
           </a:p>
@@ -5204,7 +5867,7 @@
 </file>
 
 <file path=ppt/slides/slide1.xml><?xml version="1.0" encoding="utf-8"?>
-<p:sld xmlns:a="http://schemas.openxmlformats.org/drawingml/2006/main" xmlns:r="http://schemas.openxmlformats.org/officeDocument/2006/relationships" xmlns:mc="http://schemas.openxmlformats.org/markup-compatibility/2006" xmlns:mv="urn:schemas-microsoft-com:mac:vml" xmlns:p="http://schemas.openxmlformats.org/presentationml/2006/main" mc:Ignorable="mv" mc:PreserveAttributes="mv:*">
+<p:sld xmlns:a="http://schemas.openxmlformats.org/drawingml/2006/main" xmlns:r="http://schemas.openxmlformats.org/officeDocument/2006/relationships" xmlns:p="http://schemas.openxmlformats.org/presentationml/2006/main">
   <p:cSld>
     <p:spTree>
       <p:nvGrpSpPr>
@@ -5233,57 +5896,45 @@
         <p:spPr/>
         <p:txBody>
           <a:bodyPr>
+            <a:normAutofit fontScale="90000"/>
+          </a:bodyPr>
+          <a:lstStyle/>
+          <a:p>
+            <a:r>
+              <a:rPr lang="en-US" dirty="0"/>
+              <a:t>An Application of Machine Learning Techniques to P2P Loan Investments</a:t>
+            </a:r>
+            <a:endParaRPr lang="en-US" dirty="0"/>
+          </a:p>
+        </p:txBody>
+      </p:sp>
+      <p:sp>
+        <p:nvSpPr>
+          <p:cNvPr id="3" name="Subtitle 2"/>
+          <p:cNvSpPr>
+            <a:spLocks noGrp="1"/>
+          </p:cNvSpPr>
+          <p:nvPr>
+            <p:ph type="subTitle" idx="1"/>
+          </p:nvPr>
+        </p:nvSpPr>
+        <p:spPr/>
+        <p:txBody>
+          <a:bodyPr>
             <a:normAutofit/>
           </a:bodyPr>
           <a:lstStyle/>
           <a:p>
             <a:r>
               <a:rPr lang="en-US" dirty="0" smtClean="0"/>
-              <a:t>Distributed </a:t>
-            </a:r>
-            <a:br>
-              <a:rPr lang="en-US" dirty="0" smtClean="0"/>
-            </a:br>
-            <a:r>
-              <a:rPr lang="en-US" dirty="0" smtClean="0"/>
-              <a:t>File Hosting System</a:t>
-            </a:r>
-            <a:endParaRPr lang="en-US" dirty="0"/>
-          </a:p>
-        </p:txBody>
-      </p:sp>
-      <p:sp>
-        <p:nvSpPr>
-          <p:cNvPr id="3" name="Subtitle 2"/>
-          <p:cNvSpPr>
-            <a:spLocks noGrp="1"/>
-          </p:cNvSpPr>
-          <p:nvPr>
-            <p:ph type="subTitle" idx="1"/>
-          </p:nvPr>
-        </p:nvSpPr>
-        <p:spPr/>
-        <p:txBody>
-          <a:bodyPr>
-            <a:normAutofit fontScale="92500" lnSpcReduction="20000"/>
-          </a:bodyPr>
-          <a:lstStyle/>
-          <a:p>
-            <a:r>
-              <a:rPr lang="en-US" dirty="0" smtClean="0"/>
-              <a:t>Paul Elliott and David Stevens</a:t>
-            </a:r>
-          </a:p>
-          <a:p>
-            <a:r>
-              <a:rPr lang="en-US" dirty="0" smtClean="0"/>
-              <a:t> Dr. Jun Li</a:t>
-            </a:r>
-          </a:p>
-          <a:p>
-            <a:r>
-              <a:rPr lang="en-US" dirty="0" smtClean="0"/>
-              <a:t>CIS 630 Distributed Systems</a:t>
+              <a:t>David Stevens</a:t>
+            </a:r>
+            <a:endParaRPr lang="en-US" dirty="0" smtClean="0"/>
+          </a:p>
+          <a:p>
+            <a:r>
+              <a:rPr lang="en-US" dirty="0" smtClean="0"/>
+              <a:t>CIS 572 Machine Learning</a:t>
             </a:r>
             <a:endParaRPr lang="en-US" dirty="0"/>
           </a:p>
@@ -5297,246 +5948,8 @@
 </p:sld>
 </file>
 
-<file path=ppt/slides/slide2.xml><?xml version="1.0" encoding="utf-8"?>
-<p:sld xmlns:a="http://schemas.openxmlformats.org/drawingml/2006/main" xmlns:r="http://schemas.openxmlformats.org/officeDocument/2006/relationships" xmlns:mc="http://schemas.openxmlformats.org/markup-compatibility/2006" xmlns:mv="urn:schemas-microsoft-com:mac:vml" xmlns:p="http://schemas.openxmlformats.org/presentationml/2006/main" mc:Ignorable="mv" mc:PreserveAttributes="mv:*">
-  <p:cSld>
-    <p:spTree>
-      <p:nvGrpSpPr>
-        <p:cNvPr id="1" name=""/>
-        <p:cNvGrpSpPr/>
-        <p:nvPr/>
-      </p:nvGrpSpPr>
-      <p:grpSpPr>
-        <a:xfrm>
-          <a:off x="0" y="0"/>
-          <a:ext cx="0" cy="0"/>
-          <a:chOff x="0" y="0"/>
-          <a:chExt cx="0" cy="0"/>
-        </a:xfrm>
-      </p:grpSpPr>
-      <p:sp>
-        <p:nvSpPr>
-          <p:cNvPr id="3" name="Content Placeholder 2"/>
-          <p:cNvSpPr>
-            <a:spLocks noGrp="1"/>
-          </p:cNvSpPr>
-          <p:nvPr>
-            <p:ph idx="1"/>
-          </p:nvPr>
-        </p:nvSpPr>
-        <p:spPr/>
-        <p:txBody>
-          <a:bodyPr/>
-          <a:lstStyle/>
-          <a:p>
-            <a:r>
-              <a:rPr lang="en-US" dirty="0" smtClean="0"/>
-              <a:t>File Hosting Systems</a:t>
-            </a:r>
-          </a:p>
-          <a:p>
-            <a:pPr lvl="1"/>
-            <a:r>
-              <a:rPr lang="en-US" dirty="0" err="1" smtClean="0"/>
-              <a:t>Dropbox</a:t>
-            </a:r>
-            <a:r>
-              <a:rPr lang="en-US" dirty="0" smtClean="0"/>
-              <a:t> and Google Drive</a:t>
-            </a:r>
-          </a:p>
-          <a:p>
-            <a:endParaRPr lang="en-US" dirty="0" smtClean="0"/>
-          </a:p>
-          <a:p>
-            <a:r>
-              <a:rPr lang="en-US" dirty="0" smtClean="0"/>
-              <a:t>Inherent Issues</a:t>
-            </a:r>
-          </a:p>
-          <a:p>
-            <a:pPr lvl="1"/>
-            <a:r>
-              <a:rPr lang="en-US" dirty="0" smtClean="0"/>
-              <a:t>Centralized </a:t>
-            </a:r>
-            <a:r>
-              <a:rPr lang="en-US" b="1" i="1" dirty="0" smtClean="0"/>
-              <a:t>data</a:t>
-            </a:r>
-          </a:p>
-          <a:p>
-            <a:pPr lvl="1"/>
-            <a:r>
-              <a:rPr lang="en-US" dirty="0" smtClean="0"/>
-              <a:t>Privacy </a:t>
-            </a:r>
-            <a:r>
-              <a:rPr lang="en-US" dirty="0" smtClean="0"/>
-              <a:t>concerns</a:t>
-            </a:r>
-            <a:endParaRPr lang="en-US" dirty="0" smtClean="0"/>
-          </a:p>
-        </p:txBody>
-      </p:sp>
-      <p:sp>
-        <p:nvSpPr>
-          <p:cNvPr id="2" name="Title 1"/>
-          <p:cNvSpPr>
-            <a:spLocks noGrp="1"/>
-          </p:cNvSpPr>
-          <p:nvPr>
-            <p:ph type="title"/>
-          </p:nvPr>
-        </p:nvSpPr>
-        <p:spPr/>
-        <p:txBody>
-          <a:bodyPr/>
-          <a:lstStyle/>
-          <a:p>
-            <a:r>
-              <a:rPr lang="en-US" dirty="0" smtClean="0"/>
-              <a:t>Introduction</a:t>
-            </a:r>
-            <a:endParaRPr lang="en-US" dirty="0"/>
-          </a:p>
-        </p:txBody>
-      </p:sp>
-    </p:spTree>
-  </p:cSld>
-  <p:clrMapOvr>
-    <a:masterClrMapping/>
-  </p:clrMapOvr>
-  <p:timing>
-    <p:tnLst>
-      <p:par>
-        <p:cTn id="1" dur="indefinite" restart="never" nodeType="tmRoot"/>
-      </p:par>
-    </p:tnLst>
-  </p:timing>
-</p:sld>
-</file>
-
-<file path=ppt/slides/slide3.xml><?xml version="1.0" encoding="utf-8"?>
-<p:sld xmlns:a="http://schemas.openxmlformats.org/drawingml/2006/main" xmlns:r="http://schemas.openxmlformats.org/officeDocument/2006/relationships" xmlns:mc="http://schemas.openxmlformats.org/markup-compatibility/2006" xmlns:mv="urn:schemas-microsoft-com:mac:vml" xmlns:p="http://schemas.openxmlformats.org/presentationml/2006/main" mc:Ignorable="mv" mc:PreserveAttributes="mv:*">
-  <p:cSld>
-    <p:spTree>
-      <p:nvGrpSpPr>
-        <p:cNvPr id="1" name=""/>
-        <p:cNvGrpSpPr/>
-        <p:nvPr/>
-      </p:nvGrpSpPr>
-      <p:grpSpPr>
-        <a:xfrm>
-          <a:off x="0" y="0"/>
-          <a:ext cx="0" cy="0"/>
-          <a:chOff x="0" y="0"/>
-          <a:chExt cx="0" cy="0"/>
-        </a:xfrm>
-      </p:grpSpPr>
-      <p:sp>
-        <p:nvSpPr>
-          <p:cNvPr id="2" name="Content Placeholder 1"/>
-          <p:cNvSpPr>
-            <a:spLocks noGrp="1"/>
-          </p:cNvSpPr>
-          <p:nvPr>
-            <p:ph idx="1"/>
-          </p:nvPr>
-        </p:nvSpPr>
-        <p:spPr/>
-        <p:txBody>
-          <a:bodyPr/>
-          <a:lstStyle/>
-          <a:p>
-            <a:r>
-              <a:rPr lang="en-US" i="1" dirty="0" smtClean="0"/>
-              <a:t>Decentralize</a:t>
-            </a:r>
-            <a:r>
-              <a:rPr lang="en-US" dirty="0" smtClean="0"/>
-              <a:t> the data</a:t>
-            </a:r>
-          </a:p>
-          <a:p>
-            <a:pPr lvl="3">
-              <a:lnSpc>
-                <a:spcPct val="150000"/>
-              </a:lnSpc>
-            </a:pPr>
-            <a:r>
-              <a:rPr lang="en-US" sz="2400" dirty="0" smtClean="0"/>
-              <a:t>Each client has identical data</a:t>
-            </a:r>
-          </a:p>
-          <a:p>
-            <a:pPr lvl="3">
-              <a:lnSpc>
-                <a:spcPct val="150000"/>
-              </a:lnSpc>
-            </a:pPr>
-            <a:r>
-              <a:rPr lang="en-US" sz="2400" dirty="0" smtClean="0"/>
-              <a:t>Files are kept in sync using logical time stamps</a:t>
-            </a:r>
-          </a:p>
-          <a:p>
-            <a:pPr lvl="3">
-              <a:lnSpc>
-                <a:spcPct val="150000"/>
-              </a:lnSpc>
-            </a:pPr>
-            <a:r>
-              <a:rPr lang="en-US" sz="2400" dirty="0" smtClean="0"/>
-              <a:t>Broker network routes communication, but never stores any data</a:t>
-            </a:r>
-          </a:p>
-          <a:p>
-            <a:pPr lvl="3"/>
-            <a:endParaRPr lang="en-US" dirty="0" smtClean="0"/>
-          </a:p>
-        </p:txBody>
-      </p:sp>
-      <p:sp>
-        <p:nvSpPr>
-          <p:cNvPr id="3" name="Title 2"/>
-          <p:cNvSpPr>
-            <a:spLocks noGrp="1"/>
-          </p:cNvSpPr>
-          <p:nvPr>
-            <p:ph type="title"/>
-          </p:nvPr>
-        </p:nvSpPr>
-        <p:spPr/>
-        <p:txBody>
-          <a:bodyPr/>
-          <a:lstStyle/>
-          <a:p>
-            <a:r>
-              <a:rPr lang="en-US" dirty="0" smtClean="0"/>
-              <a:t>Our Solution</a:t>
-            </a:r>
-            <a:endParaRPr lang="en-US" dirty="0"/>
-          </a:p>
-        </p:txBody>
-      </p:sp>
-    </p:spTree>
-  </p:cSld>
-  <p:clrMapOvr>
-    <a:masterClrMapping/>
-  </p:clrMapOvr>
-  <p:timing>
-    <p:tnLst>
-      <p:par>
-        <p:cTn id="1" dur="indefinite" restart="never" nodeType="tmRoot"/>
-      </p:par>
-    </p:tnLst>
-  </p:timing>
-</p:sld>
-</file>
-
-<file path=ppt/slides/slide4.xml><?xml version="1.0" encoding="utf-8"?>
-<p:sld xmlns:a="http://schemas.openxmlformats.org/drawingml/2006/main" xmlns:r="http://schemas.openxmlformats.org/officeDocument/2006/relationships" xmlns:mc="http://schemas.openxmlformats.org/markup-compatibility/2006" xmlns:mv="urn:schemas-microsoft-com:mac:vml" xmlns:p="http://schemas.openxmlformats.org/presentationml/2006/main" mc:Ignorable="mv" mc:PreserveAttributes="mv:*">
+<file path=ppt/slides/slide10.xml><?xml version="1.0" encoding="utf-8"?>
+<p:sld xmlns:a="http://schemas.openxmlformats.org/drawingml/2006/main" xmlns:r="http://schemas.openxmlformats.org/officeDocument/2006/relationships" xmlns:p="http://schemas.openxmlformats.org/presentationml/2006/main">
   <p:cSld>
     <p:spTree>
       <p:nvGrpSpPr>
@@ -5554,22 +5967,28 @@
       </p:grpSpPr>
       <p:pic>
         <p:nvPicPr>
-          <p:cNvPr id="4" name="Picture 3" descr="drawing.png"/>
+          <p:cNvPr id="4" name="Picture 3" descr="map.jpg"/>
           <p:cNvPicPr>
             <a:picLocks noChangeAspect="1"/>
           </p:cNvPicPr>
           <p:nvPr/>
         </p:nvPicPr>
         <p:blipFill>
-          <a:blip r:embed="rId3"/>
+          <a:blip r:embed="rId2">
+            <a:extLst>
+              <a:ext uri="{28A0092B-C50C-407E-A947-70E740481C1C}">
+                <a14:useLocalDpi xmlns:a14="http://schemas.microsoft.com/office/drawing/2010/main" val="0"/>
+              </a:ext>
+            </a:extLst>
+          </a:blip>
           <a:stretch>
             <a:fillRect/>
           </a:stretch>
         </p:blipFill>
         <p:spPr>
           <a:xfrm>
-            <a:off x="4309113" y="-497669"/>
-            <a:ext cx="4852051" cy="6858000"/>
+            <a:off x="5186575" y="3779042"/>
+            <a:ext cx="3576274" cy="2895343"/>
           </a:xfrm>
           <a:prstGeom prst="rect">
             <a:avLst/>
@@ -5593,36 +6012,153 @@
           <a:p>
             <a:r>
               <a:rPr lang="en-US" dirty="0" smtClean="0"/>
-              <a:t>Thin clients and opulent brokers</a:t>
+              <a:t>Over 100 features</a:t>
+            </a:r>
+          </a:p>
+          <a:p>
+            <a:pPr lvl="1"/>
+            <a:r>
+              <a:rPr lang="en-US" dirty="0" smtClean="0"/>
+              <a:t>Include them all!</a:t>
+            </a:r>
+          </a:p>
+          <a:p>
+            <a:pPr lvl="2"/>
+            <a:r>
+              <a:rPr lang="en-US" dirty="0" smtClean="0"/>
+              <a:t>Almost..</a:t>
+            </a:r>
+          </a:p>
+          <a:p>
+            <a:pPr lvl="2"/>
+            <a:r>
+              <a:rPr lang="en-US" dirty="0" smtClean="0"/>
+              <a:t>Discard:</a:t>
+            </a:r>
+          </a:p>
+          <a:p>
+            <a:pPr lvl="3"/>
+            <a:r>
+              <a:rPr lang="en-US" dirty="0" smtClean="0"/>
+              <a:t>Unique values (User ID, Screen name, etc.)</a:t>
+            </a:r>
+          </a:p>
+          <a:p>
+            <a:pPr lvl="3"/>
+            <a:r>
+              <a:rPr lang="en-US" dirty="0" smtClean="0"/>
+              <a:t>Textual features (Loan Description)</a:t>
+            </a:r>
+          </a:p>
+          <a:p>
+            <a:pPr lvl="3"/>
+            <a:r>
+              <a:rPr lang="en-US" dirty="0" smtClean="0"/>
+              <a:t>Anything unknown at start</a:t>
+            </a:r>
+          </a:p>
+          <a:p>
+            <a:pPr lvl="3"/>
+            <a:r>
+              <a:rPr lang="en-US" dirty="0" smtClean="0"/>
+              <a:t>Incomplete loans</a:t>
+            </a:r>
+          </a:p>
+          <a:p>
+            <a:pPr lvl="2"/>
+            <a:r>
+              <a:rPr lang="en-US" dirty="0" err="1" smtClean="0"/>
+              <a:t>Binarize</a:t>
+            </a:r>
+            <a:r>
+              <a:rPr lang="en-US" dirty="0"/>
+              <a:t> </a:t>
+            </a:r>
+            <a:r>
+              <a:rPr lang="en-US" dirty="0" smtClean="0"/>
+              <a:t>multivalued features</a:t>
+            </a:r>
+          </a:p>
+          <a:p>
+            <a:pPr lvl="2"/>
+            <a:r>
+              <a:rPr lang="en-US" dirty="0" smtClean="0"/>
+              <a:t>Scale everything</a:t>
+            </a:r>
+          </a:p>
+          <a:p>
+            <a:pPr lvl="3"/>
+            <a:r>
+              <a:rPr lang="en-US" dirty="0" smtClean="0"/>
+              <a:t>Mean: 0</a:t>
+            </a:r>
+          </a:p>
+          <a:p>
+            <a:pPr lvl="3"/>
+            <a:r>
+              <a:rPr lang="en-US" dirty="0" err="1" smtClean="0"/>
+              <a:t>Std</a:t>
+            </a:r>
+            <a:r>
+              <a:rPr lang="en-US" dirty="0" smtClean="0"/>
+              <a:t> </a:t>
+            </a:r>
+            <a:r>
+              <a:rPr lang="en-US" dirty="0" err="1" smtClean="0"/>
+              <a:t>Dev</a:t>
+            </a:r>
+            <a:r>
+              <a:rPr lang="en-US" dirty="0" smtClean="0"/>
+              <a:t>: 1</a:t>
+            </a:r>
+          </a:p>
+          <a:p>
+            <a:pPr lvl="3"/>
+            <a:endParaRPr lang="en-US" dirty="0" smtClean="0"/>
+          </a:p>
+          <a:p>
+            <a:pPr lvl="3"/>
+            <a:endParaRPr lang="en-US" dirty="0" smtClean="0"/>
+          </a:p>
+          <a:p>
+            <a:pPr lvl="3"/>
+            <a:endParaRPr lang="en-US" dirty="0" smtClean="0"/>
+          </a:p>
+          <a:p>
+            <a:pPr lvl="3"/>
+            <a:endParaRPr lang="en-US" dirty="0" smtClean="0"/>
+          </a:p>
+        </p:txBody>
+      </p:sp>
+      <p:sp>
+        <p:nvSpPr>
+          <p:cNvPr id="3" name="Title 2"/>
+          <p:cNvSpPr>
+            <a:spLocks noGrp="1"/>
+          </p:cNvSpPr>
+          <p:nvPr>
+            <p:ph type="title"/>
+          </p:nvPr>
+        </p:nvSpPr>
+        <p:spPr/>
+        <p:txBody>
+          <a:bodyPr/>
+          <a:lstStyle/>
+          <a:p>
+            <a:r>
+              <a:rPr lang="en-US" dirty="0" smtClean="0"/>
+              <a:t>Feature Representation</a:t>
             </a:r>
             <a:endParaRPr lang="en-US" dirty="0"/>
           </a:p>
         </p:txBody>
       </p:sp>
-      <p:sp>
-        <p:nvSpPr>
-          <p:cNvPr id="3" name="Title 2"/>
-          <p:cNvSpPr>
-            <a:spLocks noGrp="1"/>
-          </p:cNvSpPr>
-          <p:nvPr>
-            <p:ph type="title"/>
-          </p:nvPr>
-        </p:nvSpPr>
-        <p:spPr/>
-        <p:txBody>
-          <a:bodyPr/>
-          <a:lstStyle/>
-          <a:p>
-            <a:r>
-              <a:rPr lang="en-US" dirty="0" smtClean="0"/>
-              <a:t>Design: System Overview</a:t>
-            </a:r>
-            <a:endParaRPr lang="en-US" dirty="0"/>
-          </a:p>
-        </p:txBody>
-      </p:sp>
     </p:spTree>
+    <p:extLst>
+      <p:ext uri="{BB962C8B-B14F-4D97-AF65-F5344CB8AC3E}">
+        <p14:creationId xmlns:p14="http://schemas.microsoft.com/office/powerpoint/2010/main" val="4081247596"/>
+      </p:ext>
+    </p:extLst>
   </p:cSld>
   <p:clrMapOvr>
     <a:masterClrMapping/>
@@ -5630,15 +6166,15 @@
   <p:timing>
     <p:tnLst>
       <p:par>
-        <p:cTn id="1" dur="indefinite" restart="never" nodeType="tmRoot"/>
+        <p:cTn xmlns:p14="http://schemas.microsoft.com/office/powerpoint/2010/main" id="1" dur="indefinite" restart="never" nodeType="tmRoot"/>
       </p:par>
     </p:tnLst>
   </p:timing>
 </p:sld>
 </file>
 
-<file path=ppt/slides/slide5.xml><?xml version="1.0" encoding="utf-8"?>
-<p:sld xmlns:a="http://schemas.openxmlformats.org/drawingml/2006/main" xmlns:r="http://schemas.openxmlformats.org/officeDocument/2006/relationships" xmlns:mc="http://schemas.openxmlformats.org/markup-compatibility/2006" xmlns:mv="urn:schemas-microsoft-com:mac:vml" xmlns:p="http://schemas.openxmlformats.org/presentationml/2006/main" mc:Ignorable="mv" mc:PreserveAttributes="mv:*">
+<file path=ppt/slides/slide11.xml><?xml version="1.0" encoding="utf-8"?>
+<p:sld xmlns:a="http://schemas.openxmlformats.org/drawingml/2006/main" xmlns:r="http://schemas.openxmlformats.org/officeDocument/2006/relationships" xmlns:p="http://schemas.openxmlformats.org/presentationml/2006/main">
   <p:cSld>
     <p:spTree>
       <p:nvGrpSpPr>
@@ -5656,6 +6192,63 @@
       </p:grpSpPr>
       <p:sp>
         <p:nvSpPr>
+          <p:cNvPr id="2" name="Content Placeholder 1"/>
+          <p:cNvSpPr>
+            <a:spLocks noGrp="1"/>
+          </p:cNvSpPr>
+          <p:nvPr>
+            <p:ph idx="1"/>
+          </p:nvPr>
+        </p:nvSpPr>
+        <p:spPr/>
+        <p:txBody>
+          <a:bodyPr/>
+          <a:lstStyle/>
+          <a:p>
+            <a:r>
+              <a:rPr lang="en-US" dirty="0" smtClean="0"/>
+              <a:t>Split Data</a:t>
+            </a:r>
+          </a:p>
+          <a:p>
+            <a:pPr lvl="1"/>
+            <a:r>
+              <a:rPr lang="en-US" dirty="0" smtClean="0"/>
+              <a:t>30% Test</a:t>
+            </a:r>
+          </a:p>
+          <a:p>
+            <a:pPr lvl="1"/>
+            <a:r>
+              <a:rPr lang="en-US" dirty="0" smtClean="0"/>
+              <a:t>70% Training</a:t>
+            </a:r>
+            <a:endParaRPr lang="en-US" dirty="0"/>
+          </a:p>
+          <a:p>
+            <a:r>
+              <a:rPr lang="en-US" dirty="0" smtClean="0"/>
+              <a:t>Tune Parameters</a:t>
+            </a:r>
+          </a:p>
+          <a:p>
+            <a:pPr lvl="1"/>
+            <a:r>
+              <a:rPr lang="en-US" dirty="0" smtClean="0"/>
+              <a:t>Grid Search</a:t>
+            </a:r>
+          </a:p>
+          <a:p>
+            <a:pPr lvl="1"/>
+            <a:r>
+              <a:rPr lang="en-US" dirty="0" smtClean="0"/>
+              <a:t>5-Fold Cross Validation</a:t>
+            </a:r>
+          </a:p>
+        </p:txBody>
+      </p:sp>
+      <p:sp>
+        <p:nvSpPr>
           <p:cNvPr id="3" name="Title 2"/>
           <p:cNvSpPr>
             <a:spLocks noGrp="1"/>
@@ -5671,769 +6264,7 @@
           <a:p>
             <a:r>
               <a:rPr lang="en-US" dirty="0" smtClean="0"/>
-              <a:t>Design: Lifetime</a:t>
-            </a:r>
-            <a:endParaRPr lang="en-US" dirty="0"/>
-          </a:p>
-        </p:txBody>
-      </p:sp>
-      <p:pic>
-        <p:nvPicPr>
-          <p:cNvPr id="7" name="Picture 6"/>
-          <p:cNvPicPr>
-            <a:picLocks noChangeAspect="1"/>
-          </p:cNvPicPr>
-          <p:nvPr/>
-        </p:nvPicPr>
-        <p:blipFill>
-          <a:blip r:embed="rId3"/>
-          <a:stretch>
-            <a:fillRect/>
-          </a:stretch>
-        </p:blipFill>
-        <p:spPr>
-          <a:xfrm>
-            <a:off x="285750" y="1409700"/>
-            <a:ext cx="8572500" cy="4038600"/>
-          </a:xfrm>
-          <a:prstGeom prst="rect">
-            <a:avLst/>
-          </a:prstGeom>
-        </p:spPr>
-      </p:pic>
-      <p:pic>
-        <p:nvPicPr>
-          <p:cNvPr id="10" name="Picture 9" descr="timeline.png"/>
-          <p:cNvPicPr>
-            <a:picLocks noChangeAspect="1"/>
-          </p:cNvPicPr>
-          <p:nvPr/>
-        </p:nvPicPr>
-        <p:blipFill>
-          <a:blip r:embed="rId4"/>
-          <a:stretch>
-            <a:fillRect/>
-          </a:stretch>
-        </p:blipFill>
-        <p:spPr>
-          <a:xfrm>
-            <a:off x="438150" y="1136650"/>
-            <a:ext cx="8267700" cy="4584700"/>
-          </a:xfrm>
-          <a:prstGeom prst="rect">
-            <a:avLst/>
-          </a:prstGeom>
-        </p:spPr>
-      </p:pic>
-      <p:sp>
-        <p:nvSpPr>
-          <p:cNvPr id="11" name="TextBox 10"/>
-          <p:cNvSpPr txBox="1"/>
-          <p:nvPr/>
-        </p:nvSpPr>
-        <p:spPr>
-          <a:xfrm>
-            <a:off x="1319190" y="3750805"/>
-            <a:ext cx="330627" cy="369332"/>
-          </a:xfrm>
-          <a:prstGeom prst="rect">
-            <a:avLst/>
-          </a:prstGeom>
-          <a:noFill/>
-        </p:spPr>
-        <p:txBody>
-          <a:bodyPr wrap="none" rtlCol="0">
-            <a:spAutoFit/>
-          </a:bodyPr>
-          <a:lstStyle/>
-          <a:p>
-            <a:r>
-              <a:rPr lang="en-US" b="1" dirty="0" smtClean="0"/>
-              <a:t>1</a:t>
-            </a:r>
-            <a:endParaRPr lang="en-US" b="1" dirty="0"/>
-          </a:p>
-        </p:txBody>
-      </p:sp>
-      <p:sp>
-        <p:nvSpPr>
-          <p:cNvPr id="12" name="TextBox 11"/>
-          <p:cNvSpPr txBox="1"/>
-          <p:nvPr/>
-        </p:nvSpPr>
-        <p:spPr>
-          <a:xfrm>
-            <a:off x="1816267" y="2761151"/>
-            <a:ext cx="330627" cy="369332"/>
-          </a:xfrm>
-          <a:prstGeom prst="rect">
-            <a:avLst/>
-          </a:prstGeom>
-          <a:noFill/>
-        </p:spPr>
-        <p:txBody>
-          <a:bodyPr wrap="none" rtlCol="0">
-            <a:spAutoFit/>
-          </a:bodyPr>
-          <a:lstStyle/>
-          <a:p>
-            <a:r>
-              <a:rPr lang="en-US" b="1" dirty="0" smtClean="0"/>
-              <a:t>2</a:t>
-            </a:r>
-            <a:endParaRPr lang="en-US" b="1" dirty="0"/>
-          </a:p>
-        </p:txBody>
-      </p:sp>
-      <p:sp>
-        <p:nvSpPr>
-          <p:cNvPr id="13" name="TextBox 12"/>
-          <p:cNvSpPr txBox="1"/>
-          <p:nvPr/>
-        </p:nvSpPr>
-        <p:spPr>
-          <a:xfrm>
-            <a:off x="3076945" y="3202035"/>
-            <a:ext cx="330627" cy="369332"/>
-          </a:xfrm>
-          <a:prstGeom prst="rect">
-            <a:avLst/>
-          </a:prstGeom>
-          <a:noFill/>
-        </p:spPr>
-        <p:txBody>
-          <a:bodyPr wrap="none" rtlCol="0">
-            <a:spAutoFit/>
-          </a:bodyPr>
-          <a:lstStyle/>
-          <a:p>
-            <a:r>
-              <a:rPr lang="en-US" b="1" dirty="0"/>
-              <a:t>3</a:t>
-            </a:r>
-            <a:endParaRPr lang="en-US" b="1" dirty="0"/>
-          </a:p>
-        </p:txBody>
-      </p:sp>
-      <p:sp>
-        <p:nvSpPr>
-          <p:cNvPr id="14" name="TextBox 13"/>
-          <p:cNvSpPr txBox="1"/>
-          <p:nvPr/>
-        </p:nvSpPr>
-        <p:spPr>
-          <a:xfrm>
-            <a:off x="4436249" y="3750805"/>
-            <a:ext cx="330627" cy="369332"/>
-          </a:xfrm>
-          <a:prstGeom prst="rect">
-            <a:avLst/>
-          </a:prstGeom>
-          <a:noFill/>
-        </p:spPr>
-        <p:txBody>
-          <a:bodyPr wrap="none" rtlCol="0">
-            <a:spAutoFit/>
-          </a:bodyPr>
-          <a:lstStyle/>
-          <a:p>
-            <a:r>
-              <a:rPr lang="en-US" b="1" dirty="0"/>
-              <a:t>4</a:t>
-            </a:r>
-            <a:endParaRPr lang="en-US" b="1" dirty="0"/>
-          </a:p>
-        </p:txBody>
-      </p:sp>
-      <p:sp>
-        <p:nvSpPr>
-          <p:cNvPr id="15" name="TextBox 14"/>
-          <p:cNvSpPr txBox="1"/>
-          <p:nvPr/>
-        </p:nvSpPr>
-        <p:spPr>
-          <a:xfrm>
-            <a:off x="6886575" y="3750805"/>
-            <a:ext cx="330627" cy="369332"/>
-          </a:xfrm>
-          <a:prstGeom prst="rect">
-            <a:avLst/>
-          </a:prstGeom>
-          <a:noFill/>
-        </p:spPr>
-        <p:txBody>
-          <a:bodyPr wrap="none" rtlCol="0">
-            <a:spAutoFit/>
-          </a:bodyPr>
-          <a:lstStyle/>
-          <a:p>
-            <a:r>
-              <a:rPr lang="en-US" b="1" dirty="0"/>
-              <a:t>6</a:t>
-            </a:r>
-            <a:endParaRPr lang="en-US" b="1" dirty="0"/>
-          </a:p>
-        </p:txBody>
-      </p:sp>
-      <p:sp>
-        <p:nvSpPr>
-          <p:cNvPr id="17" name="Rounded Rectangle 16"/>
-          <p:cNvSpPr/>
-          <p:nvPr/>
-        </p:nvSpPr>
-        <p:spPr>
-          <a:xfrm>
-            <a:off x="1319190" y="3678695"/>
-            <a:ext cx="330627" cy="548770"/>
-          </a:xfrm>
-          <a:prstGeom prst="roundRect">
-            <a:avLst/>
-          </a:prstGeom>
-          <a:gradFill flip="none" rotWithShape="1">
-            <a:gsLst>
-              <a:gs pos="0">
-                <a:schemeClr val="accent1">
-                  <a:shade val="15000"/>
-                  <a:satMod val="180000"/>
-                  <a:alpha val="40000"/>
-                </a:schemeClr>
-              </a:gs>
-              <a:gs pos="50000">
-                <a:schemeClr val="accent1">
-                  <a:shade val="45000"/>
-                  <a:satMod val="170000"/>
-                  <a:alpha val="40000"/>
-                </a:schemeClr>
-              </a:gs>
-              <a:gs pos="70000">
-                <a:schemeClr val="accent1">
-                  <a:tint val="99000"/>
-                  <a:shade val="65000"/>
-                  <a:satMod val="155000"/>
-                  <a:alpha val="40000"/>
-                </a:schemeClr>
-              </a:gs>
-              <a:gs pos="100000">
-                <a:schemeClr val="accent1">
-                  <a:tint val="95500"/>
-                  <a:shade val="100000"/>
-                  <a:satMod val="155000"/>
-                  <a:alpha val="40000"/>
-                </a:schemeClr>
-              </a:gs>
-            </a:gsLst>
-            <a:lin ang="16200000" scaled="0"/>
-            <a:tileRect/>
-          </a:gradFill>
-        </p:spPr>
-        <p:style>
-          <a:lnRef idx="1">
-            <a:schemeClr val="accent1"/>
-          </a:lnRef>
-          <a:fillRef idx="3">
-            <a:schemeClr val="accent1"/>
-          </a:fillRef>
-          <a:effectRef idx="2">
-            <a:schemeClr val="accent1"/>
-          </a:effectRef>
-          <a:fontRef idx="minor">
-            <a:schemeClr val="lt1"/>
-          </a:fontRef>
-        </p:style>
-        <p:txBody>
-          <a:bodyPr rtlCol="0" anchor="ctr"/>
-          <a:lstStyle/>
-          <a:p>
-            <a:pPr algn="ctr"/>
-            <a:endParaRPr lang="en-US"/>
-          </a:p>
-        </p:txBody>
-      </p:sp>
-      <p:sp>
-        <p:nvSpPr>
-          <p:cNvPr id="16" name="TextBox 15"/>
-          <p:cNvSpPr txBox="1"/>
-          <p:nvPr/>
-        </p:nvSpPr>
-        <p:spPr>
-          <a:xfrm>
-            <a:off x="5294759" y="2832703"/>
-            <a:ext cx="330627" cy="369332"/>
-          </a:xfrm>
-          <a:prstGeom prst="rect">
-            <a:avLst/>
-          </a:prstGeom>
-          <a:noFill/>
-        </p:spPr>
-        <p:txBody>
-          <a:bodyPr wrap="none" rtlCol="0">
-            <a:spAutoFit/>
-          </a:bodyPr>
-          <a:lstStyle/>
-          <a:p>
-            <a:r>
-              <a:rPr lang="en-US" b="1" dirty="0"/>
-              <a:t>5</a:t>
-            </a:r>
-            <a:endParaRPr lang="en-US" b="1" dirty="0"/>
-          </a:p>
-        </p:txBody>
-      </p:sp>
-      <p:sp>
-        <p:nvSpPr>
-          <p:cNvPr id="18" name="Rounded Rectangle 17"/>
-          <p:cNvSpPr/>
-          <p:nvPr/>
-        </p:nvSpPr>
-        <p:spPr>
-          <a:xfrm>
-            <a:off x="1798381" y="2689041"/>
-            <a:ext cx="330627" cy="548770"/>
-          </a:xfrm>
-          <a:prstGeom prst="roundRect">
-            <a:avLst/>
-          </a:prstGeom>
-          <a:gradFill flip="none" rotWithShape="1">
-            <a:gsLst>
-              <a:gs pos="0">
-                <a:schemeClr val="accent1">
-                  <a:shade val="15000"/>
-                  <a:satMod val="180000"/>
-                  <a:alpha val="40000"/>
-                </a:schemeClr>
-              </a:gs>
-              <a:gs pos="50000">
-                <a:schemeClr val="accent1">
-                  <a:shade val="45000"/>
-                  <a:satMod val="170000"/>
-                  <a:alpha val="40000"/>
-                </a:schemeClr>
-              </a:gs>
-              <a:gs pos="70000">
-                <a:schemeClr val="accent1">
-                  <a:tint val="99000"/>
-                  <a:shade val="65000"/>
-                  <a:satMod val="155000"/>
-                  <a:alpha val="40000"/>
-                </a:schemeClr>
-              </a:gs>
-              <a:gs pos="100000">
-                <a:schemeClr val="accent1">
-                  <a:tint val="95500"/>
-                  <a:shade val="100000"/>
-                  <a:satMod val="155000"/>
-                  <a:alpha val="40000"/>
-                </a:schemeClr>
-              </a:gs>
-            </a:gsLst>
-            <a:lin ang="16200000" scaled="0"/>
-            <a:tileRect/>
-          </a:gradFill>
-        </p:spPr>
-        <p:style>
-          <a:lnRef idx="1">
-            <a:schemeClr val="accent1"/>
-          </a:lnRef>
-          <a:fillRef idx="3">
-            <a:schemeClr val="accent1"/>
-          </a:fillRef>
-          <a:effectRef idx="2">
-            <a:schemeClr val="accent1"/>
-          </a:effectRef>
-          <a:fontRef idx="minor">
-            <a:schemeClr val="lt1"/>
-          </a:fontRef>
-        </p:style>
-        <p:txBody>
-          <a:bodyPr rtlCol="0" anchor="ctr"/>
-          <a:lstStyle/>
-          <a:p>
-            <a:pPr algn="ctr"/>
-            <a:endParaRPr lang="en-US"/>
-          </a:p>
-        </p:txBody>
-      </p:sp>
-      <p:sp>
-        <p:nvSpPr>
-          <p:cNvPr id="19" name="Rounded Rectangle 18"/>
-          <p:cNvSpPr/>
-          <p:nvPr/>
-        </p:nvSpPr>
-        <p:spPr>
-          <a:xfrm>
-            <a:off x="3076945" y="3129925"/>
-            <a:ext cx="330627" cy="548770"/>
-          </a:xfrm>
-          <a:prstGeom prst="roundRect">
-            <a:avLst/>
-          </a:prstGeom>
-          <a:gradFill flip="none" rotWithShape="1">
-            <a:gsLst>
-              <a:gs pos="0">
-                <a:schemeClr val="accent1">
-                  <a:shade val="15000"/>
-                  <a:satMod val="180000"/>
-                  <a:alpha val="40000"/>
-                </a:schemeClr>
-              </a:gs>
-              <a:gs pos="50000">
-                <a:schemeClr val="accent1">
-                  <a:shade val="45000"/>
-                  <a:satMod val="170000"/>
-                  <a:alpha val="40000"/>
-                </a:schemeClr>
-              </a:gs>
-              <a:gs pos="70000">
-                <a:schemeClr val="accent1">
-                  <a:tint val="99000"/>
-                  <a:shade val="65000"/>
-                  <a:satMod val="155000"/>
-                  <a:alpha val="40000"/>
-                </a:schemeClr>
-              </a:gs>
-              <a:gs pos="100000">
-                <a:schemeClr val="accent1">
-                  <a:tint val="95500"/>
-                  <a:shade val="100000"/>
-                  <a:satMod val="155000"/>
-                  <a:alpha val="40000"/>
-                </a:schemeClr>
-              </a:gs>
-            </a:gsLst>
-            <a:lin ang="16200000" scaled="0"/>
-            <a:tileRect/>
-          </a:gradFill>
-        </p:spPr>
-        <p:style>
-          <a:lnRef idx="1">
-            <a:schemeClr val="accent1"/>
-          </a:lnRef>
-          <a:fillRef idx="3">
-            <a:schemeClr val="accent1"/>
-          </a:fillRef>
-          <a:effectRef idx="2">
-            <a:schemeClr val="accent1"/>
-          </a:effectRef>
-          <a:fontRef idx="minor">
-            <a:schemeClr val="lt1"/>
-          </a:fontRef>
-        </p:style>
-        <p:txBody>
-          <a:bodyPr rtlCol="0" anchor="ctr"/>
-          <a:lstStyle/>
-          <a:p>
-            <a:pPr algn="ctr"/>
-            <a:endParaRPr lang="en-US"/>
-          </a:p>
-        </p:txBody>
-      </p:sp>
-      <p:sp>
-        <p:nvSpPr>
-          <p:cNvPr id="20" name="Rounded Rectangle 19"/>
-          <p:cNvSpPr/>
-          <p:nvPr/>
-        </p:nvSpPr>
-        <p:spPr>
-          <a:xfrm>
-            <a:off x="4436249" y="3678695"/>
-            <a:ext cx="330627" cy="548770"/>
-          </a:xfrm>
-          <a:prstGeom prst="roundRect">
-            <a:avLst/>
-          </a:prstGeom>
-          <a:gradFill flip="none" rotWithShape="1">
-            <a:gsLst>
-              <a:gs pos="0">
-                <a:schemeClr val="accent1">
-                  <a:shade val="15000"/>
-                  <a:satMod val="180000"/>
-                  <a:alpha val="40000"/>
-                </a:schemeClr>
-              </a:gs>
-              <a:gs pos="50000">
-                <a:schemeClr val="accent1">
-                  <a:shade val="45000"/>
-                  <a:satMod val="170000"/>
-                  <a:alpha val="40000"/>
-                </a:schemeClr>
-              </a:gs>
-              <a:gs pos="70000">
-                <a:schemeClr val="accent1">
-                  <a:tint val="99000"/>
-                  <a:shade val="65000"/>
-                  <a:satMod val="155000"/>
-                  <a:alpha val="40000"/>
-                </a:schemeClr>
-              </a:gs>
-              <a:gs pos="100000">
-                <a:schemeClr val="accent1">
-                  <a:tint val="95500"/>
-                  <a:shade val="100000"/>
-                  <a:satMod val="155000"/>
-                  <a:alpha val="40000"/>
-                </a:schemeClr>
-              </a:gs>
-            </a:gsLst>
-            <a:lin ang="16200000" scaled="0"/>
-            <a:tileRect/>
-          </a:gradFill>
-        </p:spPr>
-        <p:style>
-          <a:lnRef idx="1">
-            <a:schemeClr val="accent1"/>
-          </a:lnRef>
-          <a:fillRef idx="3">
-            <a:schemeClr val="accent1"/>
-          </a:fillRef>
-          <a:effectRef idx="2">
-            <a:schemeClr val="accent1"/>
-          </a:effectRef>
-          <a:fontRef idx="minor">
-            <a:schemeClr val="lt1"/>
-          </a:fontRef>
-        </p:style>
-        <p:txBody>
-          <a:bodyPr rtlCol="0" anchor="ctr"/>
-          <a:lstStyle/>
-          <a:p>
-            <a:pPr algn="ctr"/>
-            <a:endParaRPr lang="en-US"/>
-          </a:p>
-        </p:txBody>
-      </p:sp>
-      <p:sp>
-        <p:nvSpPr>
-          <p:cNvPr id="21" name="Rounded Rectangle 20"/>
-          <p:cNvSpPr/>
-          <p:nvPr/>
-        </p:nvSpPr>
-        <p:spPr>
-          <a:xfrm>
-            <a:off x="5294759" y="2761151"/>
-            <a:ext cx="330627" cy="548770"/>
-          </a:xfrm>
-          <a:prstGeom prst="roundRect">
-            <a:avLst/>
-          </a:prstGeom>
-          <a:gradFill flip="none" rotWithShape="1">
-            <a:gsLst>
-              <a:gs pos="0">
-                <a:schemeClr val="accent1">
-                  <a:shade val="15000"/>
-                  <a:satMod val="180000"/>
-                  <a:alpha val="40000"/>
-                </a:schemeClr>
-              </a:gs>
-              <a:gs pos="50000">
-                <a:schemeClr val="accent1">
-                  <a:shade val="45000"/>
-                  <a:satMod val="170000"/>
-                  <a:alpha val="40000"/>
-                </a:schemeClr>
-              </a:gs>
-              <a:gs pos="70000">
-                <a:schemeClr val="accent1">
-                  <a:tint val="99000"/>
-                  <a:shade val="65000"/>
-                  <a:satMod val="155000"/>
-                  <a:alpha val="40000"/>
-                </a:schemeClr>
-              </a:gs>
-              <a:gs pos="100000">
-                <a:schemeClr val="accent1">
-                  <a:tint val="95500"/>
-                  <a:shade val="100000"/>
-                  <a:satMod val="155000"/>
-                  <a:alpha val="40000"/>
-                </a:schemeClr>
-              </a:gs>
-            </a:gsLst>
-            <a:lin ang="16200000" scaled="0"/>
-            <a:tileRect/>
-          </a:gradFill>
-        </p:spPr>
-        <p:style>
-          <a:lnRef idx="1">
-            <a:schemeClr val="accent1"/>
-          </a:lnRef>
-          <a:fillRef idx="3">
-            <a:schemeClr val="accent1"/>
-          </a:fillRef>
-          <a:effectRef idx="2">
-            <a:schemeClr val="accent1"/>
-          </a:effectRef>
-          <a:fontRef idx="minor">
-            <a:schemeClr val="lt1"/>
-          </a:fontRef>
-        </p:style>
-        <p:txBody>
-          <a:bodyPr rtlCol="0" anchor="ctr"/>
-          <a:lstStyle/>
-          <a:p>
-            <a:pPr algn="ctr"/>
-            <a:endParaRPr lang="en-US"/>
-          </a:p>
-        </p:txBody>
-      </p:sp>
-      <p:sp>
-        <p:nvSpPr>
-          <p:cNvPr id="22" name="Rounded Rectangle 21"/>
-          <p:cNvSpPr/>
-          <p:nvPr/>
-        </p:nvSpPr>
-        <p:spPr>
-          <a:xfrm>
-            <a:off x="6886575" y="3678695"/>
-            <a:ext cx="330627" cy="548770"/>
-          </a:xfrm>
-          <a:prstGeom prst="roundRect">
-            <a:avLst/>
-          </a:prstGeom>
-          <a:gradFill flip="none" rotWithShape="1">
-            <a:gsLst>
-              <a:gs pos="0">
-                <a:schemeClr val="accent1">
-                  <a:shade val="15000"/>
-                  <a:satMod val="180000"/>
-                  <a:alpha val="40000"/>
-                </a:schemeClr>
-              </a:gs>
-              <a:gs pos="50000">
-                <a:schemeClr val="accent1">
-                  <a:shade val="45000"/>
-                  <a:satMod val="170000"/>
-                  <a:alpha val="40000"/>
-                </a:schemeClr>
-              </a:gs>
-              <a:gs pos="70000">
-                <a:schemeClr val="accent1">
-                  <a:tint val="99000"/>
-                  <a:shade val="65000"/>
-                  <a:satMod val="155000"/>
-                  <a:alpha val="40000"/>
-                </a:schemeClr>
-              </a:gs>
-              <a:gs pos="100000">
-                <a:schemeClr val="accent1">
-                  <a:tint val="95500"/>
-                  <a:shade val="100000"/>
-                  <a:satMod val="155000"/>
-                  <a:alpha val="40000"/>
-                </a:schemeClr>
-              </a:gs>
-            </a:gsLst>
-            <a:lin ang="16200000" scaled="0"/>
-            <a:tileRect/>
-          </a:gradFill>
-        </p:spPr>
-        <p:style>
-          <a:lnRef idx="1">
-            <a:schemeClr val="accent1"/>
-          </a:lnRef>
-          <a:fillRef idx="3">
-            <a:schemeClr val="accent1"/>
-          </a:fillRef>
-          <a:effectRef idx="2">
-            <a:schemeClr val="accent1"/>
-          </a:effectRef>
-          <a:fontRef idx="minor">
-            <a:schemeClr val="lt1"/>
-          </a:fontRef>
-        </p:style>
-        <p:txBody>
-          <a:bodyPr rtlCol="0" anchor="ctr"/>
-          <a:lstStyle/>
-          <a:p>
-            <a:pPr algn="ctr"/>
-            <a:endParaRPr lang="en-US"/>
-          </a:p>
-        </p:txBody>
-      </p:sp>
-      <p:sp>
-        <p:nvSpPr>
-          <p:cNvPr id="23" name="TextBox 22"/>
-          <p:cNvSpPr txBox="1"/>
-          <p:nvPr/>
-        </p:nvSpPr>
-        <p:spPr>
-          <a:xfrm>
-            <a:off x="1512155" y="1964575"/>
-            <a:ext cx="1062407" cy="369332"/>
-          </a:xfrm>
-          <a:prstGeom prst="rect">
-            <a:avLst/>
-          </a:prstGeom>
-          <a:noFill/>
-        </p:spPr>
-        <p:txBody>
-          <a:bodyPr wrap="square" rtlCol="0">
-            <a:spAutoFit/>
-          </a:bodyPr>
-          <a:lstStyle/>
-          <a:p>
-            <a:r>
-              <a:rPr lang="en-US" dirty="0" err="1" smtClean="0"/>
-              <a:t>Foo.txt</a:t>
-            </a:r>
-            <a:endParaRPr lang="en-US" dirty="0"/>
-          </a:p>
-        </p:txBody>
-      </p:sp>
-      <p:sp>
-        <p:nvSpPr>
-          <p:cNvPr id="24" name="TextBox 23"/>
-          <p:cNvSpPr txBox="1"/>
-          <p:nvPr/>
-        </p:nvSpPr>
-        <p:spPr>
-          <a:xfrm>
-            <a:off x="3755961" y="5109185"/>
-            <a:ext cx="1062407" cy="369332"/>
-          </a:xfrm>
-          <a:prstGeom prst="rect">
-            <a:avLst/>
-          </a:prstGeom>
-          <a:noFill/>
-        </p:spPr>
-        <p:txBody>
-          <a:bodyPr wrap="square" rtlCol="0">
-            <a:spAutoFit/>
-          </a:bodyPr>
-          <a:lstStyle/>
-          <a:p>
-            <a:r>
-              <a:rPr lang="en-US" dirty="0" err="1" smtClean="0"/>
-              <a:t>Bar.png</a:t>
-            </a:r>
-            <a:endParaRPr lang="en-US" dirty="0"/>
-          </a:p>
-        </p:txBody>
-      </p:sp>
-      <p:sp>
-        <p:nvSpPr>
-          <p:cNvPr id="25" name="TextBox 24"/>
-          <p:cNvSpPr txBox="1"/>
-          <p:nvPr/>
-        </p:nvSpPr>
-        <p:spPr>
-          <a:xfrm>
-            <a:off x="6355371" y="1917197"/>
-            <a:ext cx="1062407" cy="369332"/>
-          </a:xfrm>
-          <a:prstGeom prst="rect">
-            <a:avLst/>
-          </a:prstGeom>
-          <a:noFill/>
-        </p:spPr>
-        <p:txBody>
-          <a:bodyPr wrap="square" rtlCol="0">
-            <a:spAutoFit/>
-          </a:bodyPr>
-          <a:lstStyle/>
-          <a:p>
-            <a:r>
-              <a:rPr lang="en-US" dirty="0" err="1" smtClean="0"/>
-              <a:t>Bar.txt</a:t>
+              <a:t>Training Models</a:t>
             </a:r>
             <a:endParaRPr lang="en-US" dirty="0"/>
           </a:p>
@@ -6447,316 +6278,15 @@
   <p:timing>
     <p:tnLst>
       <p:par>
-        <p:cTn id="1" dur="indefinite" restart="never" nodeType="tmRoot">
-          <p:childTnLst>
-            <p:seq concurrent="1" nextAc="seek">
-              <p:cTn id="2" dur="indefinite" nodeType="mainSeq">
-                <p:childTnLst>
-                  <p:par>
-                    <p:cTn id="3" fill="hold">
-                      <p:stCondLst>
-                        <p:cond delay="indefinite"/>
-                      </p:stCondLst>
-                      <p:childTnLst>
-                        <p:par>
-                          <p:cTn id="4" fill="hold">
-                            <p:stCondLst>
-                              <p:cond delay="0"/>
-                            </p:stCondLst>
-                            <p:childTnLst>
-                              <p:par>
-                                <p:cTn id="5" presetID="1" presetClass="entr" presetSubtype="0" fill="hold" grpId="0" nodeType="clickEffect">
-                                  <p:stCondLst>
-                                    <p:cond delay="0"/>
-                                  </p:stCondLst>
-                                  <p:childTnLst>
-                                    <p:set>
-                                      <p:cBhvr>
-                                        <p:cTn id="6" dur="1" fill="hold">
-                                          <p:stCondLst>
-                                            <p:cond delay="0"/>
-                                          </p:stCondLst>
-                                        </p:cTn>
-                                        <p:tgtEl>
-                                          <p:spTgt spid="17"/>
-                                        </p:tgtEl>
-                                        <p:attrNameLst>
-                                          <p:attrName>style.visibility</p:attrName>
-                                        </p:attrNameLst>
-                                      </p:cBhvr>
-                                      <p:to>
-                                        <p:strVal val="visible"/>
-                                      </p:to>
-                                    </p:set>
-                                  </p:childTnLst>
-                                </p:cTn>
-                              </p:par>
-                            </p:childTnLst>
-                          </p:cTn>
-                        </p:par>
-                      </p:childTnLst>
-                    </p:cTn>
-                  </p:par>
-                  <p:par>
-                    <p:cTn id="7" fill="hold">
-                      <p:stCondLst>
-                        <p:cond delay="indefinite"/>
-                      </p:stCondLst>
-                      <p:childTnLst>
-                        <p:par>
-                          <p:cTn id="8" fill="hold">
-                            <p:stCondLst>
-                              <p:cond delay="0"/>
-                            </p:stCondLst>
-                            <p:childTnLst>
-                              <p:par>
-                                <p:cTn id="9" presetID="1" presetClass="entr" presetSubtype="0" fill="hold" grpId="0" nodeType="clickEffect">
-                                  <p:stCondLst>
-                                    <p:cond delay="0"/>
-                                  </p:stCondLst>
-                                  <p:childTnLst>
-                                    <p:set>
-                                      <p:cBhvr>
-                                        <p:cTn id="10" dur="1" fill="hold">
-                                          <p:stCondLst>
-                                            <p:cond delay="0"/>
-                                          </p:stCondLst>
-                                        </p:cTn>
-                                        <p:tgtEl>
-                                          <p:spTgt spid="18"/>
-                                        </p:tgtEl>
-                                        <p:attrNameLst>
-                                          <p:attrName>style.visibility</p:attrName>
-                                        </p:attrNameLst>
-                                      </p:cBhvr>
-                                      <p:to>
-                                        <p:strVal val="visible"/>
-                                      </p:to>
-                                    </p:set>
-                                  </p:childTnLst>
-                                </p:cTn>
-                              </p:par>
-                            </p:childTnLst>
-                          </p:cTn>
-                        </p:par>
-                      </p:childTnLst>
-                    </p:cTn>
-                  </p:par>
-                  <p:par>
-                    <p:cTn id="11" fill="hold">
-                      <p:stCondLst>
-                        <p:cond delay="indefinite"/>
-                      </p:stCondLst>
-                      <p:childTnLst>
-                        <p:par>
-                          <p:cTn id="12" fill="hold">
-                            <p:stCondLst>
-                              <p:cond delay="0"/>
-                            </p:stCondLst>
-                            <p:childTnLst>
-                              <p:par>
-                                <p:cTn id="13" presetID="1" presetClass="entr" presetSubtype="0" fill="hold" grpId="0" nodeType="clickEffect">
-                                  <p:stCondLst>
-                                    <p:cond delay="0"/>
-                                  </p:stCondLst>
-                                  <p:childTnLst>
-                                    <p:set>
-                                      <p:cBhvr>
-                                        <p:cTn id="14" dur="1" fill="hold">
-                                          <p:stCondLst>
-                                            <p:cond delay="0"/>
-                                          </p:stCondLst>
-                                        </p:cTn>
-                                        <p:tgtEl>
-                                          <p:spTgt spid="19"/>
-                                        </p:tgtEl>
-                                        <p:attrNameLst>
-                                          <p:attrName>style.visibility</p:attrName>
-                                        </p:attrNameLst>
-                                      </p:cBhvr>
-                                      <p:to>
-                                        <p:strVal val="visible"/>
-                                      </p:to>
-                                    </p:set>
-                                  </p:childTnLst>
-                                </p:cTn>
-                              </p:par>
-                            </p:childTnLst>
-                          </p:cTn>
-                        </p:par>
-                      </p:childTnLst>
-                    </p:cTn>
-                  </p:par>
-                  <p:par>
-                    <p:cTn id="15" fill="hold">
-                      <p:stCondLst>
-                        <p:cond delay="indefinite"/>
-                      </p:stCondLst>
-                      <p:childTnLst>
-                        <p:par>
-                          <p:cTn id="16" fill="hold">
-                            <p:stCondLst>
-                              <p:cond delay="0"/>
-                            </p:stCondLst>
-                            <p:childTnLst>
-                              <p:par>
-                                <p:cTn id="17" presetID="1" presetClass="entr" presetSubtype="0" fill="hold" grpId="0" nodeType="clickEffect">
-                                  <p:stCondLst>
-                                    <p:cond delay="0"/>
-                                  </p:stCondLst>
-                                  <p:childTnLst>
-                                    <p:set>
-                                      <p:cBhvr>
-                                        <p:cTn id="18" dur="1" fill="hold">
-                                          <p:stCondLst>
-                                            <p:cond delay="0"/>
-                                          </p:stCondLst>
-                                        </p:cTn>
-                                        <p:tgtEl>
-                                          <p:spTgt spid="20"/>
-                                        </p:tgtEl>
-                                        <p:attrNameLst>
-                                          <p:attrName>style.visibility</p:attrName>
-                                        </p:attrNameLst>
-                                      </p:cBhvr>
-                                      <p:to>
-                                        <p:strVal val="visible"/>
-                                      </p:to>
-                                    </p:set>
-                                  </p:childTnLst>
-                                </p:cTn>
-                              </p:par>
-                            </p:childTnLst>
-                          </p:cTn>
-                        </p:par>
-                      </p:childTnLst>
-                    </p:cTn>
-                  </p:par>
-                  <p:par>
-                    <p:cTn id="19" fill="hold">
-                      <p:stCondLst>
-                        <p:cond delay="indefinite"/>
-                      </p:stCondLst>
-                      <p:childTnLst>
-                        <p:par>
-                          <p:cTn id="20" fill="hold">
-                            <p:stCondLst>
-                              <p:cond delay="0"/>
-                            </p:stCondLst>
-                            <p:childTnLst>
-                              <p:par>
-                                <p:cTn id="21" presetID="1" presetClass="entr" presetSubtype="0" fill="hold" grpId="0" nodeType="clickEffect">
-                                  <p:stCondLst>
-                                    <p:cond delay="0"/>
-                                  </p:stCondLst>
-                                  <p:childTnLst>
-                                    <p:set>
-                                      <p:cBhvr>
-                                        <p:cTn id="22" dur="1" fill="hold">
-                                          <p:stCondLst>
-                                            <p:cond delay="0"/>
-                                          </p:stCondLst>
-                                        </p:cTn>
-                                        <p:tgtEl>
-                                          <p:spTgt spid="21"/>
-                                        </p:tgtEl>
-                                        <p:attrNameLst>
-                                          <p:attrName>style.visibility</p:attrName>
-                                        </p:attrNameLst>
-                                      </p:cBhvr>
-                                      <p:to>
-                                        <p:strVal val="visible"/>
-                                      </p:to>
-                                    </p:set>
-                                  </p:childTnLst>
-                                </p:cTn>
-                              </p:par>
-                            </p:childTnLst>
-                          </p:cTn>
-                        </p:par>
-                      </p:childTnLst>
-                    </p:cTn>
-                  </p:par>
-                  <p:par>
-                    <p:cTn id="23" fill="hold">
-                      <p:stCondLst>
-                        <p:cond delay="indefinite"/>
-                      </p:stCondLst>
-                      <p:childTnLst>
-                        <p:par>
-                          <p:cTn id="24" fill="hold">
-                            <p:stCondLst>
-                              <p:cond delay="0"/>
-                            </p:stCondLst>
-                            <p:childTnLst>
-                              <p:par>
-                                <p:cTn id="25" presetID="1" presetClass="entr" presetSubtype="0" fill="hold" grpId="0" nodeType="clickEffect">
-                                  <p:stCondLst>
-                                    <p:cond delay="0"/>
-                                  </p:stCondLst>
-                                  <p:childTnLst>
-                                    <p:set>
-                                      <p:cBhvr>
-                                        <p:cTn id="26" dur="1" fill="hold">
-                                          <p:stCondLst>
-                                            <p:cond delay="0"/>
-                                          </p:stCondLst>
-                                        </p:cTn>
-                                        <p:tgtEl>
-                                          <p:spTgt spid="22"/>
-                                        </p:tgtEl>
-                                        <p:attrNameLst>
-                                          <p:attrName>style.visibility</p:attrName>
-                                        </p:attrNameLst>
-                                      </p:cBhvr>
-                                      <p:to>
-                                        <p:strVal val="visible"/>
-                                      </p:to>
-                                    </p:set>
-                                  </p:childTnLst>
-                                </p:cTn>
-                              </p:par>
-                            </p:childTnLst>
-                          </p:cTn>
-                        </p:par>
-                      </p:childTnLst>
-                    </p:cTn>
-                  </p:par>
-                </p:childTnLst>
-              </p:cTn>
-              <p:prevCondLst>
-                <p:cond evt="onPrev" delay="0">
-                  <p:tgtEl>
-                    <p:sldTgt/>
-                  </p:tgtEl>
-                </p:cond>
-              </p:prevCondLst>
-              <p:nextCondLst>
-                <p:cond evt="onNext" delay="0">
-                  <p:tgtEl>
-                    <p:sldTgt/>
-                  </p:tgtEl>
-                </p:cond>
-              </p:nextCondLst>
-            </p:seq>
-          </p:childTnLst>
-        </p:cTn>
+        <p:cTn xmlns:p14="http://schemas.microsoft.com/office/powerpoint/2010/main" id="1" dur="indefinite" restart="never" nodeType="tmRoot"/>
       </p:par>
     </p:tnLst>
-    <p:bldLst>
-      <p:bldP spid="17" grpId="0" animBg="1"/>
-      <p:bldP spid="18" grpId="0" animBg="1"/>
-      <p:bldP spid="19" grpId="0" animBg="1"/>
-      <p:bldP spid="20" grpId="0" animBg="1"/>
-      <p:bldP spid="21" grpId="0" animBg="1"/>
-      <p:bldP spid="22" grpId="0" animBg="1"/>
-    </p:bldLst>
   </p:timing>
 </p:sld>
 </file>
 
-<file path=ppt/slides/slide6.xml><?xml version="1.0" encoding="utf-8"?>
-<p:sld xmlns:a="http://schemas.openxmlformats.org/drawingml/2006/main" xmlns:r="http://schemas.openxmlformats.org/officeDocument/2006/relationships" xmlns:mc="http://schemas.openxmlformats.org/markup-compatibility/2006" xmlns:mv="urn:schemas-microsoft-com:mac:vml" xmlns:p="http://schemas.openxmlformats.org/presentationml/2006/main" mc:Ignorable="mv" mc:PreserveAttributes="mv:*">
+<file path=ppt/slides/slide12.xml><?xml version="1.0" encoding="utf-8"?>
+<p:sld xmlns:a="http://schemas.openxmlformats.org/drawingml/2006/main" xmlns:r="http://schemas.openxmlformats.org/officeDocument/2006/relationships" xmlns:p="http://schemas.openxmlformats.org/presentationml/2006/main">
   <p:cSld>
     <p:spTree>
       <p:nvGrpSpPr>
@@ -6789,14 +6319,61 @@
           <a:p>
             <a:r>
               <a:rPr lang="en-US" dirty="0" smtClean="0"/>
-              <a:t>Discovery</a:t>
+              <a:t>Logistic Regression</a:t>
             </a:r>
           </a:p>
           <a:p>
             <a:pPr lvl="1"/>
             <a:r>
               <a:rPr lang="en-US" dirty="0" smtClean="0"/>
-              <a:t>Invitation only</a:t>
+              <a:t>Regularization Constant (C)</a:t>
+            </a:r>
+          </a:p>
+          <a:p>
+            <a:pPr lvl="2"/>
+            <a:r>
+              <a:rPr lang="en-US" dirty="0" smtClean="0"/>
+              <a:t>0.001 -&gt; 1000</a:t>
+            </a:r>
+          </a:p>
+          <a:p>
+            <a:pPr lvl="3"/>
+            <a:r>
+              <a:rPr lang="en-US" dirty="0" smtClean="0"/>
+              <a:t>Best=1</a:t>
+            </a:r>
+            <a:endParaRPr lang="en-US" dirty="0"/>
+          </a:p>
+          <a:p>
+            <a:pPr lvl="1"/>
+            <a:r>
+              <a:rPr lang="en-US" dirty="0" smtClean="0"/>
+              <a:t>Penalty Function</a:t>
+            </a:r>
+          </a:p>
+          <a:p>
+            <a:pPr lvl="2"/>
+            <a:r>
+              <a:rPr lang="en-US" dirty="0" smtClean="0"/>
+              <a:t>L1 or L2 Norm?</a:t>
+            </a:r>
+          </a:p>
+          <a:p>
+            <a:pPr lvl="3"/>
+            <a:r>
+              <a:rPr lang="en-US" dirty="0" smtClean="0"/>
+              <a:t>Best = L2</a:t>
+            </a:r>
+          </a:p>
+          <a:p>
+            <a:pPr lvl="1"/>
+            <a:r>
+              <a:rPr lang="en-US" dirty="0" err="1" smtClean="0"/>
+              <a:t>Scikit</a:t>
+            </a:r>
+            <a:r>
+              <a:rPr lang="en-US" dirty="0" smtClean="0"/>
+              <a:t>-learn defaults!</a:t>
             </a:r>
           </a:p>
           <a:p>
@@ -6804,37 +6381,147 @@
             <a:endParaRPr lang="en-US" dirty="0" smtClean="0"/>
           </a:p>
           <a:p>
-            <a:r>
-              <a:rPr lang="en-US" dirty="0" smtClean="0"/>
-              <a:t>Synchronization</a:t>
-            </a:r>
-          </a:p>
-          <a:p>
             <a:pPr lvl="1"/>
             <a:r>
               <a:rPr lang="en-US" dirty="0" smtClean="0"/>
-              <a:t>Initial Batch Request</a:t>
+              <a:t>Best </a:t>
+            </a:r>
+            <a:r>
+              <a:rPr lang="en-US" dirty="0"/>
+              <a:t>Average Accuracy: </a:t>
+            </a:r>
+            <a:r>
+              <a:rPr lang="en-US" dirty="0" smtClean="0">
+                <a:solidFill>
+                  <a:srgbClr val="FF0000"/>
+                </a:solidFill>
+              </a:rPr>
+              <a:t>66.29%</a:t>
+            </a:r>
+          </a:p>
+        </p:txBody>
+      </p:sp>
+      <p:sp>
+        <p:nvSpPr>
+          <p:cNvPr id="3" name="Title 2"/>
+          <p:cNvSpPr>
+            <a:spLocks noGrp="1"/>
+          </p:cNvSpPr>
+          <p:nvPr>
+            <p:ph type="title"/>
+          </p:nvPr>
+        </p:nvSpPr>
+        <p:spPr/>
+        <p:txBody>
+          <a:bodyPr/>
+          <a:lstStyle/>
+          <a:p>
+            <a:r>
+              <a:rPr lang="en-US" dirty="0" smtClean="0"/>
+              <a:t>Tuning Models</a:t>
+            </a:r>
+            <a:endParaRPr lang="en-US" dirty="0"/>
+          </a:p>
+        </p:txBody>
+      </p:sp>
+    </p:spTree>
+    <p:extLst>
+      <p:ext uri="{BB962C8B-B14F-4D97-AF65-F5344CB8AC3E}">
+        <p14:creationId xmlns:p14="http://schemas.microsoft.com/office/powerpoint/2010/main" val="3803653499"/>
+      </p:ext>
+    </p:extLst>
+  </p:cSld>
+  <p:clrMapOvr>
+    <a:masterClrMapping/>
+  </p:clrMapOvr>
+  <p:timing>
+    <p:tnLst>
+      <p:par>
+        <p:cTn xmlns:p14="http://schemas.microsoft.com/office/powerpoint/2010/main" id="1" dur="indefinite" restart="never" nodeType="tmRoot"/>
+      </p:par>
+    </p:tnLst>
+  </p:timing>
+</p:sld>
+</file>
+
+<file path=ppt/slides/slide13.xml><?xml version="1.0" encoding="utf-8"?>
+<p:sld xmlns:a="http://schemas.openxmlformats.org/drawingml/2006/main" xmlns:r="http://schemas.openxmlformats.org/officeDocument/2006/relationships" xmlns:p="http://schemas.openxmlformats.org/presentationml/2006/main">
+  <p:cSld>
+    <p:spTree>
+      <p:nvGrpSpPr>
+        <p:cNvPr id="1" name=""/>
+        <p:cNvGrpSpPr/>
+        <p:nvPr/>
+      </p:nvGrpSpPr>
+      <p:grpSpPr>
+        <a:xfrm>
+          <a:off x="0" y="0"/>
+          <a:ext cx="0" cy="0"/>
+          <a:chOff x="0" y="0"/>
+          <a:chExt cx="0" cy="0"/>
+        </a:xfrm>
+      </p:grpSpPr>
+      <p:sp>
+        <p:nvSpPr>
+          <p:cNvPr id="2" name="Content Placeholder 1"/>
+          <p:cNvSpPr>
+            <a:spLocks noGrp="1"/>
+          </p:cNvSpPr>
+          <p:nvPr>
+            <p:ph idx="1"/>
+          </p:nvPr>
+        </p:nvSpPr>
+        <p:spPr/>
+        <p:txBody>
+          <a:bodyPr/>
+          <a:lstStyle/>
+          <a:p>
+            <a:r>
+              <a:rPr lang="en-US" dirty="0" smtClean="0"/>
+              <a:t>Random Forest</a:t>
+            </a:r>
+          </a:p>
+          <a:p>
+            <a:pPr lvl="1"/>
+            <a:r>
+              <a:rPr lang="en-US" dirty="0" smtClean="0"/>
+              <a:t># of Estimators </a:t>
             </a:r>
           </a:p>
           <a:p>
             <a:pPr lvl="2"/>
             <a:r>
               <a:rPr lang="en-US" dirty="0" smtClean="0"/>
-              <a:t>Read-Once-Write-All </a:t>
-            </a:r>
+              <a:t>10 -&gt; 100</a:t>
+            </a:r>
+          </a:p>
+          <a:p>
+            <a:pPr lvl="3"/>
+            <a:r>
+              <a:rPr lang="en-US" dirty="0" smtClean="0"/>
+              <a:t>Best: 50</a:t>
+            </a:r>
+            <a:endParaRPr lang="en-US" dirty="0"/>
           </a:p>
           <a:p>
             <a:pPr lvl="1"/>
             <a:r>
               <a:rPr lang="en-US" dirty="0" smtClean="0"/>
-              <a:t>Non-blocking REQUESTS to push changes</a:t>
-            </a:r>
-          </a:p>
-          <a:p>
-            <a:pPr lvl="1"/>
-            <a:r>
-              <a:rPr lang="en-US" dirty="0" smtClean="0"/>
-              <a:t>Revision Numbers to protect global state</a:t>
+              <a:t>Max Features</a:t>
+            </a:r>
+          </a:p>
+          <a:p>
+            <a:pPr lvl="2"/>
+            <a:r>
+              <a:rPr lang="en-US" dirty="0" smtClean="0"/>
+              <a:t>Square root, base-2 log, or all of them?</a:t>
+            </a:r>
+          </a:p>
+          <a:p>
+            <a:pPr lvl="3"/>
+            <a:r>
+              <a:rPr lang="en-US" dirty="0" smtClean="0"/>
+              <a:t>Best: base-2 log</a:t>
             </a:r>
           </a:p>
           <a:p>
@@ -6842,10 +6529,184 @@
             <a:endParaRPr lang="en-US" dirty="0" smtClean="0"/>
           </a:p>
           <a:p>
+            <a:pPr lvl="1"/>
+            <a:r>
+              <a:rPr lang="en-US" dirty="0" smtClean="0"/>
+              <a:t>Best </a:t>
+            </a:r>
+            <a:r>
+              <a:rPr lang="en-US" dirty="0"/>
+              <a:t>Average Accuracy: </a:t>
+            </a:r>
+            <a:r>
+              <a:rPr lang="en-US" dirty="0" smtClean="0">
+                <a:solidFill>
+                  <a:srgbClr val="008000"/>
+                </a:solidFill>
+              </a:rPr>
+              <a:t>82.12</a:t>
+            </a:r>
+            <a:r>
+              <a:rPr lang="en-US" dirty="0">
+                <a:solidFill>
+                  <a:srgbClr val="008000"/>
+                </a:solidFill>
+              </a:rPr>
+              <a:t>%</a:t>
+            </a:r>
+            <a:endParaRPr lang="en-US" dirty="0" smtClean="0">
+              <a:solidFill>
+                <a:srgbClr val="008000"/>
+              </a:solidFill>
+            </a:endParaRPr>
+          </a:p>
+        </p:txBody>
+      </p:sp>
+      <p:sp>
+        <p:nvSpPr>
+          <p:cNvPr id="3" name="Title 2"/>
+          <p:cNvSpPr>
+            <a:spLocks noGrp="1"/>
+          </p:cNvSpPr>
+          <p:nvPr>
+            <p:ph type="title"/>
+          </p:nvPr>
+        </p:nvSpPr>
+        <p:spPr/>
+        <p:txBody>
+          <a:bodyPr/>
+          <a:lstStyle/>
+          <a:p>
+            <a:r>
+              <a:rPr lang="en-US" dirty="0" smtClean="0"/>
+              <a:t>Tuning Models</a:t>
+            </a:r>
+            <a:endParaRPr lang="en-US" dirty="0"/>
+          </a:p>
+        </p:txBody>
+      </p:sp>
+    </p:spTree>
+    <p:extLst>
+      <p:ext uri="{BB962C8B-B14F-4D97-AF65-F5344CB8AC3E}">
+        <p14:creationId xmlns:p14="http://schemas.microsoft.com/office/powerpoint/2010/main" val="1010703221"/>
+      </p:ext>
+    </p:extLst>
+  </p:cSld>
+  <p:clrMapOvr>
+    <a:masterClrMapping/>
+  </p:clrMapOvr>
+  <p:timing>
+    <p:tnLst>
+      <p:par>
+        <p:cTn xmlns:p14="http://schemas.microsoft.com/office/powerpoint/2010/main" id="1" dur="indefinite" restart="never" nodeType="tmRoot"/>
+      </p:par>
+    </p:tnLst>
+  </p:timing>
+</p:sld>
+</file>
+
+<file path=ppt/slides/slide14.xml><?xml version="1.0" encoding="utf-8"?>
+<p:sld xmlns:a="http://schemas.openxmlformats.org/drawingml/2006/main" xmlns:r="http://schemas.openxmlformats.org/officeDocument/2006/relationships" xmlns:p="http://schemas.openxmlformats.org/presentationml/2006/main">
+  <p:cSld>
+    <p:spTree>
+      <p:nvGrpSpPr>
+        <p:cNvPr id="1" name=""/>
+        <p:cNvGrpSpPr/>
+        <p:nvPr/>
+      </p:nvGrpSpPr>
+      <p:grpSpPr>
+        <a:xfrm>
+          <a:off x="0" y="0"/>
+          <a:ext cx="0" cy="0"/>
+          <a:chOff x="0" y="0"/>
+          <a:chExt cx="0" cy="0"/>
+        </a:xfrm>
+      </p:grpSpPr>
+      <p:sp>
+        <p:nvSpPr>
+          <p:cNvPr id="2" name="Content Placeholder 1"/>
+          <p:cNvSpPr>
+            <a:spLocks noGrp="1"/>
+          </p:cNvSpPr>
+          <p:nvPr>
+            <p:ph idx="1"/>
+          </p:nvPr>
+        </p:nvSpPr>
+        <p:spPr/>
+        <p:txBody>
+          <a:bodyPr/>
+          <a:lstStyle/>
+          <a:p>
+            <a:r>
+              <a:rPr lang="en-US" dirty="0" smtClean="0"/>
+              <a:t>Gradient Boosting</a:t>
+            </a:r>
+          </a:p>
+          <a:p>
+            <a:pPr lvl="1"/>
+            <a:r>
+              <a:rPr lang="en-US" dirty="0" smtClean="0"/>
+              <a:t># of Estimators </a:t>
+            </a:r>
+          </a:p>
+          <a:p>
+            <a:pPr lvl="2"/>
+            <a:r>
+              <a:rPr lang="en-US" dirty="0" smtClean="0"/>
+              <a:t>100 -&gt; 1000</a:t>
+            </a:r>
+          </a:p>
+          <a:p>
+            <a:pPr lvl="3"/>
+            <a:r>
+              <a:rPr lang="en-US" dirty="0" smtClean="0"/>
+              <a:t>Best: 300</a:t>
+            </a:r>
+            <a:endParaRPr lang="en-US" dirty="0"/>
+          </a:p>
+          <a:p>
+            <a:pPr lvl="1"/>
+            <a:r>
+              <a:rPr lang="en-US" dirty="0" smtClean="0"/>
+              <a:t>Max Depth</a:t>
+            </a:r>
+          </a:p>
+          <a:p>
+            <a:pPr lvl="2"/>
+            <a:r>
+              <a:rPr lang="en-US" dirty="0" smtClean="0"/>
+              <a:t>1 -&gt; 5</a:t>
+            </a:r>
+          </a:p>
+          <a:p>
+            <a:pPr lvl="3"/>
+            <a:r>
+              <a:rPr lang="en-US" dirty="0" smtClean="0"/>
+              <a:t>Best: 2</a:t>
+            </a:r>
+          </a:p>
+          <a:p>
+            <a:pPr lvl="1"/>
             <a:endParaRPr lang="en-US" dirty="0" smtClean="0"/>
           </a:p>
           <a:p>
-            <a:endParaRPr lang="en-US" dirty="0" smtClean="0"/>
+            <a:pPr lvl="1"/>
+            <a:r>
+              <a:rPr lang="en-US" dirty="0" smtClean="0"/>
+              <a:t>Best </a:t>
+            </a:r>
+            <a:r>
+              <a:rPr lang="en-US" dirty="0"/>
+              <a:t>Average Accuracy: </a:t>
+            </a:r>
+            <a:r>
+              <a:rPr lang="en-US" dirty="0" smtClean="0">
+                <a:solidFill>
+                  <a:srgbClr val="008000"/>
+                </a:solidFill>
+              </a:rPr>
+              <a:t>82.15%</a:t>
+            </a:r>
           </a:p>
         </p:txBody>
       </p:sp>
@@ -6866,9 +6727,137 @@
           <a:p>
             <a:r>
               <a:rPr lang="en-US" dirty="0" smtClean="0"/>
-              <a:t>Design: Issues Addressed</a:t>
+              <a:t>Tuning Models</a:t>
             </a:r>
             <a:endParaRPr lang="en-US" dirty="0"/>
+          </a:p>
+        </p:txBody>
+      </p:sp>
+    </p:spTree>
+    <p:extLst>
+      <p:ext uri="{BB962C8B-B14F-4D97-AF65-F5344CB8AC3E}">
+        <p14:creationId xmlns:p14="http://schemas.microsoft.com/office/powerpoint/2010/main" val="2934270415"/>
+      </p:ext>
+    </p:extLst>
+  </p:cSld>
+  <p:clrMapOvr>
+    <a:masterClrMapping/>
+  </p:clrMapOvr>
+  <p:timing>
+    <p:tnLst>
+      <p:par>
+        <p:cTn xmlns:p14="http://schemas.microsoft.com/office/powerpoint/2010/main" id="1" dur="indefinite" restart="never" nodeType="tmRoot"/>
+      </p:par>
+    </p:tnLst>
+  </p:timing>
+</p:sld>
+</file>
+
+<file path=ppt/slides/slide15.xml><?xml version="1.0" encoding="utf-8"?>
+<p:sld xmlns:a="http://schemas.openxmlformats.org/drawingml/2006/main" xmlns:r="http://schemas.openxmlformats.org/officeDocument/2006/relationships" xmlns:p="http://schemas.openxmlformats.org/presentationml/2006/main">
+  <p:cSld>
+    <p:spTree>
+      <p:nvGrpSpPr>
+        <p:cNvPr id="1" name=""/>
+        <p:cNvGrpSpPr/>
+        <p:nvPr/>
+      </p:nvGrpSpPr>
+      <p:grpSpPr>
+        <a:xfrm>
+          <a:off x="0" y="0"/>
+          <a:ext cx="0" cy="0"/>
+          <a:chOff x="0" y="0"/>
+          <a:chExt cx="0" cy="0"/>
+        </a:xfrm>
+      </p:grpSpPr>
+      <p:sp>
+        <p:nvSpPr>
+          <p:cNvPr id="3" name="Title 2"/>
+          <p:cNvSpPr>
+            <a:spLocks noGrp="1"/>
+          </p:cNvSpPr>
+          <p:nvPr>
+            <p:ph type="title"/>
+          </p:nvPr>
+        </p:nvSpPr>
+        <p:spPr/>
+        <p:txBody>
+          <a:bodyPr/>
+          <a:lstStyle/>
+          <a:p>
+            <a:r>
+              <a:rPr lang="en-US" dirty="0" smtClean="0"/>
+              <a:t>Evaluation: Accuracy</a:t>
+            </a:r>
+            <a:endParaRPr lang="en-US" dirty="0"/>
+          </a:p>
+        </p:txBody>
+      </p:sp>
+      <p:pic>
+        <p:nvPicPr>
+          <p:cNvPr id="8" name="Picture 7" descr="acc.eps"/>
+          <p:cNvPicPr>
+            <a:picLocks noChangeAspect="1"/>
+          </p:cNvPicPr>
+          <p:nvPr/>
+        </p:nvPicPr>
+        <p:blipFill>
+          <a:blip r:embed="rId2">
+            <a:extLst>
+              <a:ext uri="{28A0092B-C50C-407E-A947-70E740481C1C}">
+                <a14:useLocalDpi xmlns:a14="http://schemas.microsoft.com/office/drawing/2010/main" val="0"/>
+              </a:ext>
+            </a:extLst>
+          </a:blip>
+          <a:stretch>
+            <a:fillRect/>
+          </a:stretch>
+        </p:blipFill>
+        <p:spPr>
+          <a:xfrm>
+            <a:off x="1533690" y="2081061"/>
+            <a:ext cx="5432069" cy="2291936"/>
+          </a:xfrm>
+          <a:prstGeom prst="rect">
+            <a:avLst/>
+          </a:prstGeom>
+        </p:spPr>
+      </p:pic>
+      <p:sp>
+        <p:nvSpPr>
+          <p:cNvPr id="9" name="TextBox 8"/>
+          <p:cNvSpPr txBox="1"/>
+          <p:nvPr/>
+        </p:nvSpPr>
+        <p:spPr>
+          <a:xfrm>
+            <a:off x="1726323" y="4412115"/>
+            <a:ext cx="5004056" cy="323165"/>
+          </a:xfrm>
+          <a:prstGeom prst="rect">
+            <a:avLst/>
+          </a:prstGeom>
+          <a:noFill/>
+        </p:spPr>
+        <p:txBody>
+          <a:bodyPr wrap="square" rtlCol="0">
+            <a:spAutoFit/>
+          </a:bodyPr>
+          <a:lstStyle/>
+          <a:p>
+            <a:r>
+              <a:rPr lang="en-US" sz="1500" b="1" dirty="0">
+                <a:solidFill>
+                  <a:schemeClr val="accent3"/>
+                </a:solidFill>
+              </a:rPr>
+              <a:t>Accuracy of Each Classifier on Training &amp; Test Data </a:t>
+            </a:r>
+            <a:endParaRPr lang="en-US" sz="1500" b="1" dirty="0">
+              <a:solidFill>
+                <a:schemeClr val="accent3"/>
+              </a:solidFill>
+            </a:endParaRPr>
           </a:p>
         </p:txBody>
       </p:sp>
@@ -6880,15 +6869,15 @@
   <p:timing>
     <p:tnLst>
       <p:par>
-        <p:cTn id="1" dur="indefinite" restart="never" nodeType="tmRoot"/>
+        <p:cTn xmlns:p14="http://schemas.microsoft.com/office/powerpoint/2010/main" id="1" dur="indefinite" restart="never" nodeType="tmRoot"/>
       </p:par>
     </p:tnLst>
   </p:timing>
 </p:sld>
 </file>
 
-<file path=ppt/slides/slide7.xml><?xml version="1.0" encoding="utf-8"?>
-<p:sld xmlns:a="http://schemas.openxmlformats.org/drawingml/2006/main" xmlns:r="http://schemas.openxmlformats.org/officeDocument/2006/relationships" xmlns:mc="http://schemas.openxmlformats.org/markup-compatibility/2006" xmlns:mv="urn:schemas-microsoft-com:mac:vml" xmlns:p="http://schemas.openxmlformats.org/presentationml/2006/main" mc:Ignorable="mv" mc:PreserveAttributes="mv:*">
+<file path=ppt/slides/slide16.xml><?xml version="1.0" encoding="utf-8"?>
+<p:sld xmlns:a="http://schemas.openxmlformats.org/drawingml/2006/main" xmlns:r="http://schemas.openxmlformats.org/officeDocument/2006/relationships" xmlns:p="http://schemas.openxmlformats.org/presentationml/2006/main">
   <p:cSld>
     <p:spTree>
       <p:nvGrpSpPr>
@@ -6906,26 +6895,32 @@
       </p:grpSpPr>
       <p:pic>
         <p:nvPicPr>
-          <p:cNvPr id="4" name="Content Placeholder 3" descr="plot.jpg"/>
+          <p:cNvPr id="4" name="Picture 3" descr="gb_conf.eps"/>
           <p:cNvPicPr>
-            <a:picLocks noGrp="1" noChangeAspect="1"/>
+            <a:picLocks noChangeAspect="1"/>
           </p:cNvPicPr>
-          <p:nvPr>
-            <p:ph idx="1"/>
-          </p:nvPr>
+          <p:nvPr/>
         </p:nvPicPr>
         <p:blipFill>
-          <a:blip r:embed="rId2"/>
-          <a:srcRect l="-13641" r="-13641"/>
+          <a:blip r:embed="rId2">
+            <a:extLst>
+              <a:ext uri="{28A0092B-C50C-407E-A947-70E740481C1C}">
+                <a14:useLocalDpi xmlns:a14="http://schemas.microsoft.com/office/drawing/2010/main" val="0"/>
+              </a:ext>
+            </a:extLst>
+          </a:blip>
           <a:stretch>
             <a:fillRect/>
           </a:stretch>
         </p:blipFill>
         <p:spPr>
           <a:xfrm>
-            <a:off x="-270449" y="1081150"/>
-            <a:ext cx="8957249" cy="4926142"/>
+            <a:off x="1982176" y="3714155"/>
+            <a:ext cx="4597400" cy="2413000"/>
           </a:xfrm>
+          <a:prstGeom prst="rect">
+            <a:avLst/>
+          </a:prstGeom>
         </p:spPr>
       </p:pic>
       <p:sp>
@@ -6945,13 +6940,200 @@
           <a:p>
             <a:r>
               <a:rPr lang="en-US" dirty="0" smtClean="0"/>
-              <a:t>Preliminary Evaluation</a:t>
+              <a:t>Evaluation: Confusion Matrices</a:t>
             </a:r>
             <a:endParaRPr lang="en-US" dirty="0"/>
           </a:p>
         </p:txBody>
       </p:sp>
+      <p:pic>
+        <p:nvPicPr>
+          <p:cNvPr id="2" name="Picture 1" descr="lr_conf.eps"/>
+          <p:cNvPicPr>
+            <a:picLocks noChangeAspect="1"/>
+          </p:cNvPicPr>
+          <p:nvPr/>
+        </p:nvPicPr>
+        <p:blipFill>
+          <a:blip r:embed="rId3">
+            <a:extLst>
+              <a:ext uri="{28A0092B-C50C-407E-A947-70E740481C1C}">
+                <a14:useLocalDpi xmlns:a14="http://schemas.microsoft.com/office/drawing/2010/main" val="0"/>
+              </a:ext>
+            </a:extLst>
+          </a:blip>
+          <a:stretch>
+            <a:fillRect/>
+          </a:stretch>
+        </p:blipFill>
+        <p:spPr>
+          <a:xfrm>
+            <a:off x="0" y="1417638"/>
+            <a:ext cx="3915645" cy="2387600"/>
+          </a:xfrm>
+          <a:prstGeom prst="rect">
+            <a:avLst/>
+          </a:prstGeom>
+        </p:spPr>
+      </p:pic>
+      <p:pic>
+        <p:nvPicPr>
+          <p:cNvPr id="5" name="Picture 4" descr="rf_conf.eps"/>
+          <p:cNvPicPr>
+            <a:picLocks noChangeAspect="1"/>
+          </p:cNvPicPr>
+          <p:nvPr/>
+        </p:nvPicPr>
+        <p:blipFill>
+          <a:blip r:embed="rId4">
+            <a:extLst>
+              <a:ext uri="{28A0092B-C50C-407E-A947-70E740481C1C}">
+                <a14:useLocalDpi xmlns:a14="http://schemas.microsoft.com/office/drawing/2010/main" val="0"/>
+              </a:ext>
+            </a:extLst>
+          </a:blip>
+          <a:stretch>
+            <a:fillRect/>
+          </a:stretch>
+        </p:blipFill>
+        <p:spPr>
+          <a:xfrm>
+            <a:off x="4381500" y="1417638"/>
+            <a:ext cx="4305300" cy="2184400"/>
+          </a:xfrm>
+          <a:prstGeom prst="rect">
+            <a:avLst/>
+          </a:prstGeom>
+        </p:spPr>
+      </p:pic>
+      <p:sp>
+        <p:nvSpPr>
+          <p:cNvPr id="10" name="TextBox 9"/>
+          <p:cNvSpPr txBox="1"/>
+          <p:nvPr/>
+        </p:nvSpPr>
+        <p:spPr>
+          <a:xfrm>
+            <a:off x="1422126" y="3404864"/>
+            <a:ext cx="1924052" cy="307777"/>
+          </a:xfrm>
+          <a:prstGeom prst="rect">
+            <a:avLst/>
+          </a:prstGeom>
+          <a:noFill/>
+        </p:spPr>
+        <p:txBody>
+          <a:bodyPr wrap="square" rtlCol="0">
+            <a:spAutoFit/>
+          </a:bodyPr>
+          <a:lstStyle/>
+          <a:p>
+            <a:r>
+              <a:rPr lang="en-US" sz="1400" dirty="0" smtClean="0">
+                <a:solidFill>
+                  <a:srgbClr val="EB641B"/>
+                </a:solidFill>
+              </a:rPr>
+              <a:t>Logistic </a:t>
+            </a:r>
+            <a:r>
+              <a:rPr lang="en-US" sz="1400" dirty="0">
+                <a:solidFill>
+                  <a:srgbClr val="EB641B"/>
+                </a:solidFill>
+              </a:rPr>
+              <a:t>Regression </a:t>
+            </a:r>
+            <a:endParaRPr lang="en-US" sz="1400" b="1" dirty="0">
+              <a:solidFill>
+                <a:srgbClr val="EB641B"/>
+              </a:solidFill>
+            </a:endParaRPr>
+          </a:p>
+        </p:txBody>
+      </p:sp>
+      <p:sp>
+        <p:nvSpPr>
+          <p:cNvPr id="11" name="TextBox 10"/>
+          <p:cNvSpPr txBox="1"/>
+          <p:nvPr/>
+        </p:nvSpPr>
+        <p:spPr>
+          <a:xfrm>
+            <a:off x="6122884" y="3405621"/>
+            <a:ext cx="1749533" cy="307777"/>
+          </a:xfrm>
+          <a:prstGeom prst="rect">
+            <a:avLst/>
+          </a:prstGeom>
+          <a:noFill/>
+        </p:spPr>
+        <p:txBody>
+          <a:bodyPr wrap="square" rtlCol="0">
+            <a:spAutoFit/>
+          </a:bodyPr>
+          <a:lstStyle/>
+          <a:p>
+            <a:r>
+              <a:rPr lang="en-US" sz="1400" dirty="0" smtClean="0">
+                <a:solidFill>
+                  <a:srgbClr val="EB641B"/>
+                </a:solidFill>
+              </a:rPr>
+              <a:t>Random Forest</a:t>
+            </a:r>
+            <a:endParaRPr lang="en-US" sz="1400" b="1" dirty="0">
+              <a:solidFill>
+                <a:srgbClr val="EB641B"/>
+              </a:solidFill>
+            </a:endParaRPr>
+          </a:p>
+        </p:txBody>
+      </p:sp>
+      <p:sp>
+        <p:nvSpPr>
+          <p:cNvPr id="12" name="TextBox 11"/>
+          <p:cNvSpPr txBox="1"/>
+          <p:nvPr/>
+        </p:nvSpPr>
+        <p:spPr>
+          <a:xfrm>
+            <a:off x="3583431" y="5819378"/>
+            <a:ext cx="1885576" cy="307777"/>
+          </a:xfrm>
+          <a:prstGeom prst="rect">
+            <a:avLst/>
+          </a:prstGeom>
+          <a:noFill/>
+        </p:spPr>
+        <p:txBody>
+          <a:bodyPr wrap="square" rtlCol="0">
+            <a:spAutoFit/>
+          </a:bodyPr>
+          <a:lstStyle/>
+          <a:p>
+            <a:r>
+              <a:rPr lang="en-US" sz="1400" dirty="0" smtClean="0">
+                <a:solidFill>
+                  <a:srgbClr val="EB641B"/>
+                </a:solidFill>
+              </a:rPr>
+              <a:t>Gradient Boosting</a:t>
+            </a:r>
+            <a:endParaRPr lang="en-US" sz="1400" b="1" dirty="0">
+              <a:solidFill>
+                <a:srgbClr val="EB641B"/>
+              </a:solidFill>
+            </a:endParaRPr>
+          </a:p>
+        </p:txBody>
+      </p:sp>
     </p:spTree>
+    <p:extLst>
+      <p:ext uri="{BB962C8B-B14F-4D97-AF65-F5344CB8AC3E}">
+        <p14:creationId xmlns:p14="http://schemas.microsoft.com/office/powerpoint/2010/main" val="2703040803"/>
+      </p:ext>
+    </p:extLst>
   </p:cSld>
   <p:clrMapOvr>
     <a:masterClrMapping/>
@@ -6959,15 +7141,15 @@
   <p:timing>
     <p:tnLst>
       <p:par>
-        <p:cTn id="1" dur="indefinite" restart="never" nodeType="tmRoot"/>
+        <p:cTn xmlns:p14="http://schemas.microsoft.com/office/powerpoint/2010/main" id="1" dur="indefinite" restart="never" nodeType="tmRoot"/>
       </p:par>
     </p:tnLst>
   </p:timing>
 </p:sld>
 </file>
 
-<file path=ppt/slides/slide8.xml><?xml version="1.0" encoding="utf-8"?>
-<p:sld xmlns:a="http://schemas.openxmlformats.org/drawingml/2006/main" xmlns:r="http://schemas.openxmlformats.org/officeDocument/2006/relationships" xmlns:mc="http://schemas.openxmlformats.org/markup-compatibility/2006" xmlns:mv="urn:schemas-microsoft-com:mac:vml" xmlns:p="http://schemas.openxmlformats.org/presentationml/2006/main" mc:Ignorable="mv" mc:PreserveAttributes="mv:*">
+<file path=ppt/slides/slide17.xml><?xml version="1.0" encoding="utf-8"?>
+<p:sld xmlns:a="http://schemas.openxmlformats.org/drawingml/2006/main" xmlns:r="http://schemas.openxmlformats.org/officeDocument/2006/relationships" xmlns:p="http://schemas.openxmlformats.org/presentationml/2006/main">
   <p:cSld>
     <p:spTree>
       <p:nvGrpSpPr>
@@ -6983,14 +7165,44 @@
           <a:chExt cx="0" cy="0"/>
         </a:xfrm>
       </p:grpSpPr>
-      <p:sp>
-        <p:nvSpPr>
-          <p:cNvPr id="2" name="Content Placeholder 1"/>
-          <p:cNvSpPr>
-            <a:spLocks noGrp="1"/>
-          </p:cNvSpPr>
-          <p:nvPr>
-            <p:ph idx="1"/>
+      <p:pic>
+        <p:nvPicPr>
+          <p:cNvPr id="4" name="Picture 3" descr="lc_stats.eps"/>
+          <p:cNvPicPr>
+            <a:picLocks noChangeAspect="1"/>
+          </p:cNvPicPr>
+          <p:nvPr/>
+        </p:nvPicPr>
+        <p:blipFill>
+          <a:blip r:embed="rId2">
+            <a:extLst>
+              <a:ext uri="{28A0092B-C50C-407E-A947-70E740481C1C}">
+                <a14:useLocalDpi xmlns:a14="http://schemas.microsoft.com/office/drawing/2010/main" val="0"/>
+              </a:ext>
+            </a:extLst>
+          </a:blip>
+          <a:stretch>
+            <a:fillRect/>
+          </a:stretch>
+        </p:blipFill>
+        <p:spPr>
+          <a:xfrm>
+            <a:off x="2441189" y="2978973"/>
+            <a:ext cx="6477000" cy="3251200"/>
+          </a:xfrm>
+          <a:prstGeom prst="rect">
+            <a:avLst/>
+          </a:prstGeom>
+        </p:spPr>
+      </p:pic>
+      <p:sp>
+        <p:nvSpPr>
+          <p:cNvPr id="3" name="Title 2"/>
+          <p:cNvSpPr>
+            <a:spLocks noGrp="1"/>
+          </p:cNvSpPr>
+          <p:nvPr>
+            <p:ph type="title"/>
           </p:nvPr>
         </p:nvSpPr>
         <p:spPr/>
@@ -7000,80 +7212,123 @@
           <a:p>
             <a:r>
               <a:rPr lang="en-US" dirty="0" smtClean="0"/>
-              <a:t>Current focus: evaluation</a:t>
-            </a:r>
-          </a:p>
-          <a:p>
-            <a:pPr lvl="1"/>
-            <a:r>
-              <a:rPr lang="en-US" dirty="0" smtClean="0"/>
-              <a:t>1. Further evaluate performance across different    	 LAN and WAN scenarios</a:t>
-            </a:r>
-          </a:p>
-          <a:p>
-            <a:pPr lvl="1"/>
-            <a:r>
-              <a:rPr lang="en-US" dirty="0" smtClean="0"/>
-              <a:t>2. Compare with </a:t>
-            </a:r>
-            <a:r>
-              <a:rPr lang="en-US" dirty="0" err="1" smtClean="0"/>
-              <a:t>Dropbox</a:t>
-            </a:r>
-            <a:endParaRPr lang="en-US" dirty="0" smtClean="0"/>
-          </a:p>
-          <a:p>
-            <a:pPr lvl="1"/>
-            <a:r>
-              <a:rPr lang="en-US" dirty="0" smtClean="0"/>
-              <a:t>3. Evaluate correctness</a:t>
-            </a:r>
-          </a:p>
-          <a:p>
-            <a:endParaRPr lang="en-US" dirty="0" smtClean="0"/>
-          </a:p>
-          <a:p>
-            <a:r>
-              <a:rPr lang="en-US" dirty="0" smtClean="0"/>
-              <a:t>Distributed broker?</a:t>
-            </a:r>
-          </a:p>
-          <a:p>
-            <a:endParaRPr lang="en-US" dirty="0" smtClean="0"/>
-          </a:p>
-          <a:p>
-            <a:r>
-              <a:rPr lang="en-US" dirty="0" smtClean="0"/>
-              <a:t>Security?</a:t>
+              <a:t>Evaluation: Return</a:t>
             </a:r>
             <a:endParaRPr lang="en-US" dirty="0"/>
           </a:p>
         </p:txBody>
       </p:sp>
-      <p:sp>
-        <p:nvSpPr>
-          <p:cNvPr id="3" name="Title 2"/>
-          <p:cNvSpPr>
-            <a:spLocks noGrp="1"/>
-          </p:cNvSpPr>
-          <p:nvPr>
-            <p:ph type="title"/>
-          </p:nvPr>
-        </p:nvSpPr>
-        <p:spPr/>
-        <p:txBody>
-          <a:bodyPr/>
-          <a:lstStyle/>
-          <a:p>
-            <a:r>
-              <a:rPr lang="en-US" dirty="0" smtClean="0"/>
-              <a:t>Discussion and Future Work</a:t>
-            </a:r>
-            <a:endParaRPr lang="en-US" dirty="0"/>
+      <p:pic>
+        <p:nvPicPr>
+          <p:cNvPr id="2" name="Picture 1" descr="returns.eps"/>
+          <p:cNvPicPr>
+            <a:picLocks noChangeAspect="1"/>
+          </p:cNvPicPr>
+          <p:nvPr/>
+        </p:nvPicPr>
+        <p:blipFill>
+          <a:blip r:embed="rId3">
+            <a:extLst>
+              <a:ext uri="{28A0092B-C50C-407E-A947-70E740481C1C}">
+                <a14:useLocalDpi xmlns:a14="http://schemas.microsoft.com/office/drawing/2010/main" val="0"/>
+              </a:ext>
+            </a:extLst>
+          </a:blip>
+          <a:stretch>
+            <a:fillRect/>
+          </a:stretch>
+        </p:blipFill>
+        <p:spPr>
+          <a:xfrm>
+            <a:off x="2273879" y="1160167"/>
+            <a:ext cx="4966031" cy="1502071"/>
+          </a:xfrm>
+          <a:prstGeom prst="rect">
+            <a:avLst/>
+          </a:prstGeom>
+        </p:spPr>
+      </p:pic>
+      <p:sp>
+        <p:nvSpPr>
+          <p:cNvPr id="7" name="TextBox 6"/>
+          <p:cNvSpPr txBox="1"/>
+          <p:nvPr/>
+        </p:nvSpPr>
+        <p:spPr>
+          <a:xfrm>
+            <a:off x="2441189" y="2601398"/>
+            <a:ext cx="5118130" cy="235962"/>
+          </a:xfrm>
+          <a:prstGeom prst="rect">
+            <a:avLst/>
+          </a:prstGeom>
+          <a:noFill/>
+        </p:spPr>
+        <p:txBody>
+          <a:bodyPr wrap="square" rtlCol="0">
+            <a:spAutoFit/>
+          </a:bodyPr>
+          <a:lstStyle/>
+          <a:p>
+            <a:r>
+              <a:rPr lang="en-US" sz="1400" baseline="30000" dirty="0">
+                <a:solidFill>
+                  <a:srgbClr val="EB641B"/>
+                </a:solidFill>
+              </a:rPr>
+              <a:t>Percent Returns for Each Classifier Maximizing Success Probability and Utility</a:t>
+            </a:r>
+            <a:endParaRPr lang="en-US" sz="1400" b="1" dirty="0">
+              <a:solidFill>
+                <a:srgbClr val="EB641B"/>
+              </a:solidFill>
+            </a:endParaRPr>
+          </a:p>
+        </p:txBody>
+      </p:sp>
+      <p:sp>
+        <p:nvSpPr>
+          <p:cNvPr id="5" name="Rectangle 4"/>
+          <p:cNvSpPr/>
+          <p:nvPr/>
+        </p:nvSpPr>
+        <p:spPr>
+          <a:xfrm>
+            <a:off x="4468845" y="6302165"/>
+            <a:ext cx="3582907" cy="276999"/>
+          </a:xfrm>
+          <a:prstGeom prst="rect">
+            <a:avLst/>
+          </a:prstGeom>
+        </p:spPr>
+        <p:txBody>
+          <a:bodyPr wrap="none">
+            <a:spAutoFit/>
+          </a:bodyPr>
+          <a:lstStyle/>
+          <a:p>
+            <a:r>
+              <a:rPr lang="en-US" baseline="30000" dirty="0">
+                <a:solidFill>
+                  <a:srgbClr val="EB641B"/>
+                </a:solidFill>
+              </a:rPr>
+              <a:t>Distribution of Investor Returns (800+ Notes)</a:t>
+            </a:r>
+            <a:endParaRPr lang="en-US" dirty="0">
+              <a:solidFill>
+                <a:srgbClr val="EB641B"/>
+              </a:solidFill>
+            </a:endParaRPr>
           </a:p>
         </p:txBody>
       </p:sp>
     </p:spTree>
+    <p:extLst>
+      <p:ext uri="{BB962C8B-B14F-4D97-AF65-F5344CB8AC3E}">
+        <p14:creationId xmlns:p14="http://schemas.microsoft.com/office/powerpoint/2010/main" val="1251974678"/>
+      </p:ext>
+    </p:extLst>
   </p:cSld>
   <p:clrMapOvr>
     <a:masterClrMapping/>
@@ -7081,15 +7336,15 @@
   <p:timing>
     <p:tnLst>
       <p:par>
-        <p:cTn id="1" dur="indefinite" restart="never" nodeType="tmRoot"/>
+        <p:cTn xmlns:p14="http://schemas.microsoft.com/office/powerpoint/2010/main" id="1" dur="indefinite" restart="never" nodeType="tmRoot"/>
       </p:par>
     </p:tnLst>
   </p:timing>
 </p:sld>
 </file>
 
-<file path=ppt/slides/slide9.xml><?xml version="1.0" encoding="utf-8"?>
-<p:sld xmlns:a="http://schemas.openxmlformats.org/drawingml/2006/main" xmlns:r="http://schemas.openxmlformats.org/officeDocument/2006/relationships" xmlns:mc="http://schemas.openxmlformats.org/markup-compatibility/2006" xmlns:mv="urn:schemas-microsoft-com:mac:vml" xmlns:p="http://schemas.openxmlformats.org/presentationml/2006/main" mc:Ignorable="mv" mc:PreserveAttributes="mv:*">
+<file path=ppt/slides/slide18.xml><?xml version="1.0" encoding="utf-8"?>
+<p:sld xmlns:a="http://schemas.openxmlformats.org/drawingml/2006/main" xmlns:r="http://schemas.openxmlformats.org/officeDocument/2006/relationships" xmlns:p="http://schemas.openxmlformats.org/presentationml/2006/main">
   <p:cSld>
     <p:spTree>
       <p:nvGrpSpPr>
@@ -7122,26 +7377,109 @@
           <a:p>
             <a:r>
               <a:rPr lang="en-US" dirty="0" smtClean="0"/>
-              <a:t>Start up a broker and several clients</a:t>
-            </a:r>
-          </a:p>
-          <a:p>
-            <a:endParaRPr lang="en-US" dirty="0" smtClean="0"/>
-          </a:p>
-          <a:p>
-            <a:r>
-              <a:rPr lang="en-US" dirty="0" smtClean="0"/>
-              <a:t>Demonstrate online changes and synchronization</a:t>
-            </a:r>
-          </a:p>
-          <a:p>
-            <a:endParaRPr lang="en-US" dirty="0" smtClean="0"/>
-          </a:p>
-          <a:p>
-            <a:r>
-              <a:rPr lang="en-US" dirty="0" smtClean="0"/>
-              <a:t>Also demonstrate offline changes and initial batch update</a:t>
-            </a:r>
+              <a:t>Disappointing!</a:t>
+            </a:r>
+          </a:p>
+          <a:p>
+            <a:r>
+              <a:rPr lang="en-US" dirty="0" smtClean="0">
+                <a:solidFill>
+                  <a:srgbClr val="DA1F28"/>
+                </a:solidFill>
+              </a:rPr>
+              <a:t>Worse than 90% of investors!</a:t>
+            </a:r>
+          </a:p>
+          <a:p>
+            <a:r>
+              <a:rPr lang="en-US" dirty="0" smtClean="0">
+                <a:solidFill>
+                  <a:srgbClr val="000000"/>
+                </a:solidFill>
+              </a:rPr>
+              <a:t>Still a good foundation for future work</a:t>
+            </a:r>
+          </a:p>
+          <a:p>
+            <a:pPr lvl="1"/>
+            <a:r>
+              <a:rPr lang="en-US" dirty="0" smtClean="0">
+                <a:solidFill>
+                  <a:srgbClr val="000000"/>
+                </a:solidFill>
+              </a:rPr>
+              <a:t>Feature representation</a:t>
+            </a:r>
+          </a:p>
+          <a:p>
+            <a:pPr lvl="2"/>
+            <a:r>
+              <a:rPr lang="en-US" dirty="0" smtClean="0">
+                <a:solidFill>
+                  <a:srgbClr val="000000"/>
+                </a:solidFill>
+              </a:rPr>
+              <a:t>Textual analysis</a:t>
+            </a:r>
+          </a:p>
+          <a:p>
+            <a:pPr lvl="2"/>
+            <a:r>
+              <a:rPr lang="en-US" dirty="0" smtClean="0">
+                <a:solidFill>
+                  <a:srgbClr val="000000"/>
+                </a:solidFill>
+              </a:rPr>
+              <a:t>Nonlinear scaling</a:t>
+            </a:r>
+          </a:p>
+          <a:p>
+            <a:pPr lvl="1"/>
+            <a:r>
+              <a:rPr lang="en-US" dirty="0" smtClean="0">
+                <a:solidFill>
+                  <a:srgbClr val="000000"/>
+                </a:solidFill>
+              </a:rPr>
+              <a:t>Include current loans</a:t>
+            </a:r>
+          </a:p>
+          <a:p>
+            <a:pPr lvl="1"/>
+            <a:r>
+              <a:rPr lang="en-US" dirty="0" smtClean="0">
+                <a:solidFill>
+                  <a:srgbClr val="000000"/>
+                </a:solidFill>
+              </a:rPr>
+              <a:t>Different output function</a:t>
+            </a:r>
+          </a:p>
+          <a:p>
+            <a:pPr lvl="2"/>
+            <a:r>
+              <a:rPr lang="en-US" dirty="0" smtClean="0">
+                <a:solidFill>
+                  <a:srgbClr val="000000"/>
+                </a:solidFill>
+              </a:rPr>
+              <a:t>Regression possible?</a:t>
+            </a:r>
+          </a:p>
+          <a:p>
+            <a:pPr lvl="2"/>
+            <a:endParaRPr lang="en-US" dirty="0" smtClean="0">
+              <a:solidFill>
+                <a:srgbClr val="000000"/>
+              </a:solidFill>
+            </a:endParaRPr>
+          </a:p>
+          <a:p>
+            <a:endParaRPr lang="en-US" dirty="0" smtClean="0">
+              <a:solidFill>
+                <a:srgbClr val="DA1F28"/>
+              </a:solidFill>
+            </a:endParaRPr>
           </a:p>
         </p:txBody>
       </p:sp>
@@ -7162,12 +7500,102 @@
           <a:p>
             <a:r>
               <a:rPr lang="en-US" dirty="0" smtClean="0"/>
-              <a:t>Demonstration Preview</a:t>
+              <a:t>Discussion</a:t>
             </a:r>
             <a:endParaRPr lang="en-US" dirty="0"/>
           </a:p>
         </p:txBody>
       </p:sp>
+    </p:spTree>
+    <p:extLst>
+      <p:ext uri="{BB962C8B-B14F-4D97-AF65-F5344CB8AC3E}">
+        <p14:creationId xmlns:p14="http://schemas.microsoft.com/office/powerpoint/2010/main" val="1754521799"/>
+      </p:ext>
+    </p:extLst>
+  </p:cSld>
+  <p:clrMapOvr>
+    <a:masterClrMapping/>
+  </p:clrMapOvr>
+  <p:timing>
+    <p:tnLst>
+      <p:par>
+        <p:cTn xmlns:p14="http://schemas.microsoft.com/office/powerpoint/2010/main" id="1" dur="indefinite" restart="never" nodeType="tmRoot"/>
+      </p:par>
+    </p:tnLst>
+  </p:timing>
+</p:sld>
+</file>
+
+<file path=ppt/slides/slide19.xml><?xml version="1.0" encoding="utf-8"?>
+<p:sld xmlns:a="http://schemas.openxmlformats.org/drawingml/2006/main" xmlns:r="http://schemas.openxmlformats.org/officeDocument/2006/relationships" xmlns:p="http://schemas.openxmlformats.org/presentationml/2006/main">
+  <p:cSld>
+    <p:spTree>
+      <p:nvGrpSpPr>
+        <p:cNvPr id="1" name=""/>
+        <p:cNvGrpSpPr/>
+        <p:nvPr/>
+      </p:nvGrpSpPr>
+      <p:grpSpPr>
+        <a:xfrm>
+          <a:off x="0" y="0"/>
+          <a:ext cx="0" cy="0"/>
+          <a:chOff x="0" y="0"/>
+          <a:chExt cx="0" cy="0"/>
+        </a:xfrm>
+      </p:grpSpPr>
+      <p:sp>
+        <p:nvSpPr>
+          <p:cNvPr id="3" name="Title 2"/>
+          <p:cNvSpPr>
+            <a:spLocks noGrp="1"/>
+          </p:cNvSpPr>
+          <p:nvPr>
+            <p:ph type="title"/>
+          </p:nvPr>
+        </p:nvSpPr>
+        <p:spPr/>
+        <p:txBody>
+          <a:bodyPr/>
+          <a:lstStyle/>
+          <a:p>
+            <a:r>
+              <a:rPr lang="en-US" dirty="0" smtClean="0"/>
+              <a:t>Questions?</a:t>
+            </a:r>
+            <a:endParaRPr lang="en-US" dirty="0"/>
+          </a:p>
+        </p:txBody>
+      </p:sp>
+      <p:pic>
+        <p:nvPicPr>
+          <p:cNvPr id="8" name="Picture 7" descr="oooh-pick-me-mr-kotter.jpg"/>
+          <p:cNvPicPr>
+            <a:picLocks noChangeAspect="1"/>
+          </p:cNvPicPr>
+          <p:nvPr/>
+        </p:nvPicPr>
+        <p:blipFill>
+          <a:blip r:embed="rId2">
+            <a:extLst>
+              <a:ext uri="{28A0092B-C50C-407E-A947-70E740481C1C}">
+                <a14:useLocalDpi xmlns:a14="http://schemas.microsoft.com/office/drawing/2010/main" val="0"/>
+              </a:ext>
+            </a:extLst>
+          </a:blip>
+          <a:stretch>
+            <a:fillRect/>
+          </a:stretch>
+        </p:blipFill>
+        <p:spPr>
+          <a:xfrm>
+            <a:off x="2927668" y="1417638"/>
+            <a:ext cx="3521328" cy="4543203"/>
+          </a:xfrm>
+          <a:prstGeom prst="rect">
+            <a:avLst/>
+          </a:prstGeom>
+        </p:spPr>
+      </p:pic>
     </p:spTree>
   </p:cSld>
   <p:clrMapOvr>
@@ -7176,7 +7604,1088 @@
   <p:timing>
     <p:tnLst>
       <p:par>
-        <p:cTn id="1" dur="indefinite" restart="never" nodeType="tmRoot"/>
+        <p:cTn xmlns:p14="http://schemas.microsoft.com/office/powerpoint/2010/main" id="1" dur="indefinite" restart="never" nodeType="tmRoot"/>
+      </p:par>
+    </p:tnLst>
+  </p:timing>
+</p:sld>
+</file>
+
+<file path=ppt/slides/slide2.xml><?xml version="1.0" encoding="utf-8"?>
+<p:sld xmlns:a="http://schemas.openxmlformats.org/drawingml/2006/main" xmlns:r="http://schemas.openxmlformats.org/officeDocument/2006/relationships" xmlns:p="http://schemas.openxmlformats.org/presentationml/2006/main">
+  <p:cSld>
+    <p:spTree>
+      <p:nvGrpSpPr>
+        <p:cNvPr id="1" name=""/>
+        <p:cNvGrpSpPr/>
+        <p:nvPr/>
+      </p:nvGrpSpPr>
+      <p:grpSpPr>
+        <a:xfrm>
+          <a:off x="0" y="0"/>
+          <a:ext cx="0" cy="0"/>
+          <a:chOff x="0" y="0"/>
+          <a:chExt cx="0" cy="0"/>
+        </a:xfrm>
+      </p:grpSpPr>
+      <p:sp>
+        <p:nvSpPr>
+          <p:cNvPr id="3" name="Content Placeholder 2"/>
+          <p:cNvSpPr>
+            <a:spLocks noGrp="1"/>
+          </p:cNvSpPr>
+          <p:nvPr>
+            <p:ph idx="1"/>
+          </p:nvPr>
+        </p:nvSpPr>
+        <p:spPr/>
+        <p:txBody>
+          <a:bodyPr/>
+          <a:lstStyle/>
+          <a:p>
+            <a:r>
+              <a:rPr lang="en-US" dirty="0" smtClean="0"/>
+              <a:t>What is P2P Lending?</a:t>
+            </a:r>
+          </a:p>
+          <a:p>
+            <a:pPr lvl="1"/>
+            <a:r>
+              <a:rPr lang="en-US" dirty="0" smtClean="0"/>
+              <a:t>Companies like Lending Club match borrowers with investors</a:t>
+            </a:r>
+          </a:p>
+          <a:p>
+            <a:pPr lvl="1"/>
+            <a:r>
+              <a:rPr lang="en-US" dirty="0" smtClean="0"/>
+              <a:t>Investors fund peer loans</a:t>
+            </a:r>
+          </a:p>
+          <a:p>
+            <a:pPr lvl="1"/>
+            <a:r>
+              <a:rPr lang="en-US" dirty="0" smtClean="0"/>
+              <a:t>Borrowers pay investors back- with interest!</a:t>
+            </a:r>
+          </a:p>
+          <a:p>
+            <a:pPr lvl="1"/>
+            <a:r>
+              <a:rPr lang="en-US" dirty="0" smtClean="0"/>
+              <a:t>Win-win right?</a:t>
+            </a:r>
+          </a:p>
+          <a:p>
+            <a:pPr lvl="1"/>
+            <a:endParaRPr lang="en-US" dirty="0"/>
+          </a:p>
+          <a:p>
+            <a:pPr lvl="1"/>
+            <a:endParaRPr lang="en-US" dirty="0" smtClean="0"/>
+          </a:p>
+        </p:txBody>
+      </p:sp>
+      <p:sp>
+        <p:nvSpPr>
+          <p:cNvPr id="2" name="Title 1"/>
+          <p:cNvSpPr>
+            <a:spLocks noGrp="1"/>
+          </p:cNvSpPr>
+          <p:nvPr>
+            <p:ph type="title"/>
+          </p:nvPr>
+        </p:nvSpPr>
+        <p:spPr/>
+        <p:txBody>
+          <a:bodyPr/>
+          <a:lstStyle/>
+          <a:p>
+            <a:r>
+              <a:rPr lang="en-US" dirty="0" smtClean="0"/>
+              <a:t>Introduction – P2P Lending</a:t>
+            </a:r>
+            <a:endParaRPr lang="en-US" dirty="0"/>
+          </a:p>
+        </p:txBody>
+      </p:sp>
+    </p:spTree>
+  </p:cSld>
+  <p:clrMapOvr>
+    <a:masterClrMapping/>
+  </p:clrMapOvr>
+  <p:timing>
+    <p:tnLst>
+      <p:par>
+        <p:cTn xmlns:p14="http://schemas.microsoft.com/office/powerpoint/2010/main" id="1" dur="indefinite" restart="never" nodeType="tmRoot"/>
+      </p:par>
+    </p:tnLst>
+  </p:timing>
+</p:sld>
+</file>
+
+<file path=ppt/slides/slide3.xml><?xml version="1.0" encoding="utf-8"?>
+<p:sld xmlns:a="http://schemas.openxmlformats.org/drawingml/2006/main" xmlns:r="http://schemas.openxmlformats.org/officeDocument/2006/relationships" xmlns:p="http://schemas.openxmlformats.org/presentationml/2006/main">
+  <p:cSld>
+    <p:spTree>
+      <p:nvGrpSpPr>
+        <p:cNvPr id="1" name=""/>
+        <p:cNvGrpSpPr/>
+        <p:nvPr/>
+      </p:nvGrpSpPr>
+      <p:grpSpPr>
+        <a:xfrm>
+          <a:off x="0" y="0"/>
+          <a:ext cx="0" cy="0"/>
+          <a:chOff x="0" y="0"/>
+          <a:chExt cx="0" cy="0"/>
+        </a:xfrm>
+      </p:grpSpPr>
+      <p:sp>
+        <p:nvSpPr>
+          <p:cNvPr id="3" name="Content Placeholder 2"/>
+          <p:cNvSpPr>
+            <a:spLocks noGrp="1"/>
+          </p:cNvSpPr>
+          <p:nvPr>
+            <p:ph idx="1"/>
+          </p:nvPr>
+        </p:nvSpPr>
+        <p:spPr/>
+        <p:txBody>
+          <a:bodyPr/>
+          <a:lstStyle/>
+          <a:p>
+            <a:r>
+              <a:rPr lang="en-US" dirty="0" smtClean="0"/>
+              <a:t>Sort of…</a:t>
+            </a:r>
+          </a:p>
+          <a:p>
+            <a:r>
+              <a:rPr lang="en-US" dirty="0" smtClean="0"/>
+              <a:t>Risks &amp; Rewards</a:t>
+            </a:r>
+          </a:p>
+          <a:p>
+            <a:pPr lvl="1"/>
+            <a:r>
+              <a:rPr lang="en-US" dirty="0" smtClean="0"/>
+              <a:t>Still exist, but different</a:t>
+            </a:r>
+          </a:p>
+          <a:p>
+            <a:pPr lvl="1"/>
+            <a:r>
+              <a:rPr lang="en-US" dirty="0" smtClean="0"/>
+              <a:t>Related to credit history</a:t>
+            </a:r>
+          </a:p>
+          <a:p>
+            <a:pPr lvl="2"/>
+            <a:r>
+              <a:rPr lang="en-US" dirty="0" smtClean="0"/>
+              <a:t>ROI:</a:t>
+            </a:r>
+            <a:r>
+              <a:rPr lang="en-US" dirty="0" smtClean="0">
+                <a:solidFill>
+                  <a:srgbClr val="008000"/>
+                </a:solidFill>
+              </a:rPr>
+              <a:t>  interest rate</a:t>
+            </a:r>
+          </a:p>
+          <a:p>
+            <a:pPr lvl="2"/>
+            <a:r>
+              <a:rPr lang="en-US" dirty="0" smtClean="0"/>
+              <a:t>Risk: </a:t>
+            </a:r>
+            <a:r>
+              <a:rPr lang="en-US" dirty="0" smtClean="0">
+                <a:solidFill>
+                  <a:srgbClr val="FF0000"/>
+                </a:solidFill>
+              </a:rPr>
+              <a:t>defaulting loans!</a:t>
+            </a:r>
+            <a:endParaRPr lang="en-US" dirty="0">
+              <a:solidFill>
+                <a:srgbClr val="FF0000"/>
+              </a:solidFill>
+            </a:endParaRPr>
+          </a:p>
+          <a:p>
+            <a:pPr lvl="1"/>
+            <a:r>
+              <a:rPr lang="en-US" dirty="0" smtClean="0">
+                <a:solidFill>
+                  <a:srgbClr val="000000"/>
+                </a:solidFill>
+              </a:rPr>
+              <a:t>Lending Club assigns a credit ‘grade’</a:t>
+            </a:r>
+          </a:p>
+          <a:p>
+            <a:pPr lvl="2"/>
+            <a:r>
+              <a:rPr lang="en-US" dirty="0" smtClean="0">
+                <a:solidFill>
+                  <a:srgbClr val="000000"/>
+                </a:solidFill>
+              </a:rPr>
+              <a:t>A -&gt; G</a:t>
+            </a:r>
+          </a:p>
+          <a:p>
+            <a:pPr lvl="2"/>
+            <a:r>
+              <a:rPr lang="en-US" dirty="0" smtClean="0">
+                <a:solidFill>
+                  <a:srgbClr val="000000"/>
+                </a:solidFill>
+              </a:rPr>
+              <a:t>How predictive is this though?</a:t>
+            </a:r>
+          </a:p>
+        </p:txBody>
+      </p:sp>
+      <p:sp>
+        <p:nvSpPr>
+          <p:cNvPr id="2" name="Title 1"/>
+          <p:cNvSpPr>
+            <a:spLocks noGrp="1"/>
+          </p:cNvSpPr>
+          <p:nvPr>
+            <p:ph type="title"/>
+          </p:nvPr>
+        </p:nvSpPr>
+        <p:spPr/>
+        <p:txBody>
+          <a:bodyPr/>
+          <a:lstStyle/>
+          <a:p>
+            <a:r>
+              <a:rPr lang="en-US" dirty="0" smtClean="0"/>
+              <a:t>Introduction – P2P Lending</a:t>
+            </a:r>
+            <a:endParaRPr lang="en-US" dirty="0"/>
+          </a:p>
+        </p:txBody>
+      </p:sp>
+    </p:spTree>
+    <p:extLst>
+      <p:ext uri="{BB962C8B-B14F-4D97-AF65-F5344CB8AC3E}">
+        <p14:creationId xmlns:p14="http://schemas.microsoft.com/office/powerpoint/2010/main" val="1544070091"/>
+      </p:ext>
+    </p:extLst>
+  </p:cSld>
+  <p:clrMapOvr>
+    <a:masterClrMapping/>
+  </p:clrMapOvr>
+  <p:timing>
+    <p:tnLst>
+      <p:par>
+        <p:cTn xmlns:p14="http://schemas.microsoft.com/office/powerpoint/2010/main" id="1" dur="indefinite" restart="never" nodeType="tmRoot"/>
+      </p:par>
+    </p:tnLst>
+  </p:timing>
+</p:sld>
+</file>
+
+<file path=ppt/slides/slide4.xml><?xml version="1.0" encoding="utf-8"?>
+<p:sld xmlns:a="http://schemas.openxmlformats.org/drawingml/2006/main" xmlns:r="http://schemas.openxmlformats.org/officeDocument/2006/relationships" xmlns:p="http://schemas.openxmlformats.org/presentationml/2006/main">
+  <p:cSld>
+    <p:spTree>
+      <p:nvGrpSpPr>
+        <p:cNvPr id="1" name=""/>
+        <p:cNvGrpSpPr/>
+        <p:nvPr/>
+      </p:nvGrpSpPr>
+      <p:grpSpPr>
+        <a:xfrm>
+          <a:off x="0" y="0"/>
+          <a:ext cx="0" cy="0"/>
+          <a:chOff x="0" y="0"/>
+          <a:chExt cx="0" cy="0"/>
+        </a:xfrm>
+      </p:grpSpPr>
+      <p:sp>
+        <p:nvSpPr>
+          <p:cNvPr id="3" name="Content Placeholder 2"/>
+          <p:cNvSpPr>
+            <a:spLocks noGrp="1"/>
+          </p:cNvSpPr>
+          <p:nvPr>
+            <p:ph idx="1"/>
+          </p:nvPr>
+        </p:nvSpPr>
+        <p:spPr/>
+        <p:txBody>
+          <a:bodyPr/>
+          <a:lstStyle/>
+          <a:p>
+            <a:pPr marL="624078" indent="-514350">
+              <a:buSzPct val="110000"/>
+              <a:buFont typeface="+mj-lt"/>
+              <a:buAutoNum type="arabicPeriod"/>
+            </a:pPr>
+            <a:r>
+              <a:rPr lang="en-US" dirty="0" smtClean="0">
+                <a:solidFill>
+                  <a:srgbClr val="000000"/>
+                </a:solidFill>
+              </a:rPr>
+              <a:t> Download historical loan data from  </a:t>
+            </a:r>
+            <a:r>
+              <a:rPr lang="en-US" dirty="0" err="1" smtClean="0">
+                <a:solidFill>
+                  <a:srgbClr val="000000"/>
+                </a:solidFill>
+                <a:hlinkClick r:id="rId3"/>
+              </a:rPr>
+              <a:t>www.lendingclub.com</a:t>
+            </a:r>
+            <a:endParaRPr lang="en-US" dirty="0" smtClean="0">
+              <a:solidFill>
+                <a:srgbClr val="000000"/>
+              </a:solidFill>
+            </a:endParaRPr>
+          </a:p>
+          <a:p>
+            <a:pPr marL="624078" indent="-514350">
+              <a:buSzPct val="168000"/>
+              <a:buFont typeface="+mj-lt"/>
+              <a:buAutoNum type="arabicPeriod"/>
+            </a:pPr>
+            <a:endParaRPr lang="en-US" sz="4000" dirty="0" smtClean="0">
+              <a:solidFill>
+                <a:srgbClr val="FF0000"/>
+              </a:solidFill>
+            </a:endParaRPr>
+          </a:p>
+        </p:txBody>
+      </p:sp>
+      <p:sp>
+        <p:nvSpPr>
+          <p:cNvPr id="2" name="Title 1"/>
+          <p:cNvSpPr>
+            <a:spLocks noGrp="1"/>
+          </p:cNvSpPr>
+          <p:nvPr>
+            <p:ph type="title"/>
+          </p:nvPr>
+        </p:nvSpPr>
+        <p:spPr/>
+        <p:txBody>
+          <a:bodyPr/>
+          <a:lstStyle/>
+          <a:p>
+            <a:r>
+              <a:rPr lang="en-US" dirty="0" smtClean="0"/>
+              <a:t>The Problem</a:t>
+            </a:r>
+            <a:endParaRPr lang="en-US" dirty="0"/>
+          </a:p>
+        </p:txBody>
+      </p:sp>
+    </p:spTree>
+    <p:extLst>
+      <p:ext uri="{BB962C8B-B14F-4D97-AF65-F5344CB8AC3E}">
+        <p14:creationId xmlns:p14="http://schemas.microsoft.com/office/powerpoint/2010/main" val="1267037939"/>
+      </p:ext>
+    </p:extLst>
+  </p:cSld>
+  <p:clrMapOvr>
+    <a:masterClrMapping/>
+  </p:clrMapOvr>
+  <p:timing>
+    <p:tnLst>
+      <p:par>
+        <p:cTn xmlns:p14="http://schemas.microsoft.com/office/powerpoint/2010/main" id="1" dur="indefinite" restart="never" nodeType="tmRoot"/>
+      </p:par>
+    </p:tnLst>
+  </p:timing>
+</p:sld>
+</file>
+
+<file path=ppt/slides/slide5.xml><?xml version="1.0" encoding="utf-8"?>
+<p:sld xmlns:a="http://schemas.openxmlformats.org/drawingml/2006/main" xmlns:r="http://schemas.openxmlformats.org/officeDocument/2006/relationships" xmlns:p="http://schemas.openxmlformats.org/presentationml/2006/main">
+  <p:cSld>
+    <p:spTree>
+      <p:nvGrpSpPr>
+        <p:cNvPr id="1" name=""/>
+        <p:cNvGrpSpPr/>
+        <p:nvPr/>
+      </p:nvGrpSpPr>
+      <p:grpSpPr>
+        <a:xfrm>
+          <a:off x="0" y="0"/>
+          <a:ext cx="0" cy="0"/>
+          <a:chOff x="0" y="0"/>
+          <a:chExt cx="0" cy="0"/>
+        </a:xfrm>
+      </p:grpSpPr>
+      <p:sp>
+        <p:nvSpPr>
+          <p:cNvPr id="3" name="Content Placeholder 2"/>
+          <p:cNvSpPr>
+            <a:spLocks noGrp="1"/>
+          </p:cNvSpPr>
+          <p:nvPr>
+            <p:ph idx="1"/>
+          </p:nvPr>
+        </p:nvSpPr>
+        <p:spPr/>
+        <p:txBody>
+          <a:bodyPr/>
+          <a:lstStyle/>
+          <a:p>
+            <a:pPr marL="624078" indent="-514350">
+              <a:buSzPct val="110000"/>
+              <a:buFont typeface="+mj-lt"/>
+              <a:buAutoNum type="arabicPeriod"/>
+            </a:pPr>
+            <a:r>
+              <a:rPr lang="en-US" dirty="0" smtClean="0">
+                <a:solidFill>
+                  <a:srgbClr val="000000"/>
+                </a:solidFill>
+              </a:rPr>
+              <a:t> Download historical loan data from  </a:t>
+            </a:r>
+            <a:r>
+              <a:rPr lang="en-US" dirty="0" smtClean="0">
+                <a:solidFill>
+                  <a:srgbClr val="000000"/>
+                </a:solidFill>
+                <a:hlinkClick r:id="rId3"/>
+              </a:rPr>
+              <a:t>www.lendingclub.com</a:t>
+            </a:r>
+            <a:r>
+              <a:rPr lang="en-US" dirty="0" smtClean="0">
+                <a:solidFill>
+                  <a:srgbClr val="000000"/>
+                </a:solidFill>
+              </a:rPr>
+              <a:t> </a:t>
+            </a:r>
+          </a:p>
+          <a:p>
+            <a:pPr marL="624078" indent="-514350">
+              <a:buSzPct val="110000"/>
+              <a:buFont typeface="+mj-lt"/>
+              <a:buAutoNum type="arabicPeriod"/>
+            </a:pPr>
+            <a:r>
+              <a:rPr lang="en-US" dirty="0" smtClean="0">
+                <a:solidFill>
+                  <a:srgbClr val="000000"/>
+                </a:solidFill>
+              </a:rPr>
+              <a:t> Apply Machine Learning techniques to train a classifier</a:t>
+            </a:r>
+          </a:p>
+          <a:p>
+            <a:pPr marL="624078" indent="-514350">
+              <a:buSzPct val="168000"/>
+              <a:buFont typeface="+mj-lt"/>
+              <a:buAutoNum type="arabicPeriod"/>
+            </a:pPr>
+            <a:endParaRPr lang="en-US" sz="4000" dirty="0" smtClean="0">
+              <a:solidFill>
+                <a:srgbClr val="FF0000"/>
+              </a:solidFill>
+            </a:endParaRPr>
+          </a:p>
+        </p:txBody>
+      </p:sp>
+      <p:sp>
+        <p:nvSpPr>
+          <p:cNvPr id="2" name="Title 1"/>
+          <p:cNvSpPr>
+            <a:spLocks noGrp="1"/>
+          </p:cNvSpPr>
+          <p:nvPr>
+            <p:ph type="title"/>
+          </p:nvPr>
+        </p:nvSpPr>
+        <p:spPr/>
+        <p:txBody>
+          <a:bodyPr/>
+          <a:lstStyle/>
+          <a:p>
+            <a:r>
+              <a:rPr lang="en-US" dirty="0" smtClean="0"/>
+              <a:t>The Problem</a:t>
+            </a:r>
+            <a:endParaRPr lang="en-US" dirty="0"/>
+          </a:p>
+        </p:txBody>
+      </p:sp>
+    </p:spTree>
+    <p:extLst>
+      <p:ext uri="{BB962C8B-B14F-4D97-AF65-F5344CB8AC3E}">
+        <p14:creationId xmlns:p14="http://schemas.microsoft.com/office/powerpoint/2010/main" val="2960184834"/>
+      </p:ext>
+    </p:extLst>
+  </p:cSld>
+  <p:clrMapOvr>
+    <a:masterClrMapping/>
+  </p:clrMapOvr>
+  <p:timing>
+    <p:tnLst>
+      <p:par>
+        <p:cTn xmlns:p14="http://schemas.microsoft.com/office/powerpoint/2010/main" id="1" dur="indefinite" restart="never" nodeType="tmRoot"/>
+      </p:par>
+    </p:tnLst>
+  </p:timing>
+</p:sld>
+</file>
+
+<file path=ppt/slides/slide6.xml><?xml version="1.0" encoding="utf-8"?>
+<p:sld xmlns:a="http://schemas.openxmlformats.org/drawingml/2006/main" xmlns:r="http://schemas.openxmlformats.org/officeDocument/2006/relationships" xmlns:p="http://schemas.openxmlformats.org/presentationml/2006/main">
+  <p:cSld>
+    <p:spTree>
+      <p:nvGrpSpPr>
+        <p:cNvPr id="1" name=""/>
+        <p:cNvGrpSpPr/>
+        <p:nvPr/>
+      </p:nvGrpSpPr>
+      <p:grpSpPr>
+        <a:xfrm>
+          <a:off x="0" y="0"/>
+          <a:ext cx="0" cy="0"/>
+          <a:chOff x="0" y="0"/>
+          <a:chExt cx="0" cy="0"/>
+        </a:xfrm>
+      </p:grpSpPr>
+      <p:sp>
+        <p:nvSpPr>
+          <p:cNvPr id="3" name="Content Placeholder 2"/>
+          <p:cNvSpPr>
+            <a:spLocks noGrp="1"/>
+          </p:cNvSpPr>
+          <p:nvPr>
+            <p:ph idx="1"/>
+          </p:nvPr>
+        </p:nvSpPr>
+        <p:spPr/>
+        <p:txBody>
+          <a:bodyPr/>
+          <a:lstStyle/>
+          <a:p>
+            <a:pPr marL="624078" indent="-514350">
+              <a:buSzPct val="110000"/>
+              <a:buFont typeface="+mj-lt"/>
+              <a:buAutoNum type="arabicPeriod"/>
+            </a:pPr>
+            <a:r>
+              <a:rPr lang="en-US" dirty="0" smtClean="0">
+                <a:solidFill>
+                  <a:srgbClr val="000000"/>
+                </a:solidFill>
+              </a:rPr>
+              <a:t> Download historical loan data from  </a:t>
+            </a:r>
+            <a:r>
+              <a:rPr lang="en-US" dirty="0" smtClean="0">
+                <a:solidFill>
+                  <a:srgbClr val="000000"/>
+                </a:solidFill>
+                <a:hlinkClick r:id="rId3"/>
+              </a:rPr>
+              <a:t>www.lendingclub.com</a:t>
+            </a:r>
+            <a:r>
+              <a:rPr lang="en-US" dirty="0" smtClean="0">
+                <a:solidFill>
+                  <a:srgbClr val="000000"/>
+                </a:solidFill>
+              </a:rPr>
+              <a:t> </a:t>
+            </a:r>
+          </a:p>
+          <a:p>
+            <a:pPr marL="624078" indent="-514350">
+              <a:buSzPct val="110000"/>
+              <a:buFont typeface="+mj-lt"/>
+              <a:buAutoNum type="arabicPeriod"/>
+            </a:pPr>
+            <a:r>
+              <a:rPr lang="en-US" dirty="0" smtClean="0">
+                <a:solidFill>
+                  <a:srgbClr val="000000"/>
+                </a:solidFill>
+              </a:rPr>
+              <a:t> Apply Machine Learning techniques to train a classifier</a:t>
+            </a:r>
+          </a:p>
+          <a:p>
+            <a:pPr marL="624078" indent="-514350">
+              <a:buSzPct val="110000"/>
+              <a:buFont typeface="+mj-lt"/>
+              <a:buAutoNum type="arabicPeriod"/>
+            </a:pPr>
+            <a:r>
+              <a:rPr lang="en-US" dirty="0" smtClean="0">
+                <a:solidFill>
+                  <a:srgbClr val="000000"/>
+                </a:solidFill>
+              </a:rPr>
+              <a:t> </a:t>
+            </a:r>
+            <a:r>
+              <a:rPr lang="en-US" sz="4000" dirty="0" smtClean="0">
+                <a:solidFill>
+                  <a:srgbClr val="FF0000"/>
+                </a:solidFill>
+              </a:rPr>
+              <a:t>????</a:t>
+            </a:r>
+          </a:p>
+        </p:txBody>
+      </p:sp>
+      <p:sp>
+        <p:nvSpPr>
+          <p:cNvPr id="2" name="Title 1"/>
+          <p:cNvSpPr>
+            <a:spLocks noGrp="1"/>
+          </p:cNvSpPr>
+          <p:nvPr>
+            <p:ph type="title"/>
+          </p:nvPr>
+        </p:nvSpPr>
+        <p:spPr/>
+        <p:txBody>
+          <a:bodyPr/>
+          <a:lstStyle/>
+          <a:p>
+            <a:r>
+              <a:rPr lang="en-US" dirty="0" smtClean="0"/>
+              <a:t>The Problem</a:t>
+            </a:r>
+            <a:endParaRPr lang="en-US" dirty="0"/>
+          </a:p>
+        </p:txBody>
+      </p:sp>
+    </p:spTree>
+    <p:extLst>
+      <p:ext uri="{BB962C8B-B14F-4D97-AF65-F5344CB8AC3E}">
+        <p14:creationId xmlns:p14="http://schemas.microsoft.com/office/powerpoint/2010/main" val="2960184834"/>
+      </p:ext>
+    </p:extLst>
+  </p:cSld>
+  <p:clrMapOvr>
+    <a:masterClrMapping/>
+  </p:clrMapOvr>
+  <p:timing>
+    <p:tnLst>
+      <p:par>
+        <p:cTn xmlns:p14="http://schemas.microsoft.com/office/powerpoint/2010/main" id="1" dur="indefinite" restart="never" nodeType="tmRoot"/>
+      </p:par>
+    </p:tnLst>
+  </p:timing>
+</p:sld>
+</file>
+
+<file path=ppt/slides/slide7.xml><?xml version="1.0" encoding="utf-8"?>
+<p:sld xmlns:a="http://schemas.openxmlformats.org/drawingml/2006/main" xmlns:r="http://schemas.openxmlformats.org/officeDocument/2006/relationships" xmlns:p="http://schemas.openxmlformats.org/presentationml/2006/main">
+  <p:cSld>
+    <p:spTree>
+      <p:nvGrpSpPr>
+        <p:cNvPr id="1" name=""/>
+        <p:cNvGrpSpPr/>
+        <p:nvPr/>
+      </p:nvGrpSpPr>
+      <p:grpSpPr>
+        <a:xfrm>
+          <a:off x="0" y="0"/>
+          <a:ext cx="0" cy="0"/>
+          <a:chOff x="0" y="0"/>
+          <a:chExt cx="0" cy="0"/>
+        </a:xfrm>
+      </p:grpSpPr>
+      <p:sp>
+        <p:nvSpPr>
+          <p:cNvPr id="3" name="Content Placeholder 2"/>
+          <p:cNvSpPr>
+            <a:spLocks noGrp="1"/>
+          </p:cNvSpPr>
+          <p:nvPr>
+            <p:ph idx="1"/>
+          </p:nvPr>
+        </p:nvSpPr>
+        <p:spPr/>
+        <p:txBody>
+          <a:bodyPr/>
+          <a:lstStyle/>
+          <a:p>
+            <a:pPr marL="624078" indent="-514350">
+              <a:buSzPct val="110000"/>
+              <a:buFont typeface="+mj-lt"/>
+              <a:buAutoNum type="arabicPeriod"/>
+            </a:pPr>
+            <a:r>
+              <a:rPr lang="en-US" dirty="0" smtClean="0">
+                <a:solidFill>
+                  <a:srgbClr val="000000"/>
+                </a:solidFill>
+              </a:rPr>
+              <a:t> Download historical loan data from  </a:t>
+            </a:r>
+            <a:r>
+              <a:rPr lang="en-US" dirty="0" smtClean="0">
+                <a:solidFill>
+                  <a:srgbClr val="000000"/>
+                </a:solidFill>
+                <a:hlinkClick r:id="rId3"/>
+              </a:rPr>
+              <a:t>www.lendingclub.com</a:t>
+            </a:r>
+            <a:r>
+              <a:rPr lang="en-US" dirty="0" smtClean="0">
+                <a:solidFill>
+                  <a:srgbClr val="000000"/>
+                </a:solidFill>
+              </a:rPr>
+              <a:t> </a:t>
+            </a:r>
+          </a:p>
+          <a:p>
+            <a:pPr marL="624078" indent="-514350">
+              <a:buSzPct val="110000"/>
+              <a:buFont typeface="+mj-lt"/>
+              <a:buAutoNum type="arabicPeriod"/>
+            </a:pPr>
+            <a:r>
+              <a:rPr lang="en-US" dirty="0" smtClean="0">
+                <a:solidFill>
+                  <a:srgbClr val="000000"/>
+                </a:solidFill>
+              </a:rPr>
+              <a:t> Apply Machine Learning techniques to train a classifier</a:t>
+            </a:r>
+          </a:p>
+          <a:p>
+            <a:pPr marL="624078" indent="-514350">
+              <a:buSzPct val="110000"/>
+              <a:buFont typeface="+mj-lt"/>
+              <a:buAutoNum type="arabicPeriod"/>
+            </a:pPr>
+            <a:r>
+              <a:rPr lang="en-US" dirty="0" smtClean="0">
+                <a:solidFill>
+                  <a:srgbClr val="000000"/>
+                </a:solidFill>
+              </a:rPr>
+              <a:t> </a:t>
+            </a:r>
+            <a:r>
+              <a:rPr lang="en-US" sz="4500" dirty="0" smtClean="0">
+                <a:solidFill>
+                  <a:srgbClr val="FF0000"/>
+                </a:solidFill>
+              </a:rPr>
+              <a:t>????</a:t>
+            </a:r>
+          </a:p>
+          <a:p>
+            <a:pPr marL="624078" indent="-514350">
+              <a:buSzPct val="100000"/>
+              <a:buFont typeface="+mj-lt"/>
+              <a:buAutoNum type="arabicPeriod"/>
+            </a:pPr>
+            <a:r>
+              <a:rPr lang="en-US" sz="4000" dirty="0" smtClean="0">
+                <a:solidFill>
+                  <a:srgbClr val="008000"/>
+                </a:solidFill>
+              </a:rPr>
+              <a:t>PROFIT!!!</a:t>
+            </a:r>
+          </a:p>
+          <a:p>
+            <a:pPr marL="624078" indent="-514350">
+              <a:buSzPct val="168000"/>
+              <a:buFont typeface="+mj-lt"/>
+              <a:buAutoNum type="arabicPeriod"/>
+            </a:pPr>
+            <a:endParaRPr lang="en-US" sz="4000" dirty="0" smtClean="0">
+              <a:solidFill>
+                <a:srgbClr val="FF0000"/>
+              </a:solidFill>
+            </a:endParaRPr>
+          </a:p>
+        </p:txBody>
+      </p:sp>
+      <p:sp>
+        <p:nvSpPr>
+          <p:cNvPr id="2" name="Title 1"/>
+          <p:cNvSpPr>
+            <a:spLocks noGrp="1"/>
+          </p:cNvSpPr>
+          <p:nvPr>
+            <p:ph type="title"/>
+          </p:nvPr>
+        </p:nvSpPr>
+        <p:spPr/>
+        <p:txBody>
+          <a:bodyPr/>
+          <a:lstStyle/>
+          <a:p>
+            <a:r>
+              <a:rPr lang="en-US" dirty="0" smtClean="0"/>
+              <a:t>The Problem</a:t>
+            </a:r>
+            <a:endParaRPr lang="en-US" dirty="0"/>
+          </a:p>
+        </p:txBody>
+      </p:sp>
+    </p:spTree>
+    <p:extLst>
+      <p:ext uri="{BB962C8B-B14F-4D97-AF65-F5344CB8AC3E}">
+        <p14:creationId xmlns:p14="http://schemas.microsoft.com/office/powerpoint/2010/main" val="2960184834"/>
+      </p:ext>
+    </p:extLst>
+  </p:cSld>
+  <p:clrMapOvr>
+    <a:masterClrMapping/>
+  </p:clrMapOvr>
+  <p:timing>
+    <p:tnLst>
+      <p:par>
+        <p:cTn xmlns:p14="http://schemas.microsoft.com/office/powerpoint/2010/main" id="1" dur="indefinite" restart="never" nodeType="tmRoot"/>
+      </p:par>
+    </p:tnLst>
+  </p:timing>
+</p:sld>
+</file>
+
+<file path=ppt/slides/slide8.xml><?xml version="1.0" encoding="utf-8"?>
+<p:sld xmlns:a="http://schemas.openxmlformats.org/drawingml/2006/main" xmlns:r="http://schemas.openxmlformats.org/officeDocument/2006/relationships" xmlns:p="http://schemas.openxmlformats.org/presentationml/2006/main">
+  <p:cSld>
+    <p:spTree>
+      <p:nvGrpSpPr>
+        <p:cNvPr id="1" name=""/>
+        <p:cNvGrpSpPr/>
+        <p:nvPr/>
+      </p:nvGrpSpPr>
+      <p:grpSpPr>
+        <a:xfrm>
+          <a:off x="0" y="0"/>
+          <a:ext cx="0" cy="0"/>
+          <a:chOff x="0" y="0"/>
+          <a:chExt cx="0" cy="0"/>
+        </a:xfrm>
+      </p:grpSpPr>
+      <p:sp>
+        <p:nvSpPr>
+          <p:cNvPr id="2" name="Content Placeholder 1"/>
+          <p:cNvSpPr>
+            <a:spLocks noGrp="1"/>
+          </p:cNvSpPr>
+          <p:nvPr>
+            <p:ph idx="1"/>
+          </p:nvPr>
+        </p:nvSpPr>
+        <p:spPr/>
+        <p:txBody>
+          <a:bodyPr/>
+          <a:lstStyle/>
+          <a:p>
+            <a:r>
+              <a:rPr lang="en-US" dirty="0" smtClean="0"/>
+              <a:t>ROI regression would be optimal, but very hard</a:t>
+            </a:r>
+          </a:p>
+          <a:p>
+            <a:r>
+              <a:rPr lang="en-US" dirty="0" smtClean="0"/>
+              <a:t>Instead predict probability of default!</a:t>
+            </a:r>
+          </a:p>
+          <a:p>
+            <a:r>
+              <a:rPr lang="en-US" dirty="0" smtClean="0"/>
+              <a:t>Can be used for better measure of </a:t>
+            </a:r>
+            <a:r>
+              <a:rPr lang="en-US" i="1" dirty="0" smtClean="0"/>
+              <a:t>risk</a:t>
+            </a:r>
+          </a:p>
+          <a:p>
+            <a:pPr lvl="1"/>
+            <a:r>
+              <a:rPr lang="en-US" dirty="0" smtClean="0"/>
+              <a:t>Ignores </a:t>
+            </a:r>
+            <a:r>
+              <a:rPr lang="en-US" i="1" dirty="0" smtClean="0"/>
+              <a:t>return</a:t>
+            </a:r>
+            <a:endParaRPr lang="en-US" dirty="0" smtClean="0"/>
+          </a:p>
+        </p:txBody>
+      </p:sp>
+      <p:sp>
+        <p:nvSpPr>
+          <p:cNvPr id="3" name="Title 2"/>
+          <p:cNvSpPr>
+            <a:spLocks noGrp="1"/>
+          </p:cNvSpPr>
+          <p:nvPr>
+            <p:ph type="title"/>
+          </p:nvPr>
+        </p:nvSpPr>
+        <p:spPr/>
+        <p:txBody>
+          <a:bodyPr/>
+          <a:lstStyle/>
+          <a:p>
+            <a:r>
+              <a:rPr lang="en-US" dirty="0" smtClean="0"/>
+              <a:t>Choosing Function</a:t>
+            </a:r>
+            <a:endParaRPr lang="en-US" dirty="0"/>
+          </a:p>
+        </p:txBody>
+      </p:sp>
+    </p:spTree>
+    <p:extLst>
+      <p:ext uri="{BB962C8B-B14F-4D97-AF65-F5344CB8AC3E}">
+        <p14:creationId xmlns:p14="http://schemas.microsoft.com/office/powerpoint/2010/main" val="683067832"/>
+      </p:ext>
+    </p:extLst>
+  </p:cSld>
+  <p:clrMapOvr>
+    <a:masterClrMapping/>
+  </p:clrMapOvr>
+  <p:timing>
+    <p:tnLst>
+      <p:par>
+        <p:cTn xmlns:p14="http://schemas.microsoft.com/office/powerpoint/2010/main" id="1" dur="indefinite" restart="never" nodeType="tmRoot"/>
+      </p:par>
+    </p:tnLst>
+  </p:timing>
+</p:sld>
+</file>
+
+<file path=ppt/slides/slide9.xml><?xml version="1.0" encoding="utf-8"?>
+<p:sld xmlns:a="http://schemas.openxmlformats.org/drawingml/2006/main" xmlns:r="http://schemas.openxmlformats.org/officeDocument/2006/relationships" xmlns:p="http://schemas.openxmlformats.org/presentationml/2006/main">
+  <p:cSld>
+    <p:spTree>
+      <p:nvGrpSpPr>
+        <p:cNvPr id="1" name=""/>
+        <p:cNvGrpSpPr/>
+        <p:nvPr/>
+      </p:nvGrpSpPr>
+      <p:grpSpPr>
+        <a:xfrm>
+          <a:off x="0" y="0"/>
+          <a:ext cx="0" cy="0"/>
+          <a:chOff x="0" y="0"/>
+          <a:chExt cx="0" cy="0"/>
+        </a:xfrm>
+      </p:grpSpPr>
+      <p:sp>
+        <p:nvSpPr>
+          <p:cNvPr id="2" name="Content Placeholder 1"/>
+          <p:cNvSpPr>
+            <a:spLocks noGrp="1"/>
+          </p:cNvSpPr>
+          <p:nvPr>
+            <p:ph idx="1"/>
+          </p:nvPr>
+        </p:nvSpPr>
+        <p:spPr/>
+        <p:txBody>
+          <a:bodyPr/>
+          <a:lstStyle/>
+          <a:p>
+            <a:r>
+              <a:rPr lang="en-US" dirty="0" smtClean="0"/>
+              <a:t>Data relationships likely very complex</a:t>
+            </a:r>
+          </a:p>
+          <a:p>
+            <a:r>
+              <a:rPr lang="en-US" dirty="0" smtClean="0"/>
+              <a:t>Past work shows mixed results with SVMs</a:t>
+            </a:r>
+          </a:p>
+          <a:p>
+            <a:r>
+              <a:rPr lang="en-US" dirty="0" smtClean="0"/>
+              <a:t>Choice: ensemble methods!</a:t>
+            </a:r>
+          </a:p>
+          <a:p>
+            <a:pPr lvl="1"/>
+            <a:r>
+              <a:rPr lang="en-US" dirty="0" smtClean="0"/>
+              <a:t>Random Forest</a:t>
+            </a:r>
+          </a:p>
+          <a:p>
+            <a:pPr lvl="1"/>
+            <a:r>
+              <a:rPr lang="en-US" dirty="0" smtClean="0"/>
+              <a:t>Gradient Boosting</a:t>
+            </a:r>
+          </a:p>
+          <a:p>
+            <a:r>
+              <a:rPr lang="en-US" dirty="0" smtClean="0"/>
+              <a:t>Need a simple model for baseline</a:t>
+            </a:r>
+          </a:p>
+          <a:p>
+            <a:pPr lvl="1"/>
+            <a:r>
+              <a:rPr lang="en-US" dirty="0" smtClean="0"/>
+              <a:t>Logistic Regression</a:t>
+            </a:r>
+            <a:endParaRPr lang="en-US" dirty="0" smtClean="0"/>
+          </a:p>
+        </p:txBody>
+      </p:sp>
+      <p:sp>
+        <p:nvSpPr>
+          <p:cNvPr id="3" name="Title 2"/>
+          <p:cNvSpPr>
+            <a:spLocks noGrp="1"/>
+          </p:cNvSpPr>
+          <p:nvPr>
+            <p:ph type="title"/>
+          </p:nvPr>
+        </p:nvSpPr>
+        <p:spPr/>
+        <p:txBody>
+          <a:bodyPr/>
+          <a:lstStyle/>
+          <a:p>
+            <a:r>
+              <a:rPr lang="en-US" dirty="0" smtClean="0"/>
+              <a:t>Choosing Model</a:t>
+            </a:r>
+            <a:endParaRPr lang="en-US" dirty="0"/>
+          </a:p>
+        </p:txBody>
+      </p:sp>
+    </p:spTree>
+  </p:cSld>
+  <p:clrMapOvr>
+    <a:masterClrMapping/>
+  </p:clrMapOvr>
+  <p:timing>
+    <p:tnLst>
+      <p:par>
+        <p:cTn xmlns:p14="http://schemas.microsoft.com/office/powerpoint/2010/main" id="1" dur="indefinite" restart="never" nodeType="tmRoot"/>
       </p:par>
     </p:tnLst>
   </p:timing>
